--- a/04 - Azure Functions/Azure Functions.pptx
+++ b/04 - Azure Functions/Azure Functions.pptx
@@ -279,7 +279,7 @@
             <a:pPr rtl="0"/>
             <a:fld id="{268207A6-7ADA-45B8-951F-34576C3577BD}" type="datetime1">
               <a:rPr lang="sk-SK" smtClean="0"/>
-              <a:t>27. 9. 2021</a:t>
+              <a:t>1. 10. 2021</a:t>
             </a:fld>
             <a:endParaRPr lang="sk-SK" dirty="0"/>
           </a:p>
@@ -449,7 +449,7 @@
             <a:pPr rtl="0"/>
             <a:fld id="{591A0293-3DCA-4153-B68A-A2DB651509C0}" type="datetime1">
               <a:rPr lang="sk-SK" noProof="0" smtClean="0"/>
-              <a:t>27. 9. 2021</a:t>
+              <a:t>1. 10. 2021</a:t>
             </a:fld>
             <a:endParaRPr lang="sk-SK" noProof="0" dirty="0"/>
           </a:p>
@@ -1311,7 +1311,7 @@
             <a:pPr rtl="0"/>
             <a:fld id="{900FA921-B42C-4118-B7D5-0895D3550D77}" type="datetime1">
               <a:rPr lang="sk-SK" noProof="0" smtClean="0"/>
-              <a:t>27. 9. 2021</a:t>
+              <a:t>1. 10. 2021</a:t>
             </a:fld>
             <a:endParaRPr lang="sk-SK" noProof="0" dirty="0"/>
           </a:p>
@@ -1608,7 +1608,7 @@
             <a:pPr rtl="0"/>
             <a:fld id="{4BEE775C-7769-4983-973F-31EBB41A2D12}" type="datetime1">
               <a:rPr lang="sk-SK" noProof="0" smtClean="0"/>
-              <a:t>27. 9. 2021</a:t>
+              <a:t>1. 10. 2021</a:t>
             </a:fld>
             <a:endParaRPr lang="sk-SK" noProof="0" dirty="0"/>
           </a:p>
@@ -1856,7 +1856,7 @@
             <a:pPr rtl="0"/>
             <a:fld id="{C932E5DF-018E-49DA-B38A-5E65209E32B5}" type="datetime1">
               <a:rPr lang="sk-SK" noProof="0" smtClean="0"/>
-              <a:t>27. 9. 2021</a:t>
+              <a:t>1. 10. 2021</a:t>
             </a:fld>
             <a:endParaRPr lang="sk-SK" noProof="0" dirty="0"/>
           </a:p>
@@ -2396,7 +2396,7 @@
             <a:pPr rtl="0"/>
             <a:fld id="{5109D02C-C2F0-42B1-AF2A-7F22B5DC25B0}" type="datetime1">
               <a:rPr lang="sk-SK" noProof="0" smtClean="0"/>
-              <a:t>27. 9. 2021</a:t>
+              <a:t>1. 10. 2021</a:t>
             </a:fld>
             <a:endParaRPr lang="sk-SK" noProof="0" dirty="0"/>
           </a:p>
@@ -2644,7 +2644,7 @@
             <a:pPr rtl="0"/>
             <a:fld id="{27313ED6-7DF5-4EA8-A15A-56106F4AB1A8}" type="datetime1">
               <a:rPr lang="sk-SK" noProof="0" smtClean="0"/>
-              <a:t>27. 9. 2021</a:t>
+              <a:t>1. 10. 2021</a:t>
             </a:fld>
             <a:endParaRPr lang="sk-SK" noProof="0" dirty="0"/>
           </a:p>
@@ -3176,7 +3176,7 @@
             <a:pPr rtl="0"/>
             <a:fld id="{460B05BE-B82C-4836-BEE3-86B662C73967}" type="datetime1">
               <a:rPr lang="sk-SK" noProof="0" smtClean="0"/>
-              <a:t>27. 9. 2021</a:t>
+              <a:t>1. 10. 2021</a:t>
             </a:fld>
             <a:endParaRPr lang="sk-SK" noProof="0" dirty="0"/>
           </a:p>
@@ -3472,7 +3472,7 @@
             <a:pPr rtl="0"/>
             <a:fld id="{B6D80D0C-15C1-4232-BBBA-C081C283B074}" type="datetime1">
               <a:rPr lang="sk-SK" noProof="0" smtClean="0"/>
-              <a:t>27. 9. 2021</a:t>
+              <a:t>1. 10. 2021</a:t>
             </a:fld>
             <a:endParaRPr lang="sk-SK" noProof="0" dirty="0"/>
           </a:p>
@@ -3646,7 +3646,7 @@
             <a:pPr rtl="0"/>
             <a:fld id="{9C092629-6D55-437C-89A0-31B0B55C4A73}" type="datetime1">
               <a:rPr lang="sk-SK" noProof="0" smtClean="0"/>
-              <a:t>27. 9. 2021</a:t>
+              <a:t>1. 10. 2021</a:t>
             </a:fld>
             <a:endParaRPr lang="sk-SK" noProof="0" dirty="0"/>
           </a:p>
@@ -3826,7 +3826,7 @@
             <a:pPr rtl="0"/>
             <a:fld id="{45F7A265-AC1F-4DE6-B2E7-EDDEC1CB13AE}" type="datetime1">
               <a:rPr lang="sk-SK" noProof="0" smtClean="0"/>
-              <a:t>27. 9. 2021</a:t>
+              <a:t>1. 10. 2021</a:t>
             </a:fld>
             <a:endParaRPr lang="sk-SK" noProof="0" dirty="0"/>
           </a:p>
@@ -3996,7 +3996,7 @@
             <a:pPr rtl="0"/>
             <a:fld id="{556A154B-A35F-4191-B844-7C2621556C5A}" type="datetime1">
               <a:rPr lang="sk-SK" noProof="0" smtClean="0"/>
-              <a:t>27. 9. 2021</a:t>
+              <a:t>1. 10. 2021</a:t>
             </a:fld>
             <a:endParaRPr lang="sk-SK" noProof="0" dirty="0"/>
           </a:p>
@@ -4247,7 +4247,7 @@
             <a:pPr rtl="0"/>
             <a:fld id="{ECC8ABC4-B50E-4AED-80D0-A4EA425A67F1}" type="datetime1">
               <a:rPr lang="sk-SK" noProof="0" smtClean="0"/>
-              <a:t>27. 9. 2021</a:t>
+              <a:t>1. 10. 2021</a:t>
             </a:fld>
             <a:endParaRPr lang="sk-SK" noProof="0" dirty="0"/>
           </a:p>
@@ -4544,7 +4544,7 @@
             <a:pPr rtl="0"/>
             <a:fld id="{79846675-4AE1-4AA6-90BD-F0C34E95FD01}" type="datetime1">
               <a:rPr lang="sk-SK" noProof="0" smtClean="0"/>
-              <a:t>27. 9. 2021</a:t>
+              <a:t>1. 10. 2021</a:t>
             </a:fld>
             <a:endParaRPr lang="sk-SK" noProof="0" dirty="0"/>
           </a:p>
@@ -4986,7 +4986,7 @@
             <a:pPr rtl="0"/>
             <a:fld id="{7378032B-3EDA-4C05-BE29-4965CEDCD681}" type="datetime1">
               <a:rPr lang="sk-SK" noProof="0" smtClean="0"/>
-              <a:t>27. 9. 2021</a:t>
+              <a:t>1. 10. 2021</a:t>
             </a:fld>
             <a:endParaRPr lang="sk-SK" noProof="0" dirty="0"/>
           </a:p>
@@ -5104,7 +5104,7 @@
             <a:pPr rtl="0"/>
             <a:fld id="{8E1C420E-D5B6-4085-8589-6BD6C0D15322}" type="datetime1">
               <a:rPr lang="sk-SK" noProof="0" smtClean="0"/>
-              <a:t>27. 9. 2021</a:t>
+              <a:t>1. 10. 2021</a:t>
             </a:fld>
             <a:endParaRPr lang="sk-SK" noProof="0" dirty="0"/>
           </a:p>
@@ -5198,7 +5198,7 @@
             <a:pPr rtl="0"/>
             <a:fld id="{EE61EFEC-06A5-463A-84CB-3AC23AB02C2D}" type="datetime1">
               <a:rPr lang="sk-SK" noProof="0" smtClean="0"/>
-              <a:t>27. 9. 2021</a:t>
+              <a:t>1. 10. 2021</a:t>
             </a:fld>
             <a:endParaRPr lang="sk-SK" noProof="0" dirty="0"/>
           </a:p>
@@ -5481,7 +5481,7 @@
             <a:pPr rtl="0"/>
             <a:fld id="{2EB672FB-3028-4C4A-9E46-B78FDE73405B}" type="datetime1">
               <a:rPr lang="sk-SK" noProof="0" smtClean="0"/>
-              <a:t>27. 9. 2021</a:t>
+              <a:t>1. 10. 2021</a:t>
             </a:fld>
             <a:endParaRPr lang="sk-SK" noProof="0" dirty="0"/>
           </a:p>
@@ -5773,7 +5773,7 @@
             <a:pPr rtl="0"/>
             <a:fld id="{60367B1A-8B56-4DB3-9D45-FDEF93DAB338}" type="datetime1">
               <a:rPr lang="sk-SK" noProof="0" smtClean="0"/>
-              <a:t>27. 9. 2021</a:t>
+              <a:t>1. 10. 2021</a:t>
             </a:fld>
             <a:endParaRPr lang="sk-SK" noProof="0" dirty="0"/>
           </a:p>
@@ -6301,7 +6301,7 @@
             <a:pPr rtl="0"/>
             <a:fld id="{34C29ED1-23D1-4646-81FC-DC0A2419921B}" type="datetime1">
               <a:rPr lang="sk-SK" noProof="0" smtClean="0"/>
-              <a:t>27. 9. 2021</a:t>
+              <a:t>1. 10. 2021</a:t>
             </a:fld>
             <a:endParaRPr lang="sk-SK" noProof="0" dirty="0"/>
           </a:p>
@@ -13401,15 +13401,7 @@
               <a:rPr lang="sk-SK" b="1" dirty="0" err="1"/>
               <a:t>local.settings.json</a:t>
             </a:r>
-            <a:r>
-              <a:rPr lang="sk-SK" b="1" dirty="0"/>
-              <a:t> </a:t>
-            </a:r>
-            <a:r>
-              <a:rPr lang="sk-SK" dirty="0"/>
-              <a:t>(iba ak beží projekt lokálne)</a:t>
-            </a:r>
-            <a:endParaRPr lang="sk-SK" b="1" dirty="0"/>
+            <a:endParaRPr lang="en-US" b="1" dirty="0"/>
           </a:p>
           <a:p>
             <a:pPr algn="just"/>
@@ -14147,11 +14139,19 @@
             <a:pPr algn="just"/>
             <a:r>
               <a:rPr lang="sk-SK" dirty="0"/>
-              <a:t>By default vracia HTTP 204 No </a:t>
-            </a:r>
-            <a:r>
-              <a:rPr lang="sk-SK" dirty="0" err="1"/>
-              <a:t>Content</a:t>
+              <a:t>By default vracia HTTP 20</a:t>
+            </a:r>
+            <a:r>
+              <a:rPr lang="en-US" dirty="0"/>
+              <a:t>0</a:t>
+            </a:r>
+            <a:r>
+              <a:rPr lang="sk-SK" dirty="0"/>
+              <a:t> </a:t>
+            </a:r>
+            <a:r>
+              <a:rPr lang="en-US" dirty="0"/>
+              <a:t>OK	</a:t>
             </a:r>
             <a:endParaRPr lang="sk-SK" dirty="0"/>
           </a:p>
@@ -16715,6 +16715,14 @@
           <a:p>
             <a:pPr lvl="1"/>
             <a:r>
+              <a:rPr lang="en-US" dirty="0" err="1"/>
+              <a:t>ICloudBlob</a:t>
+            </a:r>
+            <a:r>
+              <a:rPr lang="en-US" dirty="0"/>
+              <a:t> / </a:t>
+            </a:r>
+            <a:r>
               <a:rPr lang="sk-SK" dirty="0" err="1"/>
               <a:t>BlobClient</a:t>
             </a:r>
@@ -16726,6 +16734,14 @@
           <a:p>
             <a:pPr lvl="1"/>
             <a:r>
+              <a:rPr lang="en-US" dirty="0" err="1"/>
+              <a:t>CloudBlockBlob</a:t>
+            </a:r>
+            <a:r>
+              <a:rPr lang="en-US" dirty="0"/>
+              <a:t> / </a:t>
+            </a:r>
+            <a:r>
               <a:rPr lang="sk-SK" dirty="0" err="1"/>
               <a:t>BlockBlobClient</a:t>
             </a:r>
@@ -16737,6 +16753,14 @@
           <a:p>
             <a:pPr lvl="1"/>
             <a:r>
+              <a:rPr lang="en-US" dirty="0" err="1"/>
+              <a:t>CloudPageBlob</a:t>
+            </a:r>
+            <a:r>
+              <a:rPr lang="en-US" dirty="0"/>
+              <a:t> / </a:t>
+            </a:r>
+            <a:r>
               <a:rPr lang="sk-SK" dirty="0" err="1"/>
               <a:t>PageBlobClient</a:t>
             </a:r>
@@ -16748,6 +16772,14 @@
           <a:p>
             <a:pPr lvl="1"/>
             <a:r>
+              <a:rPr lang="en-US" dirty="0" err="1"/>
+              <a:t>CloudAppendBlob</a:t>
+            </a:r>
+            <a:r>
+              <a:rPr lang="en-US" dirty="0"/>
+              <a:t> / </a:t>
+            </a:r>
+            <a:r>
               <a:rPr lang="sk-SK" dirty="0" err="1"/>
               <a:t>AppendBlobClient</a:t>
             </a:r>
@@ -16758,6 +16790,10 @@
           </a:p>
           <a:p>
             <a:pPr lvl="1"/>
+            <a:r>
+              <a:rPr lang="en-US" dirty="0"/>
+              <a:t> / </a:t>
+            </a:r>
             <a:r>
               <a:rPr lang="sk-SK" dirty="0" err="1"/>
               <a:t>BlobBaseClient</a:t>
@@ -23048,21 +23084,6 @@
 </file>
 
 <file path=customXml/item1.xml><?xml version="1.0" encoding="utf-8"?>
-<p:properties xmlns:p="http://schemas.microsoft.com/office/2006/metadata/properties" xmlns:xsi="http://www.w3.org/2001/XMLSchema-instance" xmlns:pc="http://schemas.microsoft.com/office/infopath/2007/PartnerControls">
-  <documentManagement/>
-</p:properties>
-</file>
-
-<file path=customXml/item2.xml><?xml version="1.0" encoding="utf-8"?>
-<?mso-contentType ?>
-<FormTemplates xmlns="http://schemas.microsoft.com/sharepoint/v3/contenttype/forms">
-  <Display>DocumentLibraryForm</Display>
-  <Edit>DocumentLibraryForm</Edit>
-  <New>DocumentLibraryForm</New>
-</FormTemplates>
-</file>
-
-<file path=customXml/item3.xml><?xml version="1.0" encoding="utf-8"?>
 <ct:contentTypeSchema xmlns:ct="http://schemas.microsoft.com/office/2006/metadata/contentType" xmlns:ma="http://schemas.microsoft.com/office/2006/metadata/properties/metaAttributes" ct:_="" ma:_="" ma:contentTypeName="Dokument" ma:contentTypeID="0x010100D81D723D8BF7FD46A3A6BCCE71436C13" ma:contentTypeVersion="9" ma:contentTypeDescription="Umožňuje vytvoriť nový dokument." ma:contentTypeScope="" ma:versionID="5027bbb3b2b87f7facb5ec0a1a051276">
   <xsd:schema xmlns:xsd="http://www.w3.org/2001/XMLSchema" xmlns:xs="http://www.w3.org/2001/XMLSchema" xmlns:p="http://schemas.microsoft.com/office/2006/metadata/properties" xmlns:ns3="246628ed-b902-4bde-9cb2-b95f5582a2ce" xmlns:ns4="4e8b0afe-22a4-452b-ae06-8cabd0658848" targetNamespace="http://schemas.microsoft.com/office/2006/metadata/properties" ma:root="true" ma:fieldsID="f5d73a384b069110ab5db9ac98912687" ns3:_="" ns4:_="">
     <xsd:import namespace="246628ed-b902-4bde-9cb2-b95f5582a2ce"/>
@@ -23259,7 +23280,41 @@
 </ct:contentTypeSchema>
 </file>
 
+<file path=customXml/item2.xml><?xml version="1.0" encoding="utf-8"?>
+<p:properties xmlns:p="http://schemas.microsoft.com/office/2006/metadata/properties" xmlns:xsi="http://www.w3.org/2001/XMLSchema-instance" xmlns:pc="http://schemas.microsoft.com/office/infopath/2007/PartnerControls">
+  <documentManagement/>
+</p:properties>
+</file>
+
+<file path=customXml/item3.xml><?xml version="1.0" encoding="utf-8"?>
+<?mso-contentType ?>
+<FormTemplates xmlns="http://schemas.microsoft.com/sharepoint/v3/contenttype/forms">
+  <Display>DocumentLibraryForm</Display>
+  <Edit>DocumentLibraryForm</Edit>
+  <New>DocumentLibraryForm</New>
+</FormTemplates>
+</file>
+
 <file path=customXml/itemProps1.xml><?xml version="1.0" encoding="utf-8"?>
+<ds:datastoreItem xmlns:ds="http://schemas.openxmlformats.org/officeDocument/2006/customXml" ds:itemID="{60E9A80C-22BC-45AC-8E2E-E86FB731BF06}">
+  <ds:schemaRefs>
+    <ds:schemaRef ds:uri="http://schemas.microsoft.com/office/2006/metadata/contentType"/>
+    <ds:schemaRef ds:uri="http://schemas.microsoft.com/office/2006/metadata/properties/metaAttributes"/>
+    <ds:schemaRef ds:uri="http://www.w3.org/2001/XMLSchema"/>
+    <ds:schemaRef ds:uri="http://schemas.microsoft.com/office/2006/metadata/properties"/>
+    <ds:schemaRef ds:uri="246628ed-b902-4bde-9cb2-b95f5582a2ce"/>
+    <ds:schemaRef ds:uri="4e8b0afe-22a4-452b-ae06-8cabd0658848"/>
+    <ds:schemaRef ds:uri="http://schemas.microsoft.com/office/2006/documentManagement/types"/>
+    <ds:schemaRef ds:uri="http://schemas.microsoft.com/office/infopath/2007/PartnerControls"/>
+    <ds:schemaRef ds:uri="http://schemas.openxmlformats.org/package/2006/metadata/core-properties"/>
+    <ds:schemaRef ds:uri="http://purl.org/dc/elements/1.1/"/>
+    <ds:schemaRef ds:uri="http://purl.org/dc/terms/"/>
+    <ds:schemaRef ds:uri="http://schemas.microsoft.com/internal/obd"/>
+  </ds:schemaRefs>
+</ds:datastoreItem>
+</file>
+
+<file path=customXml/itemProps2.xml><?xml version="1.0" encoding="utf-8"?>
 <ds:datastoreItem xmlns:ds="http://schemas.openxmlformats.org/officeDocument/2006/customXml" ds:itemID="{D7023227-530E-4024-91EF-312A851A758C}">
   <ds:schemaRefs>
     <ds:schemaRef ds:uri="http://schemas.microsoft.com/office/2006/documentManagement/types"/>
@@ -23276,29 +23331,10 @@
 </ds:datastoreItem>
 </file>
 
-<file path=customXml/itemProps2.xml><?xml version="1.0" encoding="utf-8"?>
+<file path=customXml/itemProps3.xml><?xml version="1.0" encoding="utf-8"?>
 <ds:datastoreItem xmlns:ds="http://schemas.openxmlformats.org/officeDocument/2006/customXml" ds:itemID="{33315AA3-EAE3-44ED-8368-BAC2FFFB4817}">
   <ds:schemaRefs>
     <ds:schemaRef ds:uri="http://schemas.microsoft.com/sharepoint/v3/contenttype/forms"/>
   </ds:schemaRefs>
 </ds:datastoreItem>
-</file>
-
-<file path=customXml/itemProps3.xml><?xml version="1.0" encoding="utf-8"?>
-<ds:datastoreItem xmlns:ds="http://schemas.openxmlformats.org/officeDocument/2006/customXml" ds:itemID="{60E9A80C-22BC-45AC-8E2E-E86FB731BF06}">
-  <ds:schemaRefs>
-    <ds:schemaRef ds:uri="http://schemas.microsoft.com/office/2006/metadata/contentType"/>
-    <ds:schemaRef ds:uri="http://schemas.microsoft.com/office/2006/metadata/properties/metaAttributes"/>
-    <ds:schemaRef ds:uri="http://www.w3.org/2001/XMLSchema"/>
-    <ds:schemaRef ds:uri="http://schemas.microsoft.com/office/2006/metadata/properties"/>
-    <ds:schemaRef ds:uri="246628ed-b902-4bde-9cb2-b95f5582a2ce"/>
-    <ds:schemaRef ds:uri="4e8b0afe-22a4-452b-ae06-8cabd0658848"/>
-    <ds:schemaRef ds:uri="http://schemas.microsoft.com/office/2006/documentManagement/types"/>
-    <ds:schemaRef ds:uri="http://schemas.microsoft.com/office/infopath/2007/PartnerControls"/>
-    <ds:schemaRef ds:uri="http://schemas.openxmlformats.org/package/2006/metadata/core-properties"/>
-    <ds:schemaRef ds:uri="http://purl.org/dc/elements/1.1/"/>
-    <ds:schemaRef ds:uri="http://purl.org/dc/terms/"/>
-    <ds:schemaRef ds:uri="http://schemas.microsoft.com/internal/obd"/>
-  </ds:schemaRefs>
-</ds:datastoreItem>
 </file>
--- a/04 - Azure Functions/Azure Functions.pptx
+++ b/04 - Azure Functions/Azure Functions.pptx
@@ -5,10 +5,10 @@
     <p:sldMasterId id="2147483648" r:id="rId4"/>
   </p:sldMasterIdLst>
   <p:notesMasterIdLst>
-    <p:notesMasterId r:id="rId80"/>
+    <p:notesMasterId r:id="rId81"/>
   </p:notesMasterIdLst>
   <p:handoutMasterIdLst>
-    <p:handoutMasterId r:id="rId81"/>
+    <p:handoutMasterId r:id="rId82"/>
   </p:handoutMasterIdLst>
   <p:sldIdLst>
     <p:sldId id="260" r:id="rId5"/>
@@ -47,45 +47,46 @@
     <p:sldId id="430" r:id="rId38"/>
     <p:sldId id="431" r:id="rId39"/>
     <p:sldId id="432" r:id="rId40"/>
-    <p:sldId id="436" r:id="rId41"/>
-    <p:sldId id="395" r:id="rId42"/>
-    <p:sldId id="441" r:id="rId43"/>
-    <p:sldId id="433" r:id="rId44"/>
-    <p:sldId id="434" r:id="rId45"/>
-    <p:sldId id="454" r:id="rId46"/>
-    <p:sldId id="437" r:id="rId47"/>
-    <p:sldId id="440" r:id="rId48"/>
-    <p:sldId id="442" r:id="rId49"/>
-    <p:sldId id="450" r:id="rId50"/>
-    <p:sldId id="451" r:id="rId51"/>
-    <p:sldId id="449" r:id="rId52"/>
-    <p:sldId id="445" r:id="rId53"/>
-    <p:sldId id="446" r:id="rId54"/>
-    <p:sldId id="455" r:id="rId55"/>
-    <p:sldId id="448" r:id="rId56"/>
-    <p:sldId id="456" r:id="rId57"/>
-    <p:sldId id="452" r:id="rId58"/>
-    <p:sldId id="457" r:id="rId59"/>
-    <p:sldId id="458" r:id="rId60"/>
-    <p:sldId id="468" r:id="rId61"/>
-    <p:sldId id="461" r:id="rId62"/>
-    <p:sldId id="462" r:id="rId63"/>
-    <p:sldId id="469" r:id="rId64"/>
-    <p:sldId id="463" r:id="rId65"/>
-    <p:sldId id="464" r:id="rId66"/>
-    <p:sldId id="465" r:id="rId67"/>
-    <p:sldId id="466" r:id="rId68"/>
-    <p:sldId id="467" r:id="rId69"/>
-    <p:sldId id="470" r:id="rId70"/>
-    <p:sldId id="471" r:id="rId71"/>
-    <p:sldId id="472" r:id="rId72"/>
-    <p:sldId id="473" r:id="rId73"/>
-    <p:sldId id="474" r:id="rId74"/>
-    <p:sldId id="475" r:id="rId75"/>
-    <p:sldId id="476" r:id="rId76"/>
-    <p:sldId id="289" r:id="rId77"/>
-    <p:sldId id="290" r:id="rId78"/>
-    <p:sldId id="303" r:id="rId79"/>
+    <p:sldId id="477" r:id="rId41"/>
+    <p:sldId id="436" r:id="rId42"/>
+    <p:sldId id="395" r:id="rId43"/>
+    <p:sldId id="441" r:id="rId44"/>
+    <p:sldId id="433" r:id="rId45"/>
+    <p:sldId id="434" r:id="rId46"/>
+    <p:sldId id="454" r:id="rId47"/>
+    <p:sldId id="437" r:id="rId48"/>
+    <p:sldId id="440" r:id="rId49"/>
+    <p:sldId id="442" r:id="rId50"/>
+    <p:sldId id="450" r:id="rId51"/>
+    <p:sldId id="451" r:id="rId52"/>
+    <p:sldId id="449" r:id="rId53"/>
+    <p:sldId id="445" r:id="rId54"/>
+    <p:sldId id="446" r:id="rId55"/>
+    <p:sldId id="455" r:id="rId56"/>
+    <p:sldId id="448" r:id="rId57"/>
+    <p:sldId id="456" r:id="rId58"/>
+    <p:sldId id="452" r:id="rId59"/>
+    <p:sldId id="457" r:id="rId60"/>
+    <p:sldId id="458" r:id="rId61"/>
+    <p:sldId id="468" r:id="rId62"/>
+    <p:sldId id="461" r:id="rId63"/>
+    <p:sldId id="462" r:id="rId64"/>
+    <p:sldId id="469" r:id="rId65"/>
+    <p:sldId id="463" r:id="rId66"/>
+    <p:sldId id="464" r:id="rId67"/>
+    <p:sldId id="465" r:id="rId68"/>
+    <p:sldId id="466" r:id="rId69"/>
+    <p:sldId id="467" r:id="rId70"/>
+    <p:sldId id="470" r:id="rId71"/>
+    <p:sldId id="471" r:id="rId72"/>
+    <p:sldId id="472" r:id="rId73"/>
+    <p:sldId id="473" r:id="rId74"/>
+    <p:sldId id="474" r:id="rId75"/>
+    <p:sldId id="475" r:id="rId76"/>
+    <p:sldId id="476" r:id="rId77"/>
+    <p:sldId id="289" r:id="rId78"/>
+    <p:sldId id="290" r:id="rId79"/>
+    <p:sldId id="303" r:id="rId80"/>
   </p:sldIdLst>
   <p:sldSz cx="12192000" cy="6858000"/>
   <p:notesSz cx="6858000" cy="9144000"/>
@@ -279,7 +280,7 @@
             <a:pPr rtl="0"/>
             <a:fld id="{268207A6-7ADA-45B8-951F-34576C3577BD}" type="datetime1">
               <a:rPr lang="sk-SK" smtClean="0"/>
-              <a:t>1. 10. 2021</a:t>
+              <a:t>4. 10. 2021</a:t>
             </a:fld>
             <a:endParaRPr lang="sk-SK" dirty="0"/>
           </a:p>
@@ -449,7 +450,7 @@
             <a:pPr rtl="0"/>
             <a:fld id="{591A0293-3DCA-4153-B68A-A2DB651509C0}" type="datetime1">
               <a:rPr lang="sk-SK" noProof="0" smtClean="0"/>
-              <a:t>1. 10. 2021</a:t>
+              <a:t>4. 10. 2021</a:t>
             </a:fld>
             <a:endParaRPr lang="sk-SK" noProof="0" dirty="0"/>
           </a:p>
@@ -1311,7 +1312,7 @@
             <a:pPr rtl="0"/>
             <a:fld id="{900FA921-B42C-4118-B7D5-0895D3550D77}" type="datetime1">
               <a:rPr lang="sk-SK" noProof="0" smtClean="0"/>
-              <a:t>1. 10. 2021</a:t>
+              <a:t>4. 10. 2021</a:t>
             </a:fld>
             <a:endParaRPr lang="sk-SK" noProof="0" dirty="0"/>
           </a:p>
@@ -1608,7 +1609,7 @@
             <a:pPr rtl="0"/>
             <a:fld id="{4BEE775C-7769-4983-973F-31EBB41A2D12}" type="datetime1">
               <a:rPr lang="sk-SK" noProof="0" smtClean="0"/>
-              <a:t>1. 10. 2021</a:t>
+              <a:t>4. 10. 2021</a:t>
             </a:fld>
             <a:endParaRPr lang="sk-SK" noProof="0" dirty="0"/>
           </a:p>
@@ -1856,7 +1857,7 @@
             <a:pPr rtl="0"/>
             <a:fld id="{C932E5DF-018E-49DA-B38A-5E65209E32B5}" type="datetime1">
               <a:rPr lang="sk-SK" noProof="0" smtClean="0"/>
-              <a:t>1. 10. 2021</a:t>
+              <a:t>4. 10. 2021</a:t>
             </a:fld>
             <a:endParaRPr lang="sk-SK" noProof="0" dirty="0"/>
           </a:p>
@@ -2396,7 +2397,7 @@
             <a:pPr rtl="0"/>
             <a:fld id="{5109D02C-C2F0-42B1-AF2A-7F22B5DC25B0}" type="datetime1">
               <a:rPr lang="sk-SK" noProof="0" smtClean="0"/>
-              <a:t>1. 10. 2021</a:t>
+              <a:t>4. 10. 2021</a:t>
             </a:fld>
             <a:endParaRPr lang="sk-SK" noProof="0" dirty="0"/>
           </a:p>
@@ -2644,7 +2645,7 @@
             <a:pPr rtl="0"/>
             <a:fld id="{27313ED6-7DF5-4EA8-A15A-56106F4AB1A8}" type="datetime1">
               <a:rPr lang="sk-SK" noProof="0" smtClean="0"/>
-              <a:t>1. 10. 2021</a:t>
+              <a:t>4. 10. 2021</a:t>
             </a:fld>
             <a:endParaRPr lang="sk-SK" noProof="0" dirty="0"/>
           </a:p>
@@ -3176,7 +3177,7 @@
             <a:pPr rtl="0"/>
             <a:fld id="{460B05BE-B82C-4836-BEE3-86B662C73967}" type="datetime1">
               <a:rPr lang="sk-SK" noProof="0" smtClean="0"/>
-              <a:t>1. 10. 2021</a:t>
+              <a:t>4. 10. 2021</a:t>
             </a:fld>
             <a:endParaRPr lang="sk-SK" noProof="0" dirty="0"/>
           </a:p>
@@ -3472,7 +3473,7 @@
             <a:pPr rtl="0"/>
             <a:fld id="{B6D80D0C-15C1-4232-BBBA-C081C283B074}" type="datetime1">
               <a:rPr lang="sk-SK" noProof="0" smtClean="0"/>
-              <a:t>1. 10. 2021</a:t>
+              <a:t>4. 10. 2021</a:t>
             </a:fld>
             <a:endParaRPr lang="sk-SK" noProof="0" dirty="0"/>
           </a:p>
@@ -3646,7 +3647,7 @@
             <a:pPr rtl="0"/>
             <a:fld id="{9C092629-6D55-437C-89A0-31B0B55C4A73}" type="datetime1">
               <a:rPr lang="sk-SK" noProof="0" smtClean="0"/>
-              <a:t>1. 10. 2021</a:t>
+              <a:t>4. 10. 2021</a:t>
             </a:fld>
             <a:endParaRPr lang="sk-SK" noProof="0" dirty="0"/>
           </a:p>
@@ -3826,7 +3827,7 @@
             <a:pPr rtl="0"/>
             <a:fld id="{45F7A265-AC1F-4DE6-B2E7-EDDEC1CB13AE}" type="datetime1">
               <a:rPr lang="sk-SK" noProof="0" smtClean="0"/>
-              <a:t>1. 10. 2021</a:t>
+              <a:t>4. 10. 2021</a:t>
             </a:fld>
             <a:endParaRPr lang="sk-SK" noProof="0" dirty="0"/>
           </a:p>
@@ -3996,7 +3997,7 @@
             <a:pPr rtl="0"/>
             <a:fld id="{556A154B-A35F-4191-B844-7C2621556C5A}" type="datetime1">
               <a:rPr lang="sk-SK" noProof="0" smtClean="0"/>
-              <a:t>1. 10. 2021</a:t>
+              <a:t>4. 10. 2021</a:t>
             </a:fld>
             <a:endParaRPr lang="sk-SK" noProof="0" dirty="0"/>
           </a:p>
@@ -4247,7 +4248,7 @@
             <a:pPr rtl="0"/>
             <a:fld id="{ECC8ABC4-B50E-4AED-80D0-A4EA425A67F1}" type="datetime1">
               <a:rPr lang="sk-SK" noProof="0" smtClean="0"/>
-              <a:t>1. 10. 2021</a:t>
+              <a:t>4. 10. 2021</a:t>
             </a:fld>
             <a:endParaRPr lang="sk-SK" noProof="0" dirty="0"/>
           </a:p>
@@ -4544,7 +4545,7 @@
             <a:pPr rtl="0"/>
             <a:fld id="{79846675-4AE1-4AA6-90BD-F0C34E95FD01}" type="datetime1">
               <a:rPr lang="sk-SK" noProof="0" smtClean="0"/>
-              <a:t>1. 10. 2021</a:t>
+              <a:t>4. 10. 2021</a:t>
             </a:fld>
             <a:endParaRPr lang="sk-SK" noProof="0" dirty="0"/>
           </a:p>
@@ -4986,7 +4987,7 @@
             <a:pPr rtl="0"/>
             <a:fld id="{7378032B-3EDA-4C05-BE29-4965CEDCD681}" type="datetime1">
               <a:rPr lang="sk-SK" noProof="0" smtClean="0"/>
-              <a:t>1. 10. 2021</a:t>
+              <a:t>4. 10. 2021</a:t>
             </a:fld>
             <a:endParaRPr lang="sk-SK" noProof="0" dirty="0"/>
           </a:p>
@@ -5104,7 +5105,7 @@
             <a:pPr rtl="0"/>
             <a:fld id="{8E1C420E-D5B6-4085-8589-6BD6C0D15322}" type="datetime1">
               <a:rPr lang="sk-SK" noProof="0" smtClean="0"/>
-              <a:t>1. 10. 2021</a:t>
+              <a:t>4. 10. 2021</a:t>
             </a:fld>
             <a:endParaRPr lang="sk-SK" noProof="0" dirty="0"/>
           </a:p>
@@ -5198,7 +5199,7 @@
             <a:pPr rtl="0"/>
             <a:fld id="{EE61EFEC-06A5-463A-84CB-3AC23AB02C2D}" type="datetime1">
               <a:rPr lang="sk-SK" noProof="0" smtClean="0"/>
-              <a:t>1. 10. 2021</a:t>
+              <a:t>4. 10. 2021</a:t>
             </a:fld>
             <a:endParaRPr lang="sk-SK" noProof="0" dirty="0"/>
           </a:p>
@@ -5481,7 +5482,7 @@
             <a:pPr rtl="0"/>
             <a:fld id="{2EB672FB-3028-4C4A-9E46-B78FDE73405B}" type="datetime1">
               <a:rPr lang="sk-SK" noProof="0" smtClean="0"/>
-              <a:t>1. 10. 2021</a:t>
+              <a:t>4. 10. 2021</a:t>
             </a:fld>
             <a:endParaRPr lang="sk-SK" noProof="0" dirty="0"/>
           </a:p>
@@ -5773,7 +5774,7 @@
             <a:pPr rtl="0"/>
             <a:fld id="{60367B1A-8B56-4DB3-9D45-FDEF93DAB338}" type="datetime1">
               <a:rPr lang="sk-SK" noProof="0" smtClean="0"/>
-              <a:t>1. 10. 2021</a:t>
+              <a:t>4. 10. 2021</a:t>
             </a:fld>
             <a:endParaRPr lang="sk-SK" noProof="0" dirty="0"/>
           </a:p>
@@ -6301,7 +6302,7 @@
             <a:pPr rtl="0"/>
             <a:fld id="{34C29ED1-23D1-4646-81FC-DC0A2419921B}" type="datetime1">
               <a:rPr lang="sk-SK" noProof="0" smtClean="0"/>
-              <a:t>1. 10. 2021</a:t>
+              <a:t>4. 10. 2021</a:t>
             </a:fld>
             <a:endParaRPr lang="sk-SK" noProof="0" dirty="0"/>
           </a:p>
@@ -10259,6 +10260,20 @@
           <a:p>
             <a:r>
               <a:rPr lang="sk-SK" b="1" dirty="0" err="1"/>
+              <a:t>Cosmos</a:t>
+            </a:r>
+            <a:r>
+              <a:rPr lang="sk-SK" b="1" dirty="0"/>
+              <a:t> DB </a:t>
+            </a:r>
+            <a:r>
+              <a:rPr lang="sk-SK" dirty="0"/>
+              <a:t>– spustí funkciu pri vytvorení alebo zmene dokumentu v kolekcii</a:t>
+            </a:r>
+          </a:p>
+          <a:p>
+            <a:r>
+              <a:rPr lang="sk-SK" b="1" dirty="0" err="1"/>
               <a:t>Queue</a:t>
             </a:r>
             <a:r>
@@ -10290,20 +10305,6 @@
               <a:t>Storage</a:t>
             </a:r>
             <a:endParaRPr lang="sk-SK" dirty="0"/>
-          </a:p>
-          <a:p>
-            <a:r>
-              <a:rPr lang="sk-SK" b="1" dirty="0" err="1"/>
-              <a:t>Cosmos</a:t>
-            </a:r>
-            <a:r>
-              <a:rPr lang="sk-SK" b="1" dirty="0"/>
-              <a:t> DB </a:t>
-            </a:r>
-            <a:r>
-              <a:rPr lang="sk-SK" dirty="0"/>
-              <a:t>– spustí funkciu pri vytvorení alebo zmene dokumentu v kolekcii</a:t>
-            </a:r>
           </a:p>
           <a:p>
             <a:r>
@@ -10473,7 +10474,7 @@
           <a:p>
             <a:r>
               <a:rPr lang="sk-SK" dirty="0"/>
-              <a:t>Stačí nastaviť potrebné parametre a o ostatné sa postará funkcia na pozadí</a:t>
+              <a:t>Stačí nastaviť potrebné parametre a o ostatné sa na pozadí postará funkcia</a:t>
             </a:r>
             <a:endParaRPr lang="en-US" dirty="0"/>
           </a:p>
@@ -12159,7 +12160,15 @@
             <a:pPr lvl="1"/>
             <a:r>
               <a:rPr lang="sk-SK" b="1" dirty="0" err="1"/>
-              <a:t>FormatNextOccurences</a:t>
+              <a:t>FormatNextOccur</a:t>
+            </a:r>
+            <a:r>
+              <a:rPr lang="en-US" b="1" dirty="0"/>
+              <a:t>r</a:t>
+            </a:r>
+            <a:r>
+              <a:rPr lang="sk-SK" b="1" dirty="0" err="1"/>
+              <a:t>ences</a:t>
             </a:r>
             <a:r>
               <a:rPr lang="sk-SK" b="1" dirty="0"/>
@@ -12498,37 +12507,6 @@
               <a:t>); spúšťač je vždy in</a:t>
             </a:r>
           </a:p>
-          <a:p>
-            <a:pPr algn="just"/>
-            <a:r>
-              <a:rPr lang="sk-SK" b="1" dirty="0" err="1"/>
-              <a:t>dataType</a:t>
-            </a:r>
-            <a:r>
-              <a:rPr lang="sk-SK" b="1" dirty="0"/>
-              <a:t>: </a:t>
-            </a:r>
-            <a:r>
-              <a:rPr lang="sk-SK" dirty="0"/>
-              <a:t>pomocný parameter bližšie určujúci dátový typ parametra (</a:t>
-            </a:r>
-            <a:r>
-              <a:rPr lang="sk-SK" dirty="0" err="1"/>
-              <a:t>string</a:t>
-            </a:r>
-            <a:r>
-              <a:rPr lang="sk-SK" dirty="0"/>
-              <a:t>/</a:t>
-            </a:r>
-            <a:r>
-              <a:rPr lang="sk-SK" dirty="0" err="1"/>
-              <a:t>binary</a:t>
-            </a:r>
-            <a:r>
-              <a:rPr lang="sk-SK" dirty="0"/>
-              <a:t>/stream)</a:t>
-            </a:r>
-          </a:p>
         </p:txBody>
       </p:sp>
     </p:spTree>
@@ -12672,11 +12650,15 @@
             <a:pPr algn="just"/>
             <a:r>
               <a:rPr lang="sk-SK" dirty="0"/>
-              <a:t>Podpora viacerých programovacích jazykov a možností </a:t>
-            </a:r>
-            <a:r>
-              <a:rPr lang="sk-SK" dirty="0" err="1"/>
-              <a:t>hostingu</a:t>
+              <a:t>Podpora viacerých programovacích jazykov a </a:t>
+            </a:r>
+            <a:r>
+              <a:rPr lang="en-US" dirty="0"/>
+              <a:t>pl</a:t>
+            </a:r>
+            <a:r>
+              <a:rPr lang="sk-SK" dirty="0" err="1"/>
+              <a:t>ánov</a:t>
             </a:r>
             <a:endParaRPr lang="sk-SK" dirty="0"/>
           </a:p>
@@ -14110,7 +14092,7 @@
         <p:spPr/>
         <p:txBody>
           <a:bodyPr>
-            <a:normAutofit fontScale="92500" lnSpcReduction="20000"/>
+            <a:normAutofit/>
           </a:bodyPr>
           <a:lstStyle/>
           <a:p>
@@ -14143,64 +14125,23 @@
             </a:r>
             <a:r>
               <a:rPr lang="en-US" dirty="0"/>
-              <a:t>0</a:t>
+              <a:t>4</a:t>
             </a:r>
             <a:r>
               <a:rPr lang="sk-SK" dirty="0"/>
               <a:t> </a:t>
             </a:r>
             <a:r>
+              <a:rPr lang="en-US" dirty="0" err="1"/>
+              <a:t>NoContent</a:t>
+            </a:r>
+            <a:r>
               <a:rPr lang="en-US" dirty="0"/>
-              <a:t>OK	</a:t>
-            </a:r>
-            <a:endParaRPr lang="sk-SK" dirty="0"/>
-          </a:p>
-          <a:p>
-            <a:pPr algn="just"/>
-            <a:r>
-              <a:rPr lang="sk-SK" dirty="0"/>
-              <a:t>Pri funkcii je potrebné nastaviť úroveň zabezpečenia:</a:t>
-            </a:r>
-          </a:p>
-          <a:p>
-            <a:pPr lvl="1" algn="just"/>
-            <a:r>
-              <a:rPr lang="sk-SK" b="1" dirty="0" err="1"/>
-              <a:t>Anonymous</a:t>
-            </a:r>
-            <a:r>
-              <a:rPr lang="sk-SK" dirty="0"/>
-              <a:t> – volanie nevyžaduje autentifikáciu</a:t>
-            </a:r>
-          </a:p>
-          <a:p>
-            <a:pPr lvl="1" algn="just"/>
-            <a:r>
-              <a:rPr lang="sk-SK" b="1" dirty="0" err="1"/>
-              <a:t>Function</a:t>
-            </a:r>
-            <a:r>
-              <a:rPr lang="sk-SK" dirty="0"/>
-              <a:t> – volanie je potrebné autorizovať kľúčom na úrovni funkcie</a:t>
-            </a:r>
-          </a:p>
-          <a:p>
-            <a:pPr lvl="1" algn="just"/>
-            <a:r>
-              <a:rPr lang="sk-SK" b="1" dirty="0"/>
-              <a:t>Admin</a:t>
-            </a:r>
-            <a:r>
-              <a:rPr lang="sk-SK" dirty="0"/>
-              <a:t> – volanie je potrebné autorizovať admin kľúčom</a:t>
-            </a:r>
-            <a:endParaRPr lang="en-US" dirty="0"/>
-          </a:p>
-          <a:p>
-            <a:pPr algn="just"/>
+              <a:t> (</a:t>
+            </a:r>
             <a:r>
               <a:rPr lang="en-US" dirty="0" err="1"/>
-              <a:t>Pri</a:t>
+              <a:t>vo</a:t>
             </a:r>
             <a:r>
               <a:rPr lang="en-US" dirty="0"/>
@@ -14208,15 +14149,15 @@
             </a:r>
             <a:r>
               <a:rPr lang="en-US" dirty="0" err="1"/>
-              <a:t>lok</a:t>
-            </a:r>
-            <a:r>
-              <a:rPr lang="sk-SK" dirty="0" err="1"/>
-              <a:t>álnom</a:t>
-            </a:r>
-            <a:r>
-              <a:rPr lang="sk-SK" dirty="0"/>
-              <a:t> vývoji sa nastavená úroveň zabezpečenia ignoruje</a:t>
+              <a:t>vygenerovanom</a:t>
+            </a:r>
+            <a:r>
+              <a:rPr lang="en-US" dirty="0"/>
+              <a:t> k</a:t>
+            </a:r>
+            <a:r>
+              <a:rPr lang="sk-SK" dirty="0"/>
+              <a:t>óde 200 OK)</a:t>
             </a:r>
           </a:p>
         </p:txBody>
@@ -14256,7 +14197,7 @@
           <p:cNvPr id="2" name="Nadpis 1">
             <a:extLst>
               <a:ext uri="{FF2B5EF4-FFF2-40B4-BE49-F238E27FC236}">
-                <a16:creationId xmlns:a16="http://schemas.microsoft.com/office/drawing/2014/main" id="{D71273AB-B00A-405C-9770-44EBCF896838}"/>
+                <a16:creationId xmlns:a16="http://schemas.microsoft.com/office/drawing/2014/main" id="{7FBF5B8F-9B24-469D-98EF-68A832C91D59}"/>
               </a:ext>
             </a:extLst>
           </p:cNvPr>
@@ -14275,7 +14216,7 @@
             <a:pPr algn="l"/>
             <a:r>
               <a:rPr lang="sk-SK" dirty="0"/>
-              <a:t>Kľúče aplikácie</a:t>
+              <a:t>HTTP - zabezpečenie</a:t>
             </a:r>
           </a:p>
         </p:txBody>
@@ -14285,7 +14226,7 @@
           <p:cNvPr id="3" name="Zástupný objekt pre obsah 2">
             <a:extLst>
               <a:ext uri="{FF2B5EF4-FFF2-40B4-BE49-F238E27FC236}">
-                <a16:creationId xmlns:a16="http://schemas.microsoft.com/office/drawing/2014/main" id="{55B76290-87BB-4A14-859B-503C1B6A3338}"/>
+                <a16:creationId xmlns:a16="http://schemas.microsoft.com/office/drawing/2014/main" id="{A935E262-22F2-40AC-9709-865CCD53E267}"/>
               </a:ext>
             </a:extLst>
           </p:cNvPr>
@@ -14298,167 +14239,70 @@
         </p:nvSpPr>
         <p:spPr/>
         <p:txBody>
-          <a:bodyPr>
-            <a:normAutofit fontScale="92500" lnSpcReduction="20000"/>
-          </a:bodyPr>
+          <a:bodyPr/>
           <a:lstStyle/>
           <a:p>
-            <a:r>
-              <a:rPr lang="sk-SK" dirty="0"/>
-              <a:t>Posielajú sa ako</a:t>
+            <a:pPr algn="just"/>
+            <a:r>
+              <a:rPr lang="sk-SK" dirty="0"/>
+              <a:t>Pri funkcii je potrebné nastaviť úroveň zabezpečenia:</a:t>
+            </a:r>
+          </a:p>
+          <a:p>
+            <a:pPr lvl="1" algn="just"/>
+            <a:r>
+              <a:rPr lang="sk-SK" b="1" dirty="0" err="1"/>
+              <a:t>Anonymous</a:t>
+            </a:r>
+            <a:r>
+              <a:rPr lang="sk-SK" dirty="0"/>
+              <a:t> – volanie nevyžaduje autentifikáciu</a:t>
+            </a:r>
+          </a:p>
+          <a:p>
+            <a:pPr lvl="1" algn="just"/>
+            <a:r>
+              <a:rPr lang="sk-SK" b="1" dirty="0" err="1"/>
+              <a:t>Function</a:t>
+            </a:r>
+            <a:r>
+              <a:rPr lang="sk-SK" dirty="0"/>
+              <a:t> – volanie je potrebné autorizovať kľúčom na úrovni funkcie</a:t>
+            </a:r>
+          </a:p>
+          <a:p>
+            <a:pPr lvl="1" algn="just"/>
+            <a:r>
+              <a:rPr lang="sk-SK" b="1" dirty="0"/>
+              <a:t>Admin</a:t>
+            </a:r>
+            <a:r>
+              <a:rPr lang="sk-SK" dirty="0"/>
+              <a:t> – volanie je potrebné autorizovať admin kľúčom</a:t>
+            </a:r>
+            <a:endParaRPr lang="en-US" dirty="0"/>
+          </a:p>
+          <a:p>
+            <a:pPr algn="just"/>
+            <a:r>
+              <a:rPr lang="en-US" dirty="0" err="1"/>
+              <a:t>Pri</a:t>
             </a:r>
             <a:r>
               <a:rPr lang="en-US" dirty="0"/>
               <a:t> </a:t>
             </a:r>
             <a:r>
-              <a:rPr lang="sk-SK" dirty="0" err="1"/>
-              <a:t>query</a:t>
-            </a:r>
-            <a:r>
-              <a:rPr lang="sk-SK" dirty="0"/>
-              <a:t> parameter</a:t>
-            </a:r>
-            <a:r>
-              <a:rPr lang="en-US" dirty="0"/>
-              <a:t> </a:t>
-            </a:r>
-            <a:r>
-              <a:rPr lang="sk-SK" b="1" i="1" dirty="0" err="1"/>
-              <a:t>code</a:t>
-            </a:r>
-            <a:r>
-              <a:rPr lang="en-US" dirty="0"/>
-              <a:t> </a:t>
-            </a:r>
-            <a:r>
               <a:rPr lang="en-US" dirty="0" err="1"/>
-              <a:t>alebo</a:t>
-            </a:r>
-            <a:r>
-              <a:rPr lang="en-US" dirty="0"/>
-              <a:t> </a:t>
-            </a:r>
-            <a:r>
-              <a:rPr lang="en-US" dirty="0" err="1"/>
-              <a:t>ako</a:t>
-            </a:r>
-            <a:r>
-              <a:rPr lang="en-US" dirty="0"/>
-              <a:t> HTTP </a:t>
-            </a:r>
-            <a:r>
-              <a:rPr lang="en-US" dirty="0" err="1"/>
-              <a:t>hlavi</a:t>
-            </a:r>
-            <a:r>
-              <a:rPr lang="sk-SK" dirty="0" err="1"/>
-              <a:t>čka</a:t>
-            </a:r>
-            <a:r>
-              <a:rPr lang="en-US" dirty="0"/>
-              <a:t> </a:t>
-            </a:r>
-            <a:r>
-              <a:rPr lang="en-US" b="1" i="1" dirty="0"/>
-              <a:t>x-functions-key</a:t>
-            </a:r>
-            <a:endParaRPr lang="sk-SK" dirty="0"/>
-          </a:p>
-          <a:p>
-            <a:r>
-              <a:rPr lang="sk-SK" dirty="0" err="1"/>
-              <a:t>Function</a:t>
-            </a:r>
-            <a:r>
-              <a:rPr lang="sk-SK" dirty="0"/>
-              <a:t>-level (kľúče na úrovni funkcie)</a:t>
-            </a:r>
-          </a:p>
-          <a:p>
-            <a:pPr lvl="1"/>
-            <a:r>
-              <a:rPr lang="sk-SK" b="1" dirty="0" err="1"/>
-              <a:t>Function</a:t>
-            </a:r>
-            <a:r>
-              <a:rPr lang="sk-SK" dirty="0"/>
-              <a:t> – dá sa použiť iba pre konkrétnu funkciu</a:t>
-            </a:r>
-          </a:p>
-          <a:p>
-            <a:pPr lvl="1"/>
-            <a:r>
-              <a:rPr lang="sk-SK" b="1" dirty="0" err="1"/>
-              <a:t>Host</a:t>
-            </a:r>
-            <a:r>
-              <a:rPr lang="sk-SK" dirty="0"/>
-              <a:t> – dá sa použiť na ľubovoľnú funkciu</a:t>
-            </a:r>
-          </a:p>
-          <a:p>
-            <a:r>
-              <a:rPr lang="sk-SK" dirty="0"/>
-              <a:t>Admin-level </a:t>
-            </a:r>
-            <a:r>
-              <a:rPr lang="en-US" dirty="0"/>
-              <a:t>(</a:t>
-            </a:r>
-            <a:r>
-              <a:rPr lang="sk-SK" dirty="0"/>
-              <a:t>admin</a:t>
-            </a:r>
-            <a:r>
-              <a:rPr lang="en-US" dirty="0"/>
-              <a:t> k</a:t>
-            </a:r>
-            <a:r>
-              <a:rPr lang="sk-SK" dirty="0" err="1"/>
-              <a:t>ľúč</a:t>
-            </a:r>
-            <a:r>
-              <a:rPr lang="sk-SK" dirty="0"/>
-              <a:t>)</a:t>
-            </a:r>
-          </a:p>
-          <a:p>
-            <a:pPr lvl="1"/>
-            <a:r>
-              <a:rPr lang="sk-SK" b="1" dirty="0"/>
-              <a:t>_</a:t>
-            </a:r>
-            <a:r>
-              <a:rPr lang="sk-SK" b="1" dirty="0" err="1"/>
-              <a:t>master</a:t>
-            </a:r>
-            <a:r>
-              <a:rPr lang="sk-SK" b="1" dirty="0"/>
-              <a:t> </a:t>
-            </a:r>
-            <a:r>
-              <a:rPr lang="sk-SK" dirty="0"/>
-              <a:t>– oproti </a:t>
-            </a:r>
-            <a:r>
-              <a:rPr lang="sk-SK" dirty="0" err="1"/>
-              <a:t>host</a:t>
-            </a:r>
-            <a:r>
-              <a:rPr lang="sk-SK" dirty="0"/>
-              <a:t> kľúčom poskytuje tiež administratívny prístup k REST volaniam pre </a:t>
-            </a:r>
-            <a:r>
-              <a:rPr lang="sk-SK" dirty="0" err="1"/>
-              <a:t>runtime</a:t>
-            </a:r>
-            <a:endParaRPr lang="sk-SK" dirty="0"/>
-          </a:p>
-          <a:p>
-            <a:r>
-              <a:rPr lang="sk-SK" dirty="0"/>
-              <a:t>Systémové kľúče (využívajú sa pri špecifických spúšťačoch)</a:t>
+              <a:t>lok</a:t>
+            </a:r>
+            <a:r>
+              <a:rPr lang="sk-SK" dirty="0" err="1"/>
+              <a:t>álnom</a:t>
+            </a:r>
+            <a:r>
+              <a:rPr lang="sk-SK" dirty="0"/>
+              <a:t> vývoji sa nastavená úroveň zabezpečenia ignoruje</a:t>
             </a:r>
           </a:p>
         </p:txBody>
@@ -14466,7 +14310,7 @@
     </p:spTree>
     <p:extLst>
       <p:ext uri="{BB962C8B-B14F-4D97-AF65-F5344CB8AC3E}">
-        <p14:creationId xmlns:p14="http://schemas.microsoft.com/office/powerpoint/2010/main" val="3150209835"/>
+        <p14:creationId xmlns:p14="http://schemas.microsoft.com/office/powerpoint/2010/main" val="4243489957"/>
       </p:ext>
     </p:extLst>
   </p:cSld>
@@ -14498,7 +14342,7 @@
           <p:cNvPr id="2" name="Nadpis 1">
             <a:extLst>
               <a:ext uri="{FF2B5EF4-FFF2-40B4-BE49-F238E27FC236}">
-                <a16:creationId xmlns:a16="http://schemas.microsoft.com/office/drawing/2014/main" id="{55E80AB0-113F-4F1C-AD89-45B2796D1CDF}"/>
+                <a16:creationId xmlns:a16="http://schemas.microsoft.com/office/drawing/2014/main" id="{D71273AB-B00A-405C-9770-44EBCF896838}"/>
               </a:ext>
             </a:extLst>
           </p:cNvPr>
@@ -14517,7 +14361,7 @@
             <a:pPr algn="l"/>
             <a:r>
               <a:rPr lang="sk-SK" dirty="0"/>
-              <a:t>Zabezpečenie aplikácie</a:t>
+              <a:t>Kľúče aplikácie</a:t>
             </a:r>
           </a:p>
         </p:txBody>
@@ -14527,7 +14371,7 @@
           <p:cNvPr id="3" name="Zástupný objekt pre obsah 2">
             <a:extLst>
               <a:ext uri="{FF2B5EF4-FFF2-40B4-BE49-F238E27FC236}">
-                <a16:creationId xmlns:a16="http://schemas.microsoft.com/office/drawing/2014/main" id="{99F50FD6-B147-400C-BBE0-D201B422F6D8}"/>
+                <a16:creationId xmlns:a16="http://schemas.microsoft.com/office/drawing/2014/main" id="{55B76290-87BB-4A14-859B-503C1B6A3338}"/>
               </a:ext>
             </a:extLst>
           </p:cNvPr>
@@ -14540,78 +14384,167 @@
         </p:nvSpPr>
         <p:spPr/>
         <p:txBody>
-          <a:bodyPr/>
+          <a:bodyPr>
+            <a:normAutofit fontScale="92500" lnSpcReduction="20000"/>
+          </a:bodyPr>
           <a:lstStyle/>
           <a:p>
-            <a:pPr algn="just"/>
-            <a:r>
-              <a:rPr lang="sk-SK" dirty="0"/>
-              <a:t>Overenie používateľa – rovnako ako v </a:t>
-            </a:r>
-            <a:r>
-              <a:rPr lang="sk-SK" dirty="0" err="1"/>
-              <a:t>App</a:t>
-            </a:r>
-            <a:r>
-              <a:rPr lang="sk-SK" dirty="0"/>
-              <a:t> Service</a:t>
-            </a:r>
-          </a:p>
-          <a:p>
-            <a:pPr lvl="1" algn="just"/>
-            <a:r>
-              <a:rPr lang="sk-SK" dirty="0"/>
-              <a:t>Autentifikácia prostredníctvom identity </a:t>
-            </a:r>
-            <a:r>
-              <a:rPr lang="sk-SK" dirty="0" err="1"/>
-              <a:t>providera</a:t>
-            </a:r>
-            <a:r>
-              <a:rPr lang="sk-SK" dirty="0"/>
-              <a:t> (MS, Facebook, Google, Twitter)</a:t>
-            </a:r>
-          </a:p>
-          <a:p>
-            <a:pPr lvl="1" algn="just"/>
-            <a:r>
-              <a:rPr lang="sk-SK" dirty="0"/>
-              <a:t>Autentifikácia prostredníctvom </a:t>
-            </a:r>
-            <a:r>
-              <a:rPr lang="sk-SK" dirty="0" err="1"/>
-              <a:t>klientského</a:t>
-            </a:r>
-            <a:r>
-              <a:rPr lang="sk-SK" dirty="0"/>
-              <a:t> certifikátu</a:t>
-            </a:r>
-          </a:p>
-          <a:p>
-            <a:pPr algn="just"/>
-            <a:r>
-              <a:rPr lang="sk-SK" dirty="0"/>
-              <a:t>Informácie o prihlásenom používateľovi sa dajú získať cez </a:t>
-            </a:r>
-            <a:r>
-              <a:rPr lang="sk-SK" dirty="0" err="1"/>
-              <a:t>ClaimsPrincipal</a:t>
-            </a:r>
-            <a:r>
-              <a:rPr lang="sk-SK" dirty="0"/>
-              <a:t>, prípadne cez hodnotu </a:t>
-            </a:r>
-            <a:r>
-              <a:rPr lang="sk-SK" dirty="0" err="1"/>
-              <a:t>HttpRequest.HttpContext.User</a:t>
+            <a:r>
+              <a:rPr lang="sk-SK" dirty="0"/>
+              <a:t>Posielajú sa ako</a:t>
+            </a:r>
+            <a:r>
+              <a:rPr lang="en-US" dirty="0"/>
+              <a:t> </a:t>
+            </a:r>
+            <a:r>
+              <a:rPr lang="sk-SK" dirty="0" err="1"/>
+              <a:t>query</a:t>
+            </a:r>
+            <a:r>
+              <a:rPr lang="sk-SK" dirty="0"/>
+              <a:t> parameter</a:t>
+            </a:r>
+            <a:r>
+              <a:rPr lang="en-US" dirty="0"/>
+              <a:t> </a:t>
+            </a:r>
+            <a:r>
+              <a:rPr lang="sk-SK" b="1" i="1" dirty="0" err="1"/>
+              <a:t>code</a:t>
+            </a:r>
+            <a:r>
+              <a:rPr lang="en-US" dirty="0"/>
+              <a:t> </a:t>
+            </a:r>
+            <a:r>
+              <a:rPr lang="en-US" dirty="0" err="1"/>
+              <a:t>alebo</a:t>
+            </a:r>
+            <a:r>
+              <a:rPr lang="en-US" dirty="0"/>
+              <a:t> </a:t>
+            </a:r>
+            <a:r>
+              <a:rPr lang="en-US" dirty="0" err="1"/>
+              <a:t>ako</a:t>
+            </a:r>
+            <a:r>
+              <a:rPr lang="en-US" dirty="0"/>
+              <a:t> HTTP </a:t>
+            </a:r>
+            <a:r>
+              <a:rPr lang="en-US" dirty="0" err="1"/>
+              <a:t>hlavi</a:t>
+            </a:r>
+            <a:r>
+              <a:rPr lang="sk-SK" dirty="0" err="1"/>
+              <a:t>čka</a:t>
+            </a:r>
+            <a:r>
+              <a:rPr lang="en-US" dirty="0"/>
+              <a:t> </a:t>
+            </a:r>
+            <a:r>
+              <a:rPr lang="en-US" b="1" i="1" dirty="0"/>
+              <a:t>x-functions-key</a:t>
             </a:r>
             <a:endParaRPr lang="sk-SK" dirty="0"/>
           </a:p>
           <a:p>
-            <a:pPr algn="just"/>
-            <a:r>
-              <a:rPr lang="sk-SK" dirty="0"/>
-              <a:t>Filtrovanie dotazov z iných domén (CORS)</a:t>
+            <a:r>
+              <a:rPr lang="sk-SK" dirty="0" err="1"/>
+              <a:t>Function</a:t>
+            </a:r>
+            <a:r>
+              <a:rPr lang="sk-SK" dirty="0"/>
+              <a:t>-level (kľúče na úrovni funkcie)</a:t>
+            </a:r>
+          </a:p>
+          <a:p>
+            <a:pPr lvl="1"/>
+            <a:r>
+              <a:rPr lang="sk-SK" b="1" dirty="0" err="1"/>
+              <a:t>Function</a:t>
+            </a:r>
+            <a:r>
+              <a:rPr lang="sk-SK" dirty="0"/>
+              <a:t> – dá sa použiť iba pre konkrétnu funkciu</a:t>
+            </a:r>
+          </a:p>
+          <a:p>
+            <a:pPr lvl="1"/>
+            <a:r>
+              <a:rPr lang="sk-SK" b="1" dirty="0" err="1"/>
+              <a:t>Host</a:t>
+            </a:r>
+            <a:r>
+              <a:rPr lang="sk-SK" dirty="0"/>
+              <a:t> – dá sa použiť na ľubovoľnú funkciu</a:t>
+            </a:r>
+          </a:p>
+          <a:p>
+            <a:r>
+              <a:rPr lang="sk-SK" dirty="0"/>
+              <a:t>Admin-level </a:t>
+            </a:r>
+            <a:r>
+              <a:rPr lang="en-US" dirty="0"/>
+              <a:t>(</a:t>
+            </a:r>
+            <a:r>
+              <a:rPr lang="sk-SK" dirty="0"/>
+              <a:t>admin</a:t>
+            </a:r>
+            <a:r>
+              <a:rPr lang="en-US" dirty="0"/>
+              <a:t> k</a:t>
+            </a:r>
+            <a:r>
+              <a:rPr lang="sk-SK" dirty="0" err="1"/>
+              <a:t>ľúč</a:t>
+            </a:r>
+            <a:r>
+              <a:rPr lang="sk-SK" dirty="0"/>
+              <a:t>)</a:t>
+            </a:r>
+          </a:p>
+          <a:p>
+            <a:pPr lvl="1"/>
+            <a:r>
+              <a:rPr lang="sk-SK" b="1" dirty="0"/>
+              <a:t>_</a:t>
+            </a:r>
+            <a:r>
+              <a:rPr lang="sk-SK" b="1" dirty="0" err="1"/>
+              <a:t>master</a:t>
+            </a:r>
+            <a:r>
+              <a:rPr lang="sk-SK" b="1" dirty="0"/>
+              <a:t> </a:t>
+            </a:r>
+            <a:r>
+              <a:rPr lang="sk-SK" dirty="0"/>
+              <a:t>– oproti </a:t>
+            </a:r>
+            <a:r>
+              <a:rPr lang="sk-SK" dirty="0" err="1"/>
+              <a:t>host</a:t>
+            </a:r>
+            <a:r>
+              <a:rPr lang="sk-SK" dirty="0"/>
+              <a:t> kľúčom poskytuje tiež administratívny prístup k REST volaniam pre </a:t>
+            </a:r>
+            <a:r>
+              <a:rPr lang="sk-SK" dirty="0" err="1"/>
+              <a:t>runtime</a:t>
+            </a:r>
+            <a:endParaRPr lang="sk-SK" dirty="0"/>
+          </a:p>
+          <a:p>
+            <a:r>
+              <a:rPr lang="sk-SK" dirty="0"/>
+              <a:t>Systémové kľúče (využívajú sa pri špecifických spúšťačoch)</a:t>
             </a:r>
           </a:p>
         </p:txBody>
@@ -14619,7 +14552,7 @@
     </p:spTree>
     <p:extLst>
       <p:ext uri="{BB962C8B-B14F-4D97-AF65-F5344CB8AC3E}">
-        <p14:creationId xmlns:p14="http://schemas.microsoft.com/office/powerpoint/2010/main" val="4213218261"/>
+        <p14:creationId xmlns:p14="http://schemas.microsoft.com/office/powerpoint/2010/main" val="3150209835"/>
       </p:ext>
     </p:extLst>
   </p:cSld>
@@ -14651,7 +14584,7 @@
           <p:cNvPr id="2" name="Nadpis 1">
             <a:extLst>
               <a:ext uri="{FF2B5EF4-FFF2-40B4-BE49-F238E27FC236}">
-                <a16:creationId xmlns:a16="http://schemas.microsoft.com/office/drawing/2014/main" id="{E0F66225-1786-4978-859E-95C444670FB8}"/>
+                <a16:creationId xmlns:a16="http://schemas.microsoft.com/office/drawing/2014/main" id="{55E80AB0-113F-4F1C-AD89-45B2796D1CDF}"/>
               </a:ext>
             </a:extLst>
           </p:cNvPr>
@@ -14670,23 +14603,7 @@
             <a:pPr algn="l"/>
             <a:r>
               <a:rPr lang="sk-SK" dirty="0"/>
-              <a:t>HTTP – </a:t>
-            </a:r>
-            <a:r>
-              <a:rPr lang="sk-SK" dirty="0" err="1"/>
-              <a:t>host.json</a:t>
-            </a:r>
-            <a:r>
-              <a:rPr lang="sk-SK" dirty="0"/>
-              <a:t> (</a:t>
-            </a:r>
-            <a:r>
-              <a:rPr lang="sk-SK" dirty="0" err="1"/>
-              <a:t>extension</a:t>
-            </a:r>
-            <a:r>
-              <a:rPr lang="sk-SK" dirty="0"/>
-              <a:t> „http“)</a:t>
+              <a:t>Zabezpečenie aplikácie</a:t>
             </a:r>
           </a:p>
         </p:txBody>
@@ -14696,7 +14613,7 @@
           <p:cNvPr id="3" name="Zástupný objekt pre obsah 2">
             <a:extLst>
               <a:ext uri="{FF2B5EF4-FFF2-40B4-BE49-F238E27FC236}">
-                <a16:creationId xmlns:a16="http://schemas.microsoft.com/office/drawing/2014/main" id="{13A6DB6A-A1BA-4AD7-A536-8988E774FA7C}"/>
+                <a16:creationId xmlns:a16="http://schemas.microsoft.com/office/drawing/2014/main" id="{99F50FD6-B147-400C-BBE0-D201B422F6D8}"/>
               </a:ext>
             </a:extLst>
           </p:cNvPr>
@@ -14709,239 +14626,86 @@
         </p:nvSpPr>
         <p:spPr/>
         <p:txBody>
-          <a:bodyPr>
-            <a:normAutofit fontScale="70000" lnSpcReduction="20000"/>
-          </a:bodyPr>
+          <a:bodyPr/>
           <a:lstStyle/>
           <a:p>
             <a:pPr algn="just"/>
             <a:r>
-              <a:rPr lang="sk-SK" b="1" dirty="0" err="1"/>
-              <a:t>customHeaders</a:t>
-            </a:r>
-            <a:r>
-              <a:rPr lang="sk-SK" b="1" dirty="0"/>
-              <a:t>: </a:t>
-            </a:r>
-            <a:r>
-              <a:rPr lang="sk-SK" dirty="0"/>
-              <a:t>umožňuje doplniť do odpovede vlastné hlavičky</a:t>
+              <a:rPr lang="sk-SK" dirty="0"/>
+              <a:t>Overenie používateľa – rovnako ako v </a:t>
+            </a:r>
+            <a:r>
+              <a:rPr lang="sk-SK" dirty="0" err="1"/>
+              <a:t>App</a:t>
+            </a:r>
+            <a:r>
+              <a:rPr lang="sk-SK" dirty="0"/>
+              <a:t> Service</a:t>
+            </a:r>
+          </a:p>
+          <a:p>
+            <a:pPr lvl="1" algn="just"/>
+            <a:r>
+              <a:rPr lang="sk-SK" dirty="0"/>
+              <a:t>Autentifikácia prostredníctvom identity </a:t>
+            </a:r>
+            <a:r>
+              <a:rPr lang="sk-SK" dirty="0" err="1"/>
+              <a:t>providera</a:t>
+            </a:r>
+            <a:r>
+              <a:rPr lang="sk-SK" dirty="0"/>
+              <a:t> (MS, Facebook, Google, Twitter)</a:t>
+            </a:r>
+          </a:p>
+          <a:p>
+            <a:pPr lvl="1" algn="just"/>
+            <a:r>
+              <a:rPr lang="sk-SK" dirty="0"/>
+              <a:t>Autentifikácia prostredníctvom </a:t>
+            </a:r>
+            <a:r>
+              <a:rPr lang="sk-SK" dirty="0" err="1"/>
+              <a:t>klientského</a:t>
+            </a:r>
+            <a:r>
+              <a:rPr lang="sk-SK" dirty="0"/>
+              <a:t> certifikátu</a:t>
             </a:r>
           </a:p>
           <a:p>
             <a:pPr algn="just"/>
             <a:r>
-              <a:rPr lang="sk-SK" b="1" dirty="0" err="1"/>
-              <a:t>dynamicThrottlesEnabled</a:t>
-            </a:r>
-            <a:r>
-              <a:rPr lang="sk-SK" b="1" dirty="0"/>
-              <a:t>: </a:t>
-            </a:r>
-            <a:r>
-              <a:rPr lang="sk-SK" dirty="0"/>
-              <a:t>umožňuje nastaviť, aby funkcia pri vyťažení prostriedkov nad 80% (CPU, pamäť, vlákna, ...) vracala HTTP 429 </a:t>
-            </a:r>
-            <a:r>
-              <a:rPr lang="sk-SK" dirty="0" err="1"/>
-              <a:t>Too</a:t>
-            </a:r>
-            <a:r>
-              <a:rPr lang="sk-SK" dirty="0"/>
-              <a:t> </a:t>
-            </a:r>
-            <a:r>
-              <a:rPr lang="sk-SK" dirty="0" err="1"/>
-              <a:t>Busy</a:t>
-            </a:r>
-            <a:r>
-              <a:rPr lang="sk-SK" dirty="0"/>
-              <a:t>; default pre </a:t>
-            </a:r>
-            <a:r>
-              <a:rPr lang="sk-SK" dirty="0" err="1"/>
-              <a:t>Consumption</a:t>
-            </a:r>
-            <a:r>
-              <a:rPr lang="sk-SK" dirty="0"/>
-              <a:t> </a:t>
-            </a:r>
-            <a:r>
-              <a:rPr lang="sk-SK" dirty="0" err="1"/>
-              <a:t>plan</a:t>
-            </a:r>
-            <a:r>
-              <a:rPr lang="sk-SK" dirty="0"/>
-              <a:t> je </a:t>
-            </a:r>
-            <a:r>
-              <a:rPr lang="sk-SK" i="1" dirty="0" err="1"/>
-              <a:t>true</a:t>
-            </a:r>
-            <a:r>
-              <a:rPr lang="sk-SK" dirty="0"/>
-              <a:t> a pre </a:t>
-            </a:r>
-            <a:r>
-              <a:rPr lang="sk-SK" dirty="0" err="1"/>
-              <a:t>Dedicated</a:t>
-            </a:r>
-            <a:r>
-              <a:rPr lang="sk-SK" dirty="0"/>
-              <a:t> </a:t>
-            </a:r>
-            <a:r>
-              <a:rPr lang="sk-SK" dirty="0" err="1"/>
-              <a:t>plan</a:t>
-            </a:r>
-            <a:r>
-              <a:rPr lang="sk-SK" dirty="0"/>
-              <a:t> </a:t>
-            </a:r>
-            <a:r>
-              <a:rPr lang="sk-SK" i="1" dirty="0" err="1"/>
-              <a:t>false</a:t>
+              <a:rPr lang="sk-SK" dirty="0"/>
+              <a:t>Informácie o prihlásenom používateľovi sa dajú získať cez </a:t>
+            </a:r>
+            <a:r>
+              <a:rPr lang="sk-SK" dirty="0" err="1"/>
+              <a:t>ClaimsPrincipal</a:t>
+            </a:r>
+            <a:r>
+              <a:rPr lang="sk-SK" dirty="0"/>
+              <a:t>, prípadne cez hodnotu </a:t>
+            </a:r>
+            <a:r>
+              <a:rPr lang="sk-SK" dirty="0" err="1"/>
+              <a:t>HttpRequest.HttpContext.User</a:t>
             </a:r>
             <a:endParaRPr lang="sk-SK" dirty="0"/>
           </a:p>
           <a:p>
             <a:pPr algn="just"/>
             <a:r>
-              <a:rPr lang="sk-SK" b="1" dirty="0" err="1"/>
-              <a:t>hsts</a:t>
-            </a:r>
-            <a:r>
-              <a:rPr lang="sk-SK" b="1" dirty="0"/>
-              <a:t>: </a:t>
-            </a:r>
-            <a:r>
-              <a:rPr lang="sk-SK" dirty="0"/>
-              <a:t>povoľuje a nastavuje </a:t>
-            </a:r>
-            <a:r>
-              <a:rPr lang="sk-SK" dirty="0">
-                <a:hlinkClick r:id="rId2"/>
-              </a:rPr>
-              <a:t>HSTS</a:t>
-            </a:r>
-            <a:endParaRPr lang="sk-SK" dirty="0"/>
-          </a:p>
-          <a:p>
-            <a:pPr algn="just"/>
-            <a:r>
-              <a:rPr lang="sk-SK" b="1" dirty="0" err="1"/>
-              <a:t>maxConcurrentRequests</a:t>
-            </a:r>
-            <a:r>
-              <a:rPr lang="sk-SK" dirty="0"/>
-              <a:t>: určuje maximálny počet paralelne vykonávaných dotazov, po prekročení funkcia vráti HTTP 429 </a:t>
-            </a:r>
-            <a:r>
-              <a:rPr lang="sk-SK" dirty="0" err="1"/>
-              <a:t>Too</a:t>
-            </a:r>
-            <a:r>
-              <a:rPr lang="sk-SK" dirty="0"/>
-              <a:t> </a:t>
-            </a:r>
-            <a:r>
-              <a:rPr lang="sk-SK" dirty="0" err="1"/>
-              <a:t>Busy</a:t>
-            </a:r>
-            <a:r>
-              <a:rPr lang="sk-SK" dirty="0"/>
-              <a:t> (default pre </a:t>
-            </a:r>
-            <a:r>
-              <a:rPr lang="sk-SK" dirty="0" err="1"/>
-              <a:t>Consumption</a:t>
-            </a:r>
-            <a:r>
-              <a:rPr lang="sk-SK" dirty="0"/>
-              <a:t> </a:t>
-            </a:r>
-            <a:r>
-              <a:rPr lang="sk-SK" dirty="0" err="1"/>
-              <a:t>plan</a:t>
-            </a:r>
-            <a:r>
-              <a:rPr lang="sk-SK" dirty="0"/>
-              <a:t> je 100 a pre </a:t>
-            </a:r>
-            <a:r>
-              <a:rPr lang="sk-SK" dirty="0" err="1"/>
-              <a:t>Dedicated</a:t>
-            </a:r>
-            <a:r>
-              <a:rPr lang="sk-SK" dirty="0"/>
-              <a:t> </a:t>
-            </a:r>
-            <a:r>
-              <a:rPr lang="sk-SK" dirty="0" err="1"/>
-              <a:t>plan</a:t>
-            </a:r>
-            <a:r>
-              <a:rPr lang="sk-SK" dirty="0"/>
-              <a:t> -1 = neobmedzene)</a:t>
-            </a:r>
-          </a:p>
-          <a:p>
-            <a:pPr algn="just"/>
-            <a:r>
-              <a:rPr lang="sk-SK" b="1" dirty="0" err="1"/>
-              <a:t>maxOutstandingRequests</a:t>
-            </a:r>
-            <a:r>
-              <a:rPr lang="sk-SK" b="1" dirty="0"/>
-              <a:t>: </a:t>
-            </a:r>
-            <a:r>
-              <a:rPr lang="sk-SK" dirty="0"/>
-              <a:t>podobne ako predošlé nastavenie, ale započítava aj dotazy, ktoré sú vo fronte, ale ešte sa nezačali vykonávať (</a:t>
-            </a:r>
-            <a:r>
-              <a:rPr lang="sk-SK" dirty="0" err="1"/>
-              <a:t>defaulty</a:t>
-            </a:r>
-            <a:r>
-              <a:rPr lang="sk-SK" dirty="0"/>
-              <a:t> sú 200 a -1)</a:t>
-            </a:r>
-          </a:p>
-          <a:p>
-            <a:pPr algn="just"/>
-            <a:r>
-              <a:rPr lang="sk-SK" b="1" dirty="0" err="1"/>
-              <a:t>routePrefix</a:t>
-            </a:r>
-            <a:r>
-              <a:rPr lang="sk-SK" b="1" dirty="0"/>
-              <a:t>: </a:t>
-            </a:r>
-            <a:r>
-              <a:rPr lang="sk-SK" dirty="0"/>
-              <a:t>prefix platný pre všetky </a:t>
-            </a:r>
-            <a:r>
-              <a:rPr lang="sk-SK" dirty="0" err="1"/>
-              <a:t>endpointy</a:t>
-            </a:r>
-            <a:r>
-              <a:rPr lang="sk-SK" dirty="0"/>
-              <a:t>, prázdna hodnota ho odstráni, default je </a:t>
-            </a:r>
-            <a:r>
-              <a:rPr lang="sk-SK" b="1" dirty="0" err="1"/>
-              <a:t>api</a:t>
-            </a:r>
-            <a:endParaRPr lang="sk-SK" b="1" dirty="0"/>
+              <a:rPr lang="sk-SK" dirty="0"/>
+              <a:t>Filtrovanie dotazov z iných domén (CORS)</a:t>
+            </a:r>
           </a:p>
         </p:txBody>
       </p:sp>
     </p:spTree>
     <p:extLst>
       <p:ext uri="{BB962C8B-B14F-4D97-AF65-F5344CB8AC3E}">
-        <p14:creationId xmlns:p14="http://schemas.microsoft.com/office/powerpoint/2010/main" val="1474689388"/>
+        <p14:creationId xmlns:p14="http://schemas.microsoft.com/office/powerpoint/2010/main" val="4213218261"/>
       </p:ext>
     </p:extLst>
   </p:cSld>
@@ -15067,7 +14831,7 @@
           <p:cNvPr id="2" name="Nadpis 1">
             <a:extLst>
               <a:ext uri="{FF2B5EF4-FFF2-40B4-BE49-F238E27FC236}">
-                <a16:creationId xmlns:a16="http://schemas.microsoft.com/office/drawing/2014/main" id="{4FEE75D9-F0FD-4A59-BD9B-B259CF1FBAF9}"/>
+                <a16:creationId xmlns:a16="http://schemas.microsoft.com/office/drawing/2014/main" id="{E0F66225-1786-4978-859E-95C444670FB8}"/>
               </a:ext>
             </a:extLst>
           </p:cNvPr>
@@ -15090,9 +14854,20 @@
             </a:r>
             <a:r>
               <a:rPr lang="sk-SK" dirty="0" err="1"/>
-              <a:t>payload</a:t>
-            </a:r>
-            <a:endParaRPr lang="sk-SK" dirty="0"/>
+              <a:t>host.json</a:t>
+            </a:r>
+            <a:r>
+              <a:rPr lang="sk-SK" dirty="0"/>
+              <a:t> (</a:t>
+            </a:r>
+            <a:r>
+              <a:rPr lang="sk-SK" dirty="0" err="1"/>
+              <a:t>extension</a:t>
+            </a:r>
+            <a:r>
+              <a:rPr lang="sk-SK" dirty="0"/>
+              <a:t> „http“)</a:t>
+            </a:r>
           </a:p>
         </p:txBody>
       </p:sp>
@@ -15101,7 +14876,7 @@
           <p:cNvPr id="3" name="Zástupný objekt pre obsah 2">
             <a:extLst>
               <a:ext uri="{FF2B5EF4-FFF2-40B4-BE49-F238E27FC236}">
-                <a16:creationId xmlns:a16="http://schemas.microsoft.com/office/drawing/2014/main" id="{6DBD645F-91AE-45EB-8ED4-DAB0ADEC9121}"/>
+                <a16:creationId xmlns:a16="http://schemas.microsoft.com/office/drawing/2014/main" id="{13A6DB6A-A1BA-4AD7-A536-8988E774FA7C}"/>
               </a:ext>
             </a:extLst>
           </p:cNvPr>
@@ -15115,59 +14890,238 @@
         <p:spPr/>
         <p:txBody>
           <a:bodyPr>
-            <a:normAutofit/>
+            <a:normAutofit fontScale="70000" lnSpcReduction="20000"/>
           </a:bodyPr>
           <a:lstStyle/>
           <a:p>
-            <a:r>
-              <a:rPr lang="sk-SK" dirty="0"/>
-              <a:t>Sú 2 možnosti:</a:t>
-            </a:r>
-          </a:p>
-          <a:p>
-            <a:pPr lvl="1"/>
+            <a:pPr algn="just"/>
             <a:r>
               <a:rPr lang="sk-SK" b="1" dirty="0" err="1"/>
-              <a:t>HttpRequest</a:t>
-            </a:r>
-            <a:r>
-              <a:rPr lang="sk-SK" dirty="0"/>
-              <a:t> – prístup k celému dotazu</a:t>
-            </a:r>
-          </a:p>
-          <a:p>
-            <a:pPr lvl="1"/>
+              <a:t>customHeaders</a:t>
+            </a:r>
             <a:r>
               <a:rPr lang="sk-SK" b="1" dirty="0"/>
-              <a:t>vlastný objekt </a:t>
-            </a:r>
-            <a:r>
-              <a:rPr lang="sk-SK" dirty="0"/>
-              <a:t>– </a:t>
-            </a:r>
-            <a:r>
-              <a:rPr lang="sk-SK" dirty="0" err="1"/>
-              <a:t>runtime</a:t>
-            </a:r>
-            <a:r>
-              <a:rPr lang="sk-SK" dirty="0"/>
-              <a:t> sa pokúsi </a:t>
-            </a:r>
-            <a:r>
-              <a:rPr lang="sk-SK" dirty="0" err="1"/>
-              <a:t>deserializovať</a:t>
-            </a:r>
-            <a:r>
-              <a:rPr lang="sk-SK" dirty="0"/>
-              <a:t> telo dotazu z JSON do objektu</a:t>
-            </a:r>
+              <a:t>: </a:t>
+            </a:r>
+            <a:r>
+              <a:rPr lang="sk-SK" dirty="0"/>
+              <a:t>umožňuje doplniť do odpovede vlastné hlavičky</a:t>
+            </a:r>
+          </a:p>
+          <a:p>
+            <a:pPr algn="just"/>
+            <a:r>
+              <a:rPr lang="sk-SK" b="1" dirty="0" err="1"/>
+              <a:t>dynamicThrottlesEnabled</a:t>
+            </a:r>
+            <a:r>
+              <a:rPr lang="sk-SK" b="1" dirty="0"/>
+              <a:t>: </a:t>
+            </a:r>
+            <a:r>
+              <a:rPr lang="sk-SK" dirty="0"/>
+              <a:t>umožňuje nastaviť, aby funkcia pri vyťažení prostriedkov nad 80% (CPU, pamäť, vlákna, ...) vracala HTTP 429 </a:t>
+            </a:r>
+            <a:r>
+              <a:rPr lang="sk-SK" dirty="0" err="1"/>
+              <a:t>Too</a:t>
+            </a:r>
+            <a:r>
+              <a:rPr lang="sk-SK" dirty="0"/>
+              <a:t> </a:t>
+            </a:r>
+            <a:r>
+              <a:rPr lang="sk-SK" dirty="0" err="1"/>
+              <a:t>Busy</a:t>
+            </a:r>
+            <a:r>
+              <a:rPr lang="sk-SK" dirty="0"/>
+              <a:t>; default pre </a:t>
+            </a:r>
+            <a:r>
+              <a:rPr lang="sk-SK" dirty="0" err="1"/>
+              <a:t>Consumption</a:t>
+            </a:r>
+            <a:r>
+              <a:rPr lang="sk-SK" dirty="0"/>
+              <a:t> </a:t>
+            </a:r>
+            <a:r>
+              <a:rPr lang="sk-SK" dirty="0" err="1"/>
+              <a:t>plan</a:t>
+            </a:r>
+            <a:r>
+              <a:rPr lang="sk-SK" dirty="0"/>
+              <a:t> je </a:t>
+            </a:r>
+            <a:r>
+              <a:rPr lang="sk-SK" i="1" dirty="0" err="1"/>
+              <a:t>true</a:t>
+            </a:r>
+            <a:r>
+              <a:rPr lang="sk-SK" dirty="0"/>
+              <a:t> a pre </a:t>
+            </a:r>
+            <a:r>
+              <a:rPr lang="sk-SK" dirty="0" err="1"/>
+              <a:t>Dedicated</a:t>
+            </a:r>
+            <a:r>
+              <a:rPr lang="sk-SK" dirty="0"/>
+              <a:t> </a:t>
+            </a:r>
+            <a:r>
+              <a:rPr lang="sk-SK" dirty="0" err="1"/>
+              <a:t>plan</a:t>
+            </a:r>
+            <a:r>
+              <a:rPr lang="sk-SK" dirty="0"/>
+              <a:t> </a:t>
+            </a:r>
+            <a:r>
+              <a:rPr lang="sk-SK" i="1" dirty="0" err="1"/>
+              <a:t>false</a:t>
+            </a:r>
+            <a:endParaRPr lang="sk-SK" dirty="0"/>
+          </a:p>
+          <a:p>
+            <a:pPr algn="just"/>
+            <a:r>
+              <a:rPr lang="sk-SK" b="1" dirty="0" err="1"/>
+              <a:t>hsts</a:t>
+            </a:r>
+            <a:r>
+              <a:rPr lang="sk-SK" b="1" dirty="0"/>
+              <a:t>: </a:t>
+            </a:r>
+            <a:r>
+              <a:rPr lang="sk-SK" dirty="0"/>
+              <a:t>povoľuje a nastavuje </a:t>
+            </a:r>
+            <a:r>
+              <a:rPr lang="sk-SK" dirty="0">
+                <a:hlinkClick r:id="rId2"/>
+              </a:rPr>
+              <a:t>HSTS</a:t>
+            </a:r>
+            <a:endParaRPr lang="sk-SK" dirty="0"/>
+          </a:p>
+          <a:p>
+            <a:pPr algn="just"/>
+            <a:r>
+              <a:rPr lang="sk-SK" b="1" dirty="0" err="1"/>
+              <a:t>maxConcurrentRequests</a:t>
+            </a:r>
+            <a:r>
+              <a:rPr lang="sk-SK" dirty="0"/>
+              <a:t>: určuje maximálny počet paralelne vykonávaných dotazov, po prekročení funkcia vráti HTTP 429 </a:t>
+            </a:r>
+            <a:r>
+              <a:rPr lang="sk-SK" dirty="0" err="1"/>
+              <a:t>Too</a:t>
+            </a:r>
+            <a:r>
+              <a:rPr lang="sk-SK" dirty="0"/>
+              <a:t> </a:t>
+            </a:r>
+            <a:r>
+              <a:rPr lang="sk-SK" dirty="0" err="1"/>
+              <a:t>Busy</a:t>
+            </a:r>
+            <a:r>
+              <a:rPr lang="sk-SK" dirty="0"/>
+              <a:t> (default pre </a:t>
+            </a:r>
+            <a:r>
+              <a:rPr lang="sk-SK" dirty="0" err="1"/>
+              <a:t>Consumption</a:t>
+            </a:r>
+            <a:r>
+              <a:rPr lang="sk-SK" dirty="0"/>
+              <a:t> </a:t>
+            </a:r>
+            <a:r>
+              <a:rPr lang="sk-SK" dirty="0" err="1"/>
+              <a:t>plan</a:t>
+            </a:r>
+            <a:r>
+              <a:rPr lang="sk-SK" dirty="0"/>
+              <a:t> je 100 a pre </a:t>
+            </a:r>
+            <a:r>
+              <a:rPr lang="sk-SK" dirty="0" err="1"/>
+              <a:t>Dedicated</a:t>
+            </a:r>
+            <a:r>
+              <a:rPr lang="sk-SK" dirty="0"/>
+              <a:t> </a:t>
+            </a:r>
+            <a:r>
+              <a:rPr lang="sk-SK" dirty="0" err="1"/>
+              <a:t>plan</a:t>
+            </a:r>
+            <a:r>
+              <a:rPr lang="sk-SK" dirty="0"/>
+              <a:t> -1 = neobmedzene)</a:t>
+            </a:r>
+          </a:p>
+          <a:p>
+            <a:pPr algn="just"/>
+            <a:r>
+              <a:rPr lang="sk-SK" b="1" dirty="0" err="1"/>
+              <a:t>maxOutstandingRequests</a:t>
+            </a:r>
+            <a:r>
+              <a:rPr lang="sk-SK" b="1" dirty="0"/>
+              <a:t>: </a:t>
+            </a:r>
+            <a:r>
+              <a:rPr lang="sk-SK" dirty="0"/>
+              <a:t>podobne ako predošlé nastavenie, ale započítava aj dotazy, ktoré sú vo fronte, ale ešte sa nezačali vykonávať (</a:t>
+            </a:r>
+            <a:r>
+              <a:rPr lang="sk-SK" dirty="0" err="1"/>
+              <a:t>defaulty</a:t>
+            </a:r>
+            <a:r>
+              <a:rPr lang="sk-SK" dirty="0"/>
+              <a:t> sú 200 a -1)</a:t>
+            </a:r>
+          </a:p>
+          <a:p>
+            <a:pPr algn="just"/>
+            <a:r>
+              <a:rPr lang="sk-SK" b="1" dirty="0" err="1"/>
+              <a:t>routePrefix</a:t>
+            </a:r>
+            <a:r>
+              <a:rPr lang="sk-SK" b="1" dirty="0"/>
+              <a:t>: </a:t>
+            </a:r>
+            <a:r>
+              <a:rPr lang="sk-SK" dirty="0"/>
+              <a:t>prefix platný pre všetky </a:t>
+            </a:r>
+            <a:r>
+              <a:rPr lang="sk-SK" dirty="0" err="1"/>
+              <a:t>endpointy</a:t>
+            </a:r>
+            <a:r>
+              <a:rPr lang="sk-SK" dirty="0"/>
+              <a:t>, prázdna hodnota ho odstráni, default je </a:t>
+            </a:r>
+            <a:r>
+              <a:rPr lang="sk-SK" b="1" dirty="0" err="1"/>
+              <a:t>api</a:t>
+            </a:r>
+            <a:endParaRPr lang="sk-SK" b="1" dirty="0"/>
           </a:p>
         </p:txBody>
       </p:sp>
     </p:spTree>
     <p:extLst>
       <p:ext uri="{BB962C8B-B14F-4D97-AF65-F5344CB8AC3E}">
-        <p14:creationId xmlns:p14="http://schemas.microsoft.com/office/powerpoint/2010/main" val="358259698"/>
+        <p14:creationId xmlns:p14="http://schemas.microsoft.com/office/powerpoint/2010/main" val="1474689388"/>
       </p:ext>
     </p:extLst>
   </p:cSld>
@@ -15199,7 +15153,7 @@
           <p:cNvPr id="2" name="Nadpis 1">
             <a:extLst>
               <a:ext uri="{FF2B5EF4-FFF2-40B4-BE49-F238E27FC236}">
-                <a16:creationId xmlns:a16="http://schemas.microsoft.com/office/drawing/2014/main" id="{7D03AFBC-F4FB-4C83-AB6F-6763F548D5D3}"/>
+                <a16:creationId xmlns:a16="http://schemas.microsoft.com/office/drawing/2014/main" id="{4FEE75D9-F0FD-4A59-BD9B-B259CF1FBAF9}"/>
               </a:ext>
             </a:extLst>
           </p:cNvPr>
@@ -15222,28 +15176,9 @@
             </a:r>
             <a:r>
               <a:rPr lang="sk-SK" dirty="0" err="1"/>
-              <a:t>trigger</a:t>
-            </a:r>
-            <a:r>
-              <a:rPr lang="sk-SK" dirty="0"/>
-              <a:t> </a:t>
-            </a:r>
-            <a:r>
-              <a:rPr lang="sk-SK" dirty="0" err="1"/>
-              <a:t>binding</a:t>
-            </a:r>
-            <a:r>
-              <a:rPr lang="sk-SK" dirty="0"/>
-              <a:t> (</a:t>
-            </a:r>
-            <a:r>
-              <a:rPr lang="sk-SK" dirty="0" err="1"/>
-              <a:t>function.json</a:t>
-            </a:r>
-            <a:r>
-              <a:rPr lang="sk-SK" dirty="0"/>
-              <a:t>)</a:t>
-            </a:r>
+              <a:t>payload</a:t>
+            </a:r>
+            <a:endParaRPr lang="sk-SK" dirty="0"/>
           </a:p>
         </p:txBody>
       </p:sp>
@@ -15252,7 +15187,7 @@
           <p:cNvPr id="3" name="Zástupný objekt pre obsah 2">
             <a:extLst>
               <a:ext uri="{FF2B5EF4-FFF2-40B4-BE49-F238E27FC236}">
-                <a16:creationId xmlns:a16="http://schemas.microsoft.com/office/drawing/2014/main" id="{18D097EB-C6D2-41D9-A130-FDE2B4CB1915}"/>
+                <a16:creationId xmlns:a16="http://schemas.microsoft.com/office/drawing/2014/main" id="{6DBD645F-91AE-45EB-8ED4-DAB0ADEC9121}"/>
               </a:ext>
             </a:extLst>
           </p:cNvPr>
@@ -15270,123 +15205,47 @@
           </a:bodyPr>
           <a:lstStyle/>
           <a:p>
-            <a:pPr algn="just"/>
+            <a:r>
+              <a:rPr lang="sk-SK" dirty="0"/>
+              <a:t>Sú 2 možnosti:</a:t>
+            </a:r>
+          </a:p>
+          <a:p>
+            <a:pPr lvl="1"/>
+            <a:r>
+              <a:rPr lang="sk-SK" b="1" dirty="0" err="1"/>
+              <a:t>HttpRequest</a:t>
+            </a:r>
+            <a:r>
+              <a:rPr lang="sk-SK" dirty="0"/>
+              <a:t> – prístup k celému dotazu</a:t>
+            </a:r>
+          </a:p>
+          <a:p>
+            <a:pPr lvl="1"/>
             <a:r>
               <a:rPr lang="sk-SK" b="1" dirty="0"/>
-              <a:t>type</a:t>
-            </a:r>
-            <a:r>
-              <a:rPr lang="sk-SK" dirty="0"/>
-              <a:t>: </a:t>
-            </a:r>
-            <a:r>
-              <a:rPr lang="sk-SK" dirty="0" err="1"/>
-              <a:t>httpTrigger</a:t>
-            </a:r>
-            <a:endParaRPr lang="sk-SK" dirty="0"/>
-          </a:p>
-          <a:p>
-            <a:pPr algn="just"/>
-            <a:r>
-              <a:rPr lang="sk-SK" b="1" dirty="0" err="1"/>
-              <a:t>direction</a:t>
-            </a:r>
-            <a:r>
-              <a:rPr lang="sk-SK" b="1" dirty="0"/>
-              <a:t>: </a:t>
-            </a:r>
-            <a:r>
-              <a:rPr lang="sk-SK" dirty="0"/>
-              <a:t>in</a:t>
-            </a:r>
-          </a:p>
-          <a:p>
-            <a:pPr algn="just"/>
-            <a:r>
-              <a:rPr lang="sk-SK" b="1" dirty="0" err="1"/>
-              <a:t>authLevel</a:t>
-            </a:r>
-            <a:r>
-              <a:rPr lang="sk-SK" b="1" dirty="0"/>
-              <a:t>:</a:t>
-            </a:r>
-            <a:r>
-              <a:rPr lang="sk-SK" dirty="0"/>
-              <a:t> úroveň zabezpečenia </a:t>
-            </a:r>
-            <a:r>
-              <a:rPr lang="sk-SK" dirty="0" err="1"/>
-              <a:t>endpointu</a:t>
-            </a:r>
-            <a:r>
-              <a:rPr lang="sk-SK" dirty="0"/>
-              <a:t> (</a:t>
-            </a:r>
-            <a:r>
-              <a:rPr lang="sk-SK" i="1" dirty="0" err="1"/>
-              <a:t>anonymous</a:t>
-            </a:r>
-            <a:r>
-              <a:rPr lang="sk-SK" i="1" dirty="0"/>
-              <a:t>/</a:t>
-            </a:r>
-            <a:r>
-              <a:rPr lang="sk-SK" i="1" dirty="0" err="1"/>
-              <a:t>function</a:t>
-            </a:r>
-            <a:r>
-              <a:rPr lang="sk-SK" i="1" dirty="0"/>
-              <a:t>/admin</a:t>
-            </a:r>
-            <a:r>
-              <a:rPr lang="sk-SK" dirty="0"/>
-              <a:t>)</a:t>
-            </a:r>
-          </a:p>
-          <a:p>
-            <a:pPr algn="just"/>
-            <a:r>
-              <a:rPr lang="sk-SK" b="1" dirty="0" err="1"/>
-              <a:t>methods</a:t>
-            </a:r>
-            <a:r>
-              <a:rPr lang="sk-SK" b="1" dirty="0"/>
-              <a:t>:</a:t>
-            </a:r>
-            <a:r>
-              <a:rPr lang="sk-SK" dirty="0"/>
-              <a:t> pole HTTP metód, ktoré </a:t>
-            </a:r>
-            <a:r>
-              <a:rPr lang="sk-SK" dirty="0" err="1"/>
-              <a:t>endpoint</a:t>
-            </a:r>
-            <a:r>
-              <a:rPr lang="sk-SK" dirty="0"/>
-              <a:t> podporuje</a:t>
-            </a:r>
-          </a:p>
-          <a:p>
-            <a:pPr algn="just"/>
-            <a:r>
-              <a:rPr lang="sk-SK" b="1" dirty="0" err="1"/>
-              <a:t>route</a:t>
-            </a:r>
-            <a:r>
-              <a:rPr lang="sk-SK" b="1" dirty="0"/>
-              <a:t>: </a:t>
-            </a:r>
-            <a:r>
-              <a:rPr lang="sk-SK" dirty="0"/>
-              <a:t>šablóna pre URL </a:t>
-            </a:r>
-            <a:r>
-              <a:rPr lang="sk-SK" dirty="0" err="1"/>
-              <a:t>endpointy</a:t>
-            </a:r>
-            <a:r>
-              <a:rPr lang="sk-SK" dirty="0"/>
-              <a:t>, ktoré funkciu spúšťajú</a:t>
+              <a:t>vlastný objekt </a:t>
+            </a:r>
+            <a:r>
+              <a:rPr lang="sk-SK" dirty="0"/>
+              <a:t>– </a:t>
+            </a:r>
+            <a:r>
+              <a:rPr lang="sk-SK" dirty="0" err="1"/>
+              <a:t>runtime</a:t>
+            </a:r>
+            <a:r>
+              <a:rPr lang="sk-SK" dirty="0"/>
+              <a:t> sa pokúsi </a:t>
+            </a:r>
+            <a:r>
+              <a:rPr lang="sk-SK" dirty="0" err="1"/>
+              <a:t>deserializovať</a:t>
+            </a:r>
+            <a:r>
+              <a:rPr lang="sk-SK" dirty="0"/>
+              <a:t> telo dotazu z JSON do objektu</a:t>
             </a:r>
           </a:p>
         </p:txBody>
@@ -15394,7 +15253,7 @@
     </p:spTree>
     <p:extLst>
       <p:ext uri="{BB962C8B-B14F-4D97-AF65-F5344CB8AC3E}">
-        <p14:creationId xmlns:p14="http://schemas.microsoft.com/office/powerpoint/2010/main" val="3998585539"/>
+        <p14:creationId xmlns:p14="http://schemas.microsoft.com/office/powerpoint/2010/main" val="358259698"/>
       </p:ext>
     </p:extLst>
   </p:cSld>
@@ -15465,7 +15324,7 @@
             </a:r>
             <a:r>
               <a:rPr lang="sk-SK" dirty="0" err="1"/>
-              <a:t>HttpTrigger</a:t>
+              <a:t>function.json</a:t>
             </a:r>
             <a:r>
               <a:rPr lang="sk-SK" dirty="0"/>
@@ -15499,33 +15358,129 @@
           <a:p>
             <a:pPr algn="just"/>
             <a:r>
-              <a:rPr lang="sk-SK" dirty="0" err="1"/>
-              <a:t>AuthLevel</a:t>
+              <a:rPr lang="sk-SK" b="1" dirty="0"/>
+              <a:t>type</a:t>
+            </a:r>
+            <a:r>
+              <a:rPr lang="sk-SK" dirty="0"/>
+              <a:t>: </a:t>
+            </a:r>
+            <a:r>
+              <a:rPr lang="sk-SK" dirty="0" err="1"/>
+              <a:t>httpTrigger</a:t>
             </a:r>
             <a:endParaRPr lang="sk-SK" dirty="0"/>
           </a:p>
           <a:p>
             <a:pPr algn="just"/>
             <a:r>
-              <a:rPr lang="sk-SK" dirty="0" err="1"/>
-              <a:t>Methods</a:t>
-            </a:r>
-            <a:endParaRPr lang="sk-SK" dirty="0"/>
+              <a:rPr lang="sk-SK" b="1" dirty="0" err="1"/>
+              <a:t>direction</a:t>
+            </a:r>
+            <a:r>
+              <a:rPr lang="sk-SK" b="1" dirty="0"/>
+              <a:t>: </a:t>
+            </a:r>
+            <a:r>
+              <a:rPr lang="sk-SK" dirty="0"/>
+              <a:t>in</a:t>
+            </a:r>
           </a:p>
           <a:p>
             <a:pPr algn="just"/>
             <a:r>
-              <a:rPr lang="sk-SK" dirty="0" err="1"/>
-              <a:t>Route</a:t>
-            </a:r>
-            <a:endParaRPr lang="sk-SK" dirty="0"/>
+              <a:rPr lang="sk-SK" b="1" dirty="0" err="1"/>
+              <a:t>authLevel</a:t>
+            </a:r>
+            <a:r>
+              <a:rPr lang="sk-SK" b="1" dirty="0"/>
+              <a:t>:</a:t>
+            </a:r>
+            <a:r>
+              <a:rPr lang="sk-SK" dirty="0"/>
+              <a:t> úroveň zabezpečenia </a:t>
+            </a:r>
+            <a:r>
+              <a:rPr lang="sk-SK" dirty="0" err="1"/>
+              <a:t>endpointu</a:t>
+            </a:r>
+            <a:r>
+              <a:rPr lang="sk-SK" dirty="0"/>
+              <a:t> (</a:t>
+            </a:r>
+            <a:r>
+              <a:rPr lang="sk-SK" i="1" dirty="0" err="1"/>
+              <a:t>anonymous</a:t>
+            </a:r>
+            <a:r>
+              <a:rPr lang="sk-SK" i="1" dirty="0"/>
+              <a:t>/</a:t>
+            </a:r>
+            <a:r>
+              <a:rPr lang="sk-SK" i="1" dirty="0" err="1"/>
+              <a:t>function</a:t>
+            </a:r>
+            <a:r>
+              <a:rPr lang="sk-SK" i="1" dirty="0"/>
+              <a:t>/admin</a:t>
+            </a:r>
+            <a:r>
+              <a:rPr lang="sk-SK" dirty="0"/>
+              <a:t>)</a:t>
+            </a:r>
+          </a:p>
+          <a:p>
+            <a:pPr algn="just"/>
+            <a:r>
+              <a:rPr lang="sk-SK" b="1" dirty="0" err="1"/>
+              <a:t>methods</a:t>
+            </a:r>
+            <a:r>
+              <a:rPr lang="sk-SK" b="1" dirty="0"/>
+              <a:t>:</a:t>
+            </a:r>
+            <a:r>
+              <a:rPr lang="sk-SK" dirty="0"/>
+              <a:t> pole HTTP metód, ktoré </a:t>
+            </a:r>
+            <a:r>
+              <a:rPr lang="sk-SK" dirty="0" err="1"/>
+              <a:t>endpoint</a:t>
+            </a:r>
+            <a:r>
+              <a:rPr lang="sk-SK" dirty="0"/>
+              <a:t> podporuje</a:t>
+            </a:r>
+          </a:p>
+          <a:p>
+            <a:pPr algn="just"/>
+            <a:r>
+              <a:rPr lang="sk-SK" b="1" dirty="0" err="1"/>
+              <a:t>route</a:t>
+            </a:r>
+            <a:r>
+              <a:rPr lang="sk-SK" b="1" dirty="0"/>
+              <a:t>: </a:t>
+            </a:r>
+            <a:r>
+              <a:rPr lang="sk-SK" dirty="0"/>
+              <a:t>šablóna pre URL </a:t>
+            </a:r>
+            <a:r>
+              <a:rPr lang="sk-SK" dirty="0" err="1"/>
+              <a:t>endpointy</a:t>
+            </a:r>
+            <a:r>
+              <a:rPr lang="sk-SK" dirty="0"/>
+              <a:t>, ktoré funkciu spúšťajú</a:t>
+            </a:r>
           </a:p>
         </p:txBody>
       </p:sp>
     </p:spTree>
     <p:extLst>
       <p:ext uri="{BB962C8B-B14F-4D97-AF65-F5344CB8AC3E}">
-        <p14:creationId xmlns:p14="http://schemas.microsoft.com/office/powerpoint/2010/main" val="136431712"/>
+        <p14:creationId xmlns:p14="http://schemas.microsoft.com/office/powerpoint/2010/main" val="3998585539"/>
       </p:ext>
     </p:extLst>
   </p:cSld>
@@ -15580,9 +15535,28 @@
             </a:r>
             <a:r>
               <a:rPr lang="sk-SK" dirty="0" err="1"/>
-              <a:t>route</a:t>
-            </a:r>
-            <a:endParaRPr lang="sk-SK" dirty="0"/>
+              <a:t>trigger</a:t>
+            </a:r>
+            <a:r>
+              <a:rPr lang="sk-SK" dirty="0"/>
+              <a:t> </a:t>
+            </a:r>
+            <a:r>
+              <a:rPr lang="sk-SK" dirty="0" err="1"/>
+              <a:t>binding</a:t>
+            </a:r>
+            <a:r>
+              <a:rPr lang="sk-SK" dirty="0"/>
+              <a:t> (</a:t>
+            </a:r>
+            <a:r>
+              <a:rPr lang="sk-SK" dirty="0" err="1"/>
+              <a:t>HttpTrigger</a:t>
+            </a:r>
+            <a:r>
+              <a:rPr lang="sk-SK" dirty="0"/>
+              <a:t>)</a:t>
+            </a:r>
           </a:p>
         </p:txBody>
       </p:sp>
@@ -15611,148 +15585,33 @@
           <a:p>
             <a:pPr algn="just"/>
             <a:r>
-              <a:rPr lang="en-US" dirty="0"/>
-              <a:t>URL </a:t>
-            </a:r>
-            <a:r>
-              <a:rPr lang="en-US" dirty="0" err="1"/>
-              <a:t>endpointu</a:t>
-            </a:r>
-            <a:r>
-              <a:rPr lang="en-US" dirty="0"/>
-              <a:t> je </a:t>
-            </a:r>
-            <a:r>
-              <a:rPr lang="en-US" b="1" dirty="0"/>
-              <a:t>http://</a:t>
-            </a:r>
-            <a:r>
-              <a:rPr lang="en-US" b="1" i="1" dirty="0"/>
-              <a:t>&lt;APP_NAME&gt;</a:t>
-            </a:r>
-            <a:r>
-              <a:rPr lang="en-US" b="1" dirty="0"/>
-              <a:t>.azurewebsites.net/api/</a:t>
-            </a:r>
-            <a:r>
-              <a:rPr lang="en-US" b="1" i="1" dirty="0"/>
-              <a:t>&lt;route&gt;</a:t>
-            </a:r>
-            <a:endParaRPr lang="sk-SK" b="1" i="1" dirty="0"/>
+              <a:rPr lang="sk-SK" dirty="0" err="1"/>
+              <a:t>AuthLevel</a:t>
+            </a:r>
+            <a:endParaRPr lang="sk-SK" dirty="0"/>
           </a:p>
           <a:p>
             <a:pPr algn="just"/>
             <a:r>
-              <a:rPr lang="sk-SK" dirty="0"/>
-              <a:t>Východzia hodnota je </a:t>
-            </a:r>
-            <a:r>
-              <a:rPr lang="en-US" b="1" i="1" dirty="0"/>
-              <a:t>&lt;</a:t>
-            </a:r>
-            <a:r>
-              <a:rPr lang="en-US" b="1" i="1" dirty="0" err="1"/>
-              <a:t>functionname</a:t>
-            </a:r>
-            <a:r>
-              <a:rPr lang="en-US" b="1" i="1" dirty="0"/>
-              <a:t>&gt;</a:t>
-            </a:r>
+              <a:rPr lang="sk-SK" dirty="0" err="1"/>
+              <a:t>Methods</a:t>
+            </a:r>
+            <a:endParaRPr lang="sk-SK" dirty="0"/>
           </a:p>
           <a:p>
             <a:pPr algn="just"/>
             <a:r>
-              <a:rPr lang="en-US" dirty="0" err="1"/>
-              <a:t>Okrem</a:t>
-            </a:r>
-            <a:r>
-              <a:rPr lang="en-US" dirty="0"/>
-              <a:t> </a:t>
-            </a:r>
-            <a:r>
-              <a:rPr lang="en-US" dirty="0" err="1"/>
-              <a:t>kon</a:t>
-            </a:r>
-            <a:r>
-              <a:rPr lang="sk-SK" dirty="0" err="1"/>
-              <a:t>štantných</a:t>
-            </a:r>
-            <a:r>
-              <a:rPr lang="sk-SK" dirty="0"/>
-              <a:t> hodnôt je možné použiť parametre vo formáte </a:t>
-            </a:r>
-            <a:r>
-              <a:rPr lang="en-US" b="1" dirty="0"/>
-              <a:t>{</a:t>
-            </a:r>
-            <a:r>
-              <a:rPr lang="en-US" b="1" dirty="0" err="1"/>
-              <a:t>parameter:typ</a:t>
-            </a:r>
-            <a:r>
-              <a:rPr lang="en-US" b="1" dirty="0"/>
-              <a:t>}</a:t>
-            </a:r>
-            <a:r>
-              <a:rPr lang="sk-SK" dirty="0"/>
-              <a:t>, napríklad </a:t>
-            </a:r>
-            <a:r>
-              <a:rPr lang="sk-SK" dirty="0" err="1"/>
-              <a:t>products</a:t>
-            </a:r>
-            <a:r>
-              <a:rPr lang="sk-SK" dirty="0"/>
-              <a:t>/</a:t>
-            </a:r>
-            <a:r>
-              <a:rPr lang="en-US" i="1" dirty="0"/>
-              <a:t>{</a:t>
-            </a:r>
-            <a:r>
-              <a:rPr lang="en-US" i="1" dirty="0" err="1"/>
-              <a:t>category:alpha</a:t>
-            </a:r>
-            <a:r>
-              <a:rPr lang="en-US" i="1" dirty="0"/>
-              <a:t>}</a:t>
-            </a:r>
-            <a:r>
-              <a:rPr lang="en-US" dirty="0"/>
-              <a:t>/</a:t>
-            </a:r>
-            <a:r>
-              <a:rPr lang="en-US" i="1" dirty="0"/>
-              <a:t>{</a:t>
-            </a:r>
-            <a:r>
-              <a:rPr lang="en-US" i="1" dirty="0" err="1"/>
-              <a:t>id:int</a:t>
-            </a:r>
-            <a:r>
-              <a:rPr lang="en-US" i="1" dirty="0"/>
-              <a:t>?}</a:t>
-            </a:r>
-            <a:endParaRPr lang="sk-SK" i="1" dirty="0"/>
-          </a:p>
-          <a:p>
-            <a:pPr algn="just"/>
-            <a:r>
-              <a:rPr lang="sk-SK" dirty="0"/>
-              <a:t>Tieto parametre môžu následne využívať aj ostatné </a:t>
-            </a:r>
-            <a:r>
-              <a:rPr lang="sk-SK" dirty="0" err="1"/>
-              <a:t>bindings</a:t>
-            </a:r>
-            <a:endParaRPr lang="en-US" dirty="0"/>
+              <a:rPr lang="sk-SK" dirty="0" err="1"/>
+              <a:t>Route</a:t>
+            </a:r>
+            <a:endParaRPr lang="sk-SK" dirty="0"/>
           </a:p>
         </p:txBody>
       </p:sp>
     </p:spTree>
     <p:extLst>
       <p:ext uri="{BB962C8B-B14F-4D97-AF65-F5344CB8AC3E}">
-        <p14:creationId xmlns:p14="http://schemas.microsoft.com/office/powerpoint/2010/main" val="2223513382"/>
+        <p14:creationId xmlns:p14="http://schemas.microsoft.com/office/powerpoint/2010/main" val="136431712"/>
       </p:ext>
     </p:extLst>
   </p:cSld>
@@ -15803,11 +15662,11 @@
             <a:pPr algn="l"/>
             <a:r>
               <a:rPr lang="sk-SK" dirty="0"/>
-              <a:t>HTTP – output </a:t>
-            </a:r>
-            <a:r>
-              <a:rPr lang="sk-SK" dirty="0" err="1"/>
-              <a:t>binding</a:t>
+              <a:t>HTTP – </a:t>
+            </a:r>
+            <a:r>
+              <a:rPr lang="sk-SK" dirty="0" err="1"/>
+              <a:t>route</a:t>
             </a:r>
             <a:endParaRPr lang="sk-SK" dirty="0"/>
           </a:p>
@@ -15838,59 +15697,148 @@
           <a:p>
             <a:pPr algn="just"/>
             <a:r>
-              <a:rPr lang="sk-SK" b="1" dirty="0"/>
-              <a:t>type</a:t>
-            </a:r>
-            <a:r>
-              <a:rPr lang="sk-SK" dirty="0"/>
-              <a:t>: http</a:t>
-            </a:r>
+              <a:rPr lang="en-US" dirty="0"/>
+              <a:t>URL </a:t>
+            </a:r>
+            <a:r>
+              <a:rPr lang="en-US" dirty="0" err="1"/>
+              <a:t>endpointu</a:t>
+            </a:r>
+            <a:r>
+              <a:rPr lang="en-US" dirty="0"/>
+              <a:t> je </a:t>
+            </a:r>
+            <a:r>
+              <a:rPr lang="en-US" b="1" dirty="0"/>
+              <a:t>http://</a:t>
+            </a:r>
+            <a:r>
+              <a:rPr lang="en-US" b="1" i="1" dirty="0"/>
+              <a:t>&lt;APP_NAME&gt;</a:t>
+            </a:r>
+            <a:r>
+              <a:rPr lang="en-US" b="1" dirty="0"/>
+              <a:t>.azurewebsites.net/api/</a:t>
+            </a:r>
+            <a:r>
+              <a:rPr lang="en-US" b="1" i="1" dirty="0"/>
+              <a:t>&lt;route&gt;</a:t>
+            </a:r>
+            <a:endParaRPr lang="sk-SK" b="1" i="1" dirty="0"/>
           </a:p>
           <a:p>
             <a:pPr algn="just"/>
             <a:r>
-              <a:rPr lang="sk-SK" b="1" dirty="0" err="1"/>
-              <a:t>direction</a:t>
-            </a:r>
-            <a:r>
-              <a:rPr lang="sk-SK" b="1" dirty="0"/>
-              <a:t>: </a:t>
-            </a:r>
-            <a:r>
-              <a:rPr lang="sk-SK" dirty="0" err="1"/>
-              <a:t>out</a:t>
-            </a:r>
-            <a:endParaRPr lang="sk-SK" dirty="0"/>
+              <a:rPr lang="sk-SK" dirty="0"/>
+              <a:t>Východzia hodnota je </a:t>
+            </a:r>
+            <a:r>
+              <a:rPr lang="en-US" b="1" i="1" dirty="0"/>
+              <a:t>&lt;</a:t>
+            </a:r>
+            <a:r>
+              <a:rPr lang="en-US" b="1" i="1" dirty="0" err="1"/>
+              <a:t>functionname</a:t>
+            </a:r>
+            <a:r>
+              <a:rPr lang="en-US" b="1" i="1" dirty="0"/>
+              <a:t>&gt;</a:t>
+            </a:r>
           </a:p>
           <a:p>
             <a:pPr algn="just"/>
             <a:r>
-              <a:rPr lang="sk-SK" b="1" dirty="0" err="1"/>
-              <a:t>name</a:t>
-            </a:r>
-            <a:r>
-              <a:rPr lang="sk-SK" b="1" dirty="0"/>
-              <a:t>:</a:t>
-            </a:r>
-            <a:r>
-              <a:rPr lang="sk-SK" dirty="0"/>
-              <a:t> názov premennej, ktorá sa má použiť ako odpoveď; alebo </a:t>
-            </a:r>
-            <a:r>
-              <a:rPr lang="en-US" b="1" i="1" dirty="0"/>
-              <a:t>$return</a:t>
-            </a:r>
-            <a:r>
-              <a:rPr lang="sk-SK" dirty="0"/>
-              <a:t>, aby sa použila návratová hodnota z funkcie</a:t>
-            </a:r>
+              <a:rPr lang="en-US" dirty="0" err="1"/>
+              <a:t>Okrem</a:t>
+            </a:r>
+            <a:r>
+              <a:rPr lang="en-US" dirty="0"/>
+              <a:t> </a:t>
+            </a:r>
+            <a:r>
+              <a:rPr lang="en-US" dirty="0" err="1"/>
+              <a:t>kon</a:t>
+            </a:r>
+            <a:r>
+              <a:rPr lang="sk-SK" dirty="0" err="1"/>
+              <a:t>štantných</a:t>
+            </a:r>
+            <a:r>
+              <a:rPr lang="sk-SK" dirty="0"/>
+              <a:t> hodnôt je možné použiť parametre vo formáte </a:t>
+            </a:r>
+            <a:r>
+              <a:rPr lang="en-US" b="1" dirty="0"/>
+              <a:t>{</a:t>
+            </a:r>
+            <a:r>
+              <a:rPr lang="en-US" b="1" dirty="0" err="1"/>
+              <a:t>parameter:typ</a:t>
+            </a:r>
+            <a:r>
+              <a:rPr lang="en-US" b="1" dirty="0"/>
+              <a:t>}</a:t>
+            </a:r>
+            <a:r>
+              <a:rPr lang="sk-SK" dirty="0"/>
+              <a:t>, napríklad </a:t>
+            </a:r>
+            <a:r>
+              <a:rPr lang="sk-SK" dirty="0" err="1"/>
+              <a:t>products</a:t>
+            </a:r>
+            <a:r>
+              <a:rPr lang="sk-SK" dirty="0"/>
+              <a:t>/</a:t>
+            </a:r>
+            <a:r>
+              <a:rPr lang="en-US" i="1" dirty="0"/>
+              <a:t>{</a:t>
+            </a:r>
+            <a:r>
+              <a:rPr lang="en-US" i="1" dirty="0" err="1"/>
+              <a:t>category:alpha</a:t>
+            </a:r>
+            <a:r>
+              <a:rPr lang="en-US" i="1" dirty="0"/>
+              <a:t>}</a:t>
+            </a:r>
+            <a:r>
+              <a:rPr lang="en-US" dirty="0"/>
+              <a:t>/</a:t>
+            </a:r>
+            <a:r>
+              <a:rPr lang="en-US" i="1" dirty="0"/>
+              <a:t>{</a:t>
+            </a:r>
+            <a:r>
+              <a:rPr lang="en-US" i="1" dirty="0" err="1"/>
+              <a:t>id:int</a:t>
+            </a:r>
+            <a:r>
+              <a:rPr lang="en-US" i="1" dirty="0"/>
+              <a:t>?}</a:t>
+            </a:r>
+            <a:endParaRPr lang="sk-SK" i="1" dirty="0"/>
+          </a:p>
+          <a:p>
+            <a:pPr algn="just"/>
+            <a:r>
+              <a:rPr lang="sk-SK" dirty="0"/>
+              <a:t>Tieto parametre môžu následne využívať aj ostatné </a:t>
+            </a:r>
+            <a:r>
+              <a:rPr lang="sk-SK" dirty="0" err="1"/>
+              <a:t>bindings</a:t>
+            </a:r>
+            <a:endParaRPr lang="en-US" dirty="0"/>
           </a:p>
         </p:txBody>
       </p:sp>
     </p:spTree>
     <p:extLst>
       <p:ext uri="{BB962C8B-B14F-4D97-AF65-F5344CB8AC3E}">
-        <p14:creationId xmlns:p14="http://schemas.microsoft.com/office/powerpoint/2010/main" val="2767939085"/>
+        <p14:creationId xmlns:p14="http://schemas.microsoft.com/office/powerpoint/2010/main" val="2223513382"/>
       </p:ext>
     </p:extLst>
   </p:cSld>
@@ -15940,16 +15888,12 @@
           <a:p>
             <a:pPr algn="l"/>
             <a:r>
-              <a:rPr lang="sk-SK" dirty="0" err="1"/>
-              <a:t>Blob</a:t>
-            </a:r>
-            <a:r>
-              <a:rPr lang="sk-SK" dirty="0"/>
-              <a:t> </a:t>
-            </a:r>
-            <a:r>
-              <a:rPr lang="sk-SK" dirty="0" err="1"/>
-              <a:t>storage</a:t>
+              <a:rPr lang="sk-SK" dirty="0"/>
+              <a:t>HTTP – output </a:t>
+            </a:r>
+            <a:r>
+              <a:rPr lang="sk-SK" dirty="0" err="1"/>
+              <a:t>binding</a:t>
             </a:r>
             <a:endParaRPr lang="sk-SK" dirty="0"/>
           </a:p>
@@ -15980,86 +15924,51 @@
           <a:p>
             <a:pPr algn="just"/>
             <a:r>
-              <a:rPr lang="sk-SK" dirty="0"/>
-              <a:t>Funkcia sa spúšťa pri zmene v </a:t>
-            </a:r>
-            <a:r>
-              <a:rPr lang="sk-SK" dirty="0" err="1"/>
-              <a:t>blob</a:t>
-            </a:r>
-            <a:r>
-              <a:rPr lang="sk-SK" dirty="0"/>
-              <a:t> </a:t>
-            </a:r>
-            <a:r>
-              <a:rPr lang="sk-SK" dirty="0" err="1"/>
-              <a:t>storage</a:t>
-            </a:r>
-            <a:r>
-              <a:rPr lang="sk-SK" dirty="0"/>
-              <a:t> (pridanie alebo zmena)</a:t>
+              <a:rPr lang="sk-SK" b="1" dirty="0"/>
+              <a:t>type</a:t>
+            </a:r>
+            <a:r>
+              <a:rPr lang="sk-SK" dirty="0"/>
+              <a:t>: http</a:t>
             </a:r>
           </a:p>
           <a:p>
             <a:pPr algn="just"/>
             <a:r>
-              <a:rPr lang="sk-SK" dirty="0"/>
-              <a:t>Zmeny sa kontrolujú kombináciou prehliadania logov a pravidelného skenovania kontajnera (v skupinách po 10 000)</a:t>
-            </a:r>
+              <a:rPr lang="sk-SK" b="1" dirty="0" err="1"/>
+              <a:t>direction</a:t>
+            </a:r>
+            <a:r>
+              <a:rPr lang="sk-SK" b="1" dirty="0"/>
+              <a:t>: </a:t>
+            </a:r>
+            <a:r>
+              <a:rPr lang="sk-SK" dirty="0" err="1"/>
+              <a:t>out</a:t>
+            </a:r>
+            <a:endParaRPr lang="sk-SK" dirty="0"/>
           </a:p>
           <a:p>
             <a:pPr algn="just"/>
             <a:r>
-              <a:rPr lang="sk-SK" dirty="0"/>
-              <a:t>Logovanie v </a:t>
-            </a:r>
-            <a:r>
-              <a:rPr lang="sk-SK" dirty="0" err="1"/>
-              <a:t>blob</a:t>
-            </a:r>
-            <a:r>
-              <a:rPr lang="sk-SK" dirty="0"/>
-              <a:t> </a:t>
-            </a:r>
-            <a:r>
-              <a:rPr lang="sk-SK" dirty="0" err="1"/>
-              <a:t>storage</a:t>
-            </a:r>
-            <a:r>
-              <a:rPr lang="sk-SK" dirty="0"/>
-              <a:t> nie je 100% spoľahlivé a niektoré zmeny nemusí zachytiť. V prípade potreby rýchlejšieho a spoľahlivejšieho spracovania sa odporúča o zmene </a:t>
-            </a:r>
-            <a:r>
-              <a:rPr lang="sk-SK" dirty="0" err="1"/>
-              <a:t>blobu</a:t>
-            </a:r>
-            <a:r>
-              <a:rPr lang="sk-SK" dirty="0"/>
-              <a:t> poslať správu do fronty a použiť </a:t>
-            </a:r>
-            <a:r>
-              <a:rPr lang="sk-SK" dirty="0" err="1"/>
-              <a:t>queue</a:t>
-            </a:r>
-            <a:r>
-              <a:rPr lang="sk-SK" dirty="0"/>
-              <a:t> </a:t>
-            </a:r>
-            <a:r>
-              <a:rPr lang="sk-SK" dirty="0" err="1"/>
-              <a:t>trigger</a:t>
-            </a:r>
-            <a:r>
-              <a:rPr lang="sk-SK" dirty="0"/>
-              <a:t>, prípadne využiť </a:t>
-            </a:r>
-            <a:r>
-              <a:rPr lang="sk-SK" dirty="0" err="1"/>
-              <a:t>EventGrid</a:t>
-            </a:r>
-            <a:r>
-              <a:rPr lang="sk-SK" dirty="0"/>
-              <a:t>.</a:t>
+              <a:rPr lang="sk-SK" b="1" dirty="0" err="1"/>
+              <a:t>name</a:t>
+            </a:r>
+            <a:r>
+              <a:rPr lang="sk-SK" b="1" dirty="0"/>
+              <a:t>:</a:t>
+            </a:r>
+            <a:r>
+              <a:rPr lang="sk-SK" dirty="0"/>
+              <a:t> názov premennej, ktorá sa má použiť ako odpoveď; alebo </a:t>
+            </a:r>
+            <a:r>
+              <a:rPr lang="en-US" b="1" i="1" dirty="0"/>
+              <a:t>$return</a:t>
+            </a:r>
+            <a:r>
+              <a:rPr lang="sk-SK" dirty="0"/>
+              <a:t>, aby sa použila návratová hodnota z funkcie</a:t>
             </a:r>
           </a:p>
         </p:txBody>
@@ -16067,7 +15976,7 @@
     </p:spTree>
     <p:extLst>
       <p:ext uri="{BB962C8B-B14F-4D97-AF65-F5344CB8AC3E}">
-        <p14:creationId xmlns:p14="http://schemas.microsoft.com/office/powerpoint/2010/main" val="2064407997"/>
+        <p14:creationId xmlns:p14="http://schemas.microsoft.com/office/powerpoint/2010/main" val="2767939085"/>
       </p:ext>
     </p:extLst>
   </p:cSld>
@@ -16099,7 +16008,7 @@
           <p:cNvPr id="2" name="Nadpis 1">
             <a:extLst>
               <a:ext uri="{FF2B5EF4-FFF2-40B4-BE49-F238E27FC236}">
-                <a16:creationId xmlns:a16="http://schemas.microsoft.com/office/drawing/2014/main" id="{62ACF874-421B-461B-A00E-A5290473AF65}"/>
+                <a16:creationId xmlns:a16="http://schemas.microsoft.com/office/drawing/2014/main" id="{7D03AFBC-F4FB-4C83-AB6F-6763F548D5D3}"/>
               </a:ext>
             </a:extLst>
           </p:cNvPr>
@@ -16128,14 +16037,6 @@
               <a:rPr lang="sk-SK" dirty="0" err="1"/>
               <a:t>storage</a:t>
             </a:r>
-            <a:r>
-              <a:rPr lang="sk-SK" dirty="0"/>
-              <a:t> - </a:t>
-            </a:r>
-            <a:r>
-              <a:rPr lang="sk-SK" dirty="0" err="1"/>
-              <a:t>receipts</a:t>
-            </a:r>
             <a:endParaRPr lang="sk-SK" dirty="0"/>
           </a:p>
         </p:txBody>
@@ -16145,7 +16046,7 @@
           <p:cNvPr id="3" name="Zástupný objekt pre obsah 2">
             <a:extLst>
               <a:ext uri="{FF2B5EF4-FFF2-40B4-BE49-F238E27FC236}">
-                <a16:creationId xmlns:a16="http://schemas.microsoft.com/office/drawing/2014/main" id="{7E69D288-E500-4B87-90C1-819B8B432BF2}"/>
+                <a16:creationId xmlns:a16="http://schemas.microsoft.com/office/drawing/2014/main" id="{18D097EB-C6D2-41D9-A130-FDE2B4CB1915}"/>
               </a:ext>
             </a:extLst>
           </p:cNvPr>
@@ -16158,33 +16059,73 @@
         </p:nvSpPr>
         <p:spPr/>
         <p:txBody>
-          <a:bodyPr/>
+          <a:bodyPr>
+            <a:normAutofit/>
+          </a:bodyPr>
           <a:lstStyle/>
           <a:p>
             <a:pPr algn="just"/>
             <a:r>
-              <a:rPr lang="sk-SK" b="1" dirty="0" err="1"/>
-              <a:t>Blob</a:t>
-            </a:r>
-            <a:r>
-              <a:rPr lang="sk-SK" b="1" dirty="0"/>
+              <a:rPr lang="sk-SK" dirty="0"/>
+              <a:t>Funkcia sa spúšťa pri zmene v </a:t>
+            </a:r>
+            <a:r>
+              <a:rPr lang="sk-SK" dirty="0" err="1"/>
+              <a:t>blob</a:t>
+            </a:r>
+            <a:r>
+              <a:rPr lang="sk-SK" dirty="0"/>
               <a:t> </a:t>
             </a:r>
             <a:r>
-              <a:rPr lang="sk-SK" b="1" dirty="0" err="1"/>
-              <a:t>receipts</a:t>
-            </a:r>
-            <a:r>
-              <a:rPr lang="sk-SK" b="1" dirty="0"/>
+              <a:rPr lang="sk-SK" dirty="0" err="1"/>
+              <a:t>storage</a:t>
+            </a:r>
+            <a:r>
+              <a:rPr lang="sk-SK" dirty="0"/>
+              <a:t> (pridanie alebo zmena)</a:t>
+            </a:r>
+          </a:p>
+          <a:p>
+            <a:pPr algn="just"/>
+            <a:r>
+              <a:rPr lang="sk-SK" dirty="0"/>
+              <a:t>Zmeny sa kontrolujú kombináciou prehliadania logov a pravidelného skenovania kontajnera (v skupinách po 10 000)</a:t>
+            </a:r>
+          </a:p>
+          <a:p>
+            <a:pPr algn="just"/>
+            <a:r>
+              <a:rPr lang="sk-SK" dirty="0"/>
+              <a:t>Logovanie v </a:t>
+            </a:r>
+            <a:r>
+              <a:rPr lang="sk-SK" dirty="0" err="1"/>
+              <a:t>blob</a:t>
+            </a:r>
+            <a:r>
+              <a:rPr lang="sk-SK" dirty="0"/>
               <a:t> </a:t>
             </a:r>
             <a:r>
-              <a:rPr lang="sk-SK" dirty="0"/>
-              <a:t>= systém, akým </a:t>
-            </a:r>
-            <a:r>
-              <a:rPr lang="sk-SK" dirty="0" err="1"/>
-              <a:t>Azure</a:t>
+              <a:rPr lang="sk-SK" dirty="0" err="1"/>
+              <a:t>storage</a:t>
+            </a:r>
+            <a:r>
+              <a:rPr lang="sk-SK" dirty="0"/>
+              <a:t> nie je 100% spoľahlivé a niektoré zmeny nemusí zachytiť. V prípade potreby rýchlejšieho a spoľahlivejšieho spracovania sa odporúča o zmene </a:t>
+            </a:r>
+            <a:r>
+              <a:rPr lang="sk-SK" dirty="0" err="1"/>
+              <a:t>blobu</a:t>
+            </a:r>
+            <a:r>
+              <a:rPr lang="sk-SK" dirty="0"/>
+              <a:t> poslať správu do fronty a použiť </a:t>
+            </a:r>
+            <a:r>
+              <a:rPr lang="sk-SK" dirty="0" err="1"/>
+              <a:t>queue</a:t>
             </a:r>
             <a:r>
               <a:rPr lang="sk-SK" dirty="0"/>
@@ -16192,75 +16133,27 @@
             </a:r>
             <a:r>
               <a:rPr lang="sk-SK" dirty="0" err="1"/>
-              <a:t>Functions</a:t>
-            </a:r>
-            <a:r>
-              <a:rPr lang="sk-SK" dirty="0"/>
-              <a:t> zabezpečujú, aby sa pre každý nový/upravený </a:t>
-            </a:r>
-            <a:r>
-              <a:rPr lang="sk-SK" dirty="0" err="1"/>
-              <a:t>blob</a:t>
-            </a:r>
-            <a:r>
-              <a:rPr lang="sk-SK" dirty="0"/>
-              <a:t> vyvolala funkcia iba raz</a:t>
-            </a:r>
-          </a:p>
-          <a:p>
-            <a:pPr algn="just"/>
-            <a:r>
-              <a:rPr lang="sk-SK" dirty="0"/>
-              <a:t>Ukladajú sa do </a:t>
-            </a:r>
-            <a:r>
-              <a:rPr lang="sk-SK" dirty="0" err="1"/>
-              <a:t>storage</a:t>
-            </a:r>
-            <a:r>
-              <a:rPr lang="sk-SK" dirty="0"/>
-              <a:t> určeného v </a:t>
-            </a:r>
-            <a:r>
-              <a:rPr lang="sk-SK" i="1" dirty="0" err="1"/>
-              <a:t>AzureWebJobsStorage</a:t>
-            </a:r>
-            <a:r>
-              <a:rPr lang="sk-SK" dirty="0"/>
-              <a:t>, do kontajnera </a:t>
-            </a:r>
-            <a:r>
-              <a:rPr lang="sk-SK" i="1" dirty="0" err="1"/>
-              <a:t>azure-webjobs-hosts</a:t>
-            </a:r>
-            <a:endParaRPr lang="sk-SK" i="1" dirty="0"/>
-          </a:p>
-          <a:p>
-            <a:pPr algn="just"/>
-            <a:r>
-              <a:rPr lang="sk-SK" dirty="0"/>
-              <a:t>Ak je potrebné </a:t>
-            </a:r>
-            <a:r>
-              <a:rPr lang="sk-SK" dirty="0" err="1"/>
-              <a:t>blob</a:t>
-            </a:r>
-            <a:r>
-              <a:rPr lang="sk-SK" dirty="0"/>
-              <a:t> spracovať znova, je potrebné vymazať jeho </a:t>
-            </a:r>
-            <a:r>
-              <a:rPr lang="sk-SK" dirty="0" err="1"/>
-              <a:t>receipt</a:t>
-            </a:r>
-            <a:endParaRPr lang="sk-SK" dirty="0"/>
+              <a:t>trigger</a:t>
+            </a:r>
+            <a:r>
+              <a:rPr lang="sk-SK" dirty="0"/>
+              <a:t>, prípadne využiť </a:t>
+            </a:r>
+            <a:r>
+              <a:rPr lang="sk-SK" dirty="0" err="1"/>
+              <a:t>EventGrid</a:t>
+            </a:r>
+            <a:r>
+              <a:rPr lang="sk-SK" dirty="0"/>
+              <a:t>.</a:t>
+            </a:r>
           </a:p>
         </p:txBody>
       </p:sp>
     </p:spTree>
     <p:extLst>
       <p:ext uri="{BB962C8B-B14F-4D97-AF65-F5344CB8AC3E}">
-        <p14:creationId xmlns:p14="http://schemas.microsoft.com/office/powerpoint/2010/main" val="1111922378"/>
+        <p14:creationId xmlns:p14="http://schemas.microsoft.com/office/powerpoint/2010/main" val="2064407997"/>
       </p:ext>
     </p:extLst>
   </p:cSld>
@@ -16292,7 +16185,7 @@
           <p:cNvPr id="2" name="Nadpis 1">
             <a:extLst>
               <a:ext uri="{FF2B5EF4-FFF2-40B4-BE49-F238E27FC236}">
-                <a16:creationId xmlns:a16="http://schemas.microsoft.com/office/drawing/2014/main" id="{6F01E775-EE1D-46F8-B1E2-A4826F1298FC}"/>
+                <a16:creationId xmlns:a16="http://schemas.microsoft.com/office/drawing/2014/main" id="{62ACF874-421B-461B-A00E-A5290473AF65}"/>
               </a:ext>
             </a:extLst>
           </p:cNvPr>
@@ -16323,19 +16216,11 @@
             </a:r>
             <a:r>
               <a:rPr lang="sk-SK" dirty="0"/>
-              <a:t> – </a:t>
-            </a:r>
-            <a:r>
-              <a:rPr lang="sk-SK" dirty="0" err="1"/>
-              <a:t>poison</a:t>
-            </a:r>
-            <a:r>
-              <a:rPr lang="sk-SK" dirty="0"/>
-              <a:t> </a:t>
-            </a:r>
-            <a:r>
-              <a:rPr lang="sk-SK" dirty="0" err="1"/>
-              <a:t>blobs</a:t>
+              <a:t> - </a:t>
+            </a:r>
+            <a:r>
+              <a:rPr lang="sk-SK" dirty="0" err="1"/>
+              <a:t>receipts</a:t>
             </a:r>
             <a:endParaRPr lang="sk-SK" dirty="0"/>
           </a:p>
@@ -16346,7 +16231,7 @@
           <p:cNvPr id="3" name="Zástupný objekt pre obsah 2">
             <a:extLst>
               <a:ext uri="{FF2B5EF4-FFF2-40B4-BE49-F238E27FC236}">
-                <a16:creationId xmlns:a16="http://schemas.microsoft.com/office/drawing/2014/main" id="{9BFD6590-5285-4CF1-8883-CAD03A9E7D48}"/>
+                <a16:creationId xmlns:a16="http://schemas.microsoft.com/office/drawing/2014/main" id="{7E69D288-E500-4B87-90C1-819B8B432BF2}"/>
               </a:ext>
             </a:extLst>
           </p:cNvPr>
@@ -16364,16 +16249,24 @@
           <a:p>
             <a:pPr algn="just"/>
             <a:r>
-              <a:rPr lang="sk-SK" dirty="0"/>
-              <a:t>Ak funkcia zlyhá pri spracovaní </a:t>
-            </a:r>
-            <a:r>
-              <a:rPr lang="sk-SK" dirty="0" err="1"/>
-              <a:t>blobu</a:t>
-            </a:r>
-            <a:r>
-              <a:rPr lang="sk-SK" dirty="0"/>
-              <a:t>, </a:t>
+              <a:rPr lang="sk-SK" b="1" dirty="0" err="1"/>
+              <a:t>Blob</a:t>
+            </a:r>
+            <a:r>
+              <a:rPr lang="sk-SK" b="1" dirty="0"/>
+              <a:t> </a:t>
+            </a:r>
+            <a:r>
+              <a:rPr lang="sk-SK" b="1" dirty="0" err="1"/>
+              <a:t>receipts</a:t>
+            </a:r>
+            <a:r>
+              <a:rPr lang="sk-SK" b="1" dirty="0"/>
+              <a:t> </a:t>
+            </a:r>
+            <a:r>
+              <a:rPr lang="sk-SK" dirty="0"/>
+              <a:t>= systém, akým </a:t>
             </a:r>
             <a:r>
               <a:rPr lang="sk-SK" dirty="0" err="1"/>
@@ -16389,50 +16282,62 @@
             </a:r>
             <a:r>
               <a:rPr lang="sk-SK" dirty="0"/>
-              <a:t> urobia ešte 5 pokusov o opätovné spracovanie (by default)</a:t>
+              <a:t> zabezpečujú, aby sa pre každý nový/upravený </a:t>
+            </a:r>
+            <a:r>
+              <a:rPr lang="sk-SK" dirty="0" err="1"/>
+              <a:t>blob</a:t>
+            </a:r>
+            <a:r>
+              <a:rPr lang="sk-SK" dirty="0"/>
+              <a:t> vyvolala funkcia iba raz</a:t>
             </a:r>
           </a:p>
           <a:p>
             <a:pPr algn="just"/>
             <a:r>
               <a:rPr lang="sk-SK" dirty="0"/>
-              <a:t>Ak nepomôže ani opakovanie, </a:t>
-            </a:r>
-            <a:r>
-              <a:rPr lang="sk-SK" dirty="0" err="1"/>
-              <a:t>Azure</a:t>
-            </a:r>
-            <a:r>
-              <a:rPr lang="sk-SK" dirty="0"/>
-              <a:t> </a:t>
-            </a:r>
-            <a:r>
-              <a:rPr lang="sk-SK" dirty="0" err="1"/>
-              <a:t>Functions</a:t>
-            </a:r>
-            <a:r>
-              <a:rPr lang="sk-SK" dirty="0"/>
-              <a:t> pošlú o tom správu do </a:t>
-            </a:r>
-            <a:r>
-              <a:rPr lang="sk-SK" dirty="0" err="1"/>
-              <a:t>Storage</a:t>
-            </a:r>
-            <a:r>
-              <a:rPr lang="sk-SK" dirty="0"/>
-              <a:t> </a:t>
-            </a:r>
-            <a:r>
-              <a:rPr lang="sk-SK" dirty="0" err="1"/>
-              <a:t>queue</a:t>
-            </a:r>
-            <a:r>
-              <a:rPr lang="sk-SK" dirty="0"/>
-              <a:t> s názvom </a:t>
+              <a:t>Ukladajú sa do </a:t>
+            </a:r>
+            <a:r>
+              <a:rPr lang="sk-SK" dirty="0" err="1"/>
+              <a:t>storage</a:t>
+            </a:r>
+            <a:r>
+              <a:rPr lang="sk-SK" dirty="0"/>
+              <a:t> určeného v </a:t>
             </a:r>
             <a:r>
               <a:rPr lang="sk-SK" i="1" dirty="0" err="1"/>
-              <a:t>webjobs-blobtrigger-poison</a:t>
+              <a:t>AzureWebJobsStorage</a:t>
+            </a:r>
+            <a:r>
+              <a:rPr lang="sk-SK" dirty="0"/>
+              <a:t>, do kontajnera </a:t>
+            </a:r>
+            <a:r>
+              <a:rPr lang="sk-SK" i="1" dirty="0" err="1"/>
+              <a:t>azure-webjobs-hosts</a:t>
+            </a:r>
+            <a:endParaRPr lang="sk-SK" i="1" dirty="0"/>
+          </a:p>
+          <a:p>
+            <a:pPr algn="just"/>
+            <a:r>
+              <a:rPr lang="sk-SK" dirty="0"/>
+              <a:t>Ak je potrebné </a:t>
+            </a:r>
+            <a:r>
+              <a:rPr lang="sk-SK" dirty="0" err="1"/>
+              <a:t>blob</a:t>
+            </a:r>
+            <a:r>
+              <a:rPr lang="sk-SK" dirty="0"/>
+              <a:t> spracovať znova, je potrebné vymazať jeho </a:t>
+            </a:r>
+            <a:r>
+              <a:rPr lang="sk-SK" dirty="0" err="1"/>
+              <a:t>receipt</a:t>
             </a:r>
             <a:endParaRPr lang="sk-SK" dirty="0"/>
           </a:p>
@@ -16441,7 +16346,7 @@
     </p:spTree>
     <p:extLst>
       <p:ext uri="{BB962C8B-B14F-4D97-AF65-F5344CB8AC3E}">
-        <p14:creationId xmlns:p14="http://schemas.microsoft.com/office/powerpoint/2010/main" val="3453480156"/>
+        <p14:creationId xmlns:p14="http://schemas.microsoft.com/office/powerpoint/2010/main" val="1111922378"/>
       </p:ext>
     </p:extLst>
   </p:cSld>
@@ -16473,7 +16378,7 @@
           <p:cNvPr id="2" name="Nadpis 1">
             <a:extLst>
               <a:ext uri="{FF2B5EF4-FFF2-40B4-BE49-F238E27FC236}">
-                <a16:creationId xmlns:a16="http://schemas.microsoft.com/office/drawing/2014/main" id="{E0F66225-1786-4978-859E-95C444670FB8}"/>
+                <a16:creationId xmlns:a16="http://schemas.microsoft.com/office/drawing/2014/main" id="{6F01E775-EE1D-46F8-B1E2-A4826F1298FC}"/>
               </a:ext>
             </a:extLst>
           </p:cNvPr>
@@ -16508,28 +16413,17 @@
             </a:r>
             <a:r>
               <a:rPr lang="sk-SK" dirty="0" err="1"/>
-              <a:t>host.json</a:t>
-            </a:r>
-            <a:r>
-              <a:rPr lang="sk-SK" dirty="0"/>
-              <a:t> (</a:t>
-            </a:r>
-            <a:r>
-              <a:rPr lang="sk-SK" dirty="0" err="1"/>
-              <a:t>extension</a:t>
-            </a:r>
-            <a:r>
-              <a:rPr lang="sk-SK" dirty="0"/>
-              <a:t> „</a:t>
+              <a:t>poison</a:t>
+            </a:r>
+            <a:r>
+              <a:rPr lang="sk-SK" dirty="0"/>
+              <a:t> </a:t>
             </a:r>
             <a:r>
               <a:rPr lang="sk-SK" dirty="0" err="1"/>
               <a:t>blobs</a:t>
             </a:r>
-            <a:r>
-              <a:rPr lang="sk-SK" dirty="0"/>
-              <a:t>“)</a:t>
-            </a:r>
+            <a:endParaRPr lang="sk-SK" dirty="0"/>
           </a:p>
         </p:txBody>
       </p:sp>
@@ -16538,7 +16432,7 @@
           <p:cNvPr id="3" name="Zástupný objekt pre obsah 2">
             <a:extLst>
               <a:ext uri="{FF2B5EF4-FFF2-40B4-BE49-F238E27FC236}">
-                <a16:creationId xmlns:a16="http://schemas.microsoft.com/office/drawing/2014/main" id="{13A6DB6A-A1BA-4AD7-A536-8988E774FA7C}"/>
+                <a16:creationId xmlns:a16="http://schemas.microsoft.com/office/drawing/2014/main" id="{9BFD6590-5285-4CF1-8883-CAD03A9E7D48}"/>
               </a:ext>
             </a:extLst>
           </p:cNvPr>
@@ -16551,32 +16445,89 @@
         </p:nvSpPr>
         <p:spPr/>
         <p:txBody>
-          <a:bodyPr>
-            <a:normAutofit/>
-          </a:bodyPr>
+          <a:bodyPr/>
           <a:lstStyle/>
           <a:p>
             <a:pPr algn="just"/>
             <a:r>
-              <a:rPr lang="sk-SK" b="1" dirty="0" err="1"/>
-              <a:t>maxDegreeOfParallelism</a:t>
-            </a:r>
-            <a:r>
-              <a:rPr lang="sk-SK" b="1" dirty="0"/>
-              <a:t>: </a:t>
-            </a:r>
-            <a:r>
-              <a:rPr lang="sk-SK" dirty="0"/>
-              <a:t>číslo určujúce, koľko krát sa funkcia môže súbežne vyvolať. Minimum je 1, default je 8 * počet dostupných jadier.</a:t>
-            </a:r>
-            <a:endParaRPr lang="sk-SK" b="1" dirty="0"/>
+              <a:rPr lang="sk-SK" dirty="0"/>
+              <a:t>Ak funkcia zlyhá pri spracovaní </a:t>
+            </a:r>
+            <a:r>
+              <a:rPr lang="sk-SK" dirty="0" err="1"/>
+              <a:t>blobu</a:t>
+            </a:r>
+            <a:r>
+              <a:rPr lang="sk-SK" dirty="0"/>
+              <a:t>, </a:t>
+            </a:r>
+            <a:r>
+              <a:rPr lang="sk-SK" dirty="0" err="1"/>
+              <a:t>Azure</a:t>
+            </a:r>
+            <a:r>
+              <a:rPr lang="sk-SK" dirty="0"/>
+              <a:t> </a:t>
+            </a:r>
+            <a:r>
+              <a:rPr lang="sk-SK" dirty="0" err="1"/>
+              <a:t>Functions</a:t>
+            </a:r>
+            <a:r>
+              <a:rPr lang="sk-SK" dirty="0"/>
+              <a:t> urobia ešte 5 pokusov o opätovné spracovanie (by default)</a:t>
+            </a:r>
+          </a:p>
+          <a:p>
+            <a:pPr algn="just"/>
+            <a:r>
+              <a:rPr lang="sk-SK" dirty="0"/>
+              <a:t>Ak nepomôže ani opakovanie, </a:t>
+            </a:r>
+            <a:r>
+              <a:rPr lang="sk-SK" dirty="0" err="1"/>
+              <a:t>Azure</a:t>
+            </a:r>
+            <a:r>
+              <a:rPr lang="sk-SK" dirty="0"/>
+              <a:t> </a:t>
+            </a:r>
+            <a:r>
+              <a:rPr lang="sk-SK" dirty="0" err="1"/>
+              <a:t>Functions</a:t>
+            </a:r>
+            <a:r>
+              <a:rPr lang="sk-SK" dirty="0"/>
+              <a:t> pošlú o tom správu do </a:t>
+            </a:r>
+            <a:r>
+              <a:rPr lang="sk-SK" dirty="0" err="1"/>
+              <a:t>Storage</a:t>
+            </a:r>
+            <a:r>
+              <a:rPr lang="sk-SK" dirty="0"/>
+              <a:t> </a:t>
+            </a:r>
+            <a:r>
+              <a:rPr lang="sk-SK" dirty="0" err="1"/>
+              <a:t>queue</a:t>
+            </a:r>
+            <a:r>
+              <a:rPr lang="sk-SK" dirty="0"/>
+              <a:t> s názvom </a:t>
+            </a:r>
+            <a:r>
+              <a:rPr lang="sk-SK" i="1" dirty="0" err="1"/>
+              <a:t>webjobs-blobtrigger-poison</a:t>
+            </a:r>
+            <a:endParaRPr lang="sk-SK" dirty="0"/>
           </a:p>
         </p:txBody>
       </p:sp>
     </p:spTree>
     <p:extLst>
       <p:ext uri="{BB962C8B-B14F-4D97-AF65-F5344CB8AC3E}">
-        <p14:creationId xmlns:p14="http://schemas.microsoft.com/office/powerpoint/2010/main" val="3695927549"/>
+        <p14:creationId xmlns:p14="http://schemas.microsoft.com/office/powerpoint/2010/main" val="3453480156"/>
       </p:ext>
     </p:extLst>
   </p:cSld>
@@ -16608,7 +16559,7 @@
           <p:cNvPr id="2" name="Nadpis 1">
             <a:extLst>
               <a:ext uri="{FF2B5EF4-FFF2-40B4-BE49-F238E27FC236}">
-                <a16:creationId xmlns:a16="http://schemas.microsoft.com/office/drawing/2014/main" id="{4FEE75D9-F0FD-4A59-BD9B-B259CF1FBAF9}"/>
+                <a16:creationId xmlns:a16="http://schemas.microsoft.com/office/drawing/2014/main" id="{E0F66225-1786-4978-859E-95C444670FB8}"/>
               </a:ext>
             </a:extLst>
           </p:cNvPr>
@@ -16643,9 +16594,28 @@
             </a:r>
             <a:r>
               <a:rPr lang="sk-SK" dirty="0" err="1"/>
-              <a:t>payload</a:t>
-            </a:r>
-            <a:endParaRPr lang="sk-SK" dirty="0"/>
+              <a:t>host.json</a:t>
+            </a:r>
+            <a:r>
+              <a:rPr lang="sk-SK" dirty="0"/>
+              <a:t> (</a:t>
+            </a:r>
+            <a:r>
+              <a:rPr lang="sk-SK" dirty="0" err="1"/>
+              <a:t>extension</a:t>
+            </a:r>
+            <a:r>
+              <a:rPr lang="sk-SK" dirty="0"/>
+              <a:t> „</a:t>
+            </a:r>
+            <a:r>
+              <a:rPr lang="sk-SK" dirty="0" err="1"/>
+              <a:t>blobs</a:t>
+            </a:r>
+            <a:r>
+              <a:rPr lang="sk-SK" dirty="0"/>
+              <a:t>“)</a:t>
+            </a:r>
           </a:p>
         </p:txBody>
       </p:sp>
@@ -16654,7 +16624,7 @@
           <p:cNvPr id="3" name="Zástupný objekt pre obsah 2">
             <a:extLst>
               <a:ext uri="{FF2B5EF4-FFF2-40B4-BE49-F238E27FC236}">
-                <a16:creationId xmlns:a16="http://schemas.microsoft.com/office/drawing/2014/main" id="{6DBD645F-91AE-45EB-8ED4-DAB0ADEC9121}"/>
+                <a16:creationId xmlns:a16="http://schemas.microsoft.com/office/drawing/2014/main" id="{13A6DB6A-A1BA-4AD7-A536-8988E774FA7C}"/>
               </a:ext>
             </a:extLst>
           </p:cNvPr>
@@ -16668,188 +16638,31 @@
         <p:spPr/>
         <p:txBody>
           <a:bodyPr>
-            <a:normAutofit fontScale="62500" lnSpcReduction="20000"/>
+            <a:normAutofit/>
           </a:bodyPr>
           <a:lstStyle/>
           <a:p>
-            <a:r>
-              <a:rPr lang="sk-SK" dirty="0"/>
-              <a:t>Je viacero možností:</a:t>
-            </a:r>
-          </a:p>
-          <a:p>
-            <a:pPr lvl="1"/>
-            <a:r>
-              <a:rPr lang="sk-SK" dirty="0"/>
-              <a:t>Stream</a:t>
-            </a:r>
-          </a:p>
-          <a:p>
-            <a:pPr lvl="1"/>
-            <a:r>
-              <a:rPr lang="sk-SK" dirty="0" err="1"/>
-              <a:t>TextReader</a:t>
-            </a:r>
-            <a:endParaRPr lang="sk-SK" dirty="0"/>
-          </a:p>
-          <a:p>
-            <a:pPr lvl="1"/>
-            <a:r>
-              <a:rPr lang="sk-SK" dirty="0" err="1"/>
-              <a:t>string</a:t>
-            </a:r>
-            <a:endParaRPr lang="sk-SK" dirty="0"/>
-          </a:p>
-          <a:p>
-            <a:pPr lvl="1"/>
-            <a:r>
-              <a:rPr lang="sk-SK" dirty="0"/>
-              <a:t>Byte</a:t>
-            </a:r>
-            <a:r>
-              <a:rPr lang="en-US" dirty="0"/>
-              <a:t>[]</a:t>
-            </a:r>
-            <a:endParaRPr lang="sk-SK" dirty="0"/>
-          </a:p>
-          <a:p>
-            <a:pPr lvl="1"/>
-            <a:r>
-              <a:rPr lang="en-US" dirty="0" err="1"/>
-              <a:t>ICloudBlob</a:t>
-            </a:r>
-            <a:r>
-              <a:rPr lang="en-US" dirty="0"/>
-              <a:t> / </a:t>
-            </a:r>
-            <a:r>
-              <a:rPr lang="sk-SK" dirty="0" err="1"/>
-              <a:t>BlobClient</a:t>
-            </a:r>
-            <a:r>
-              <a:rPr lang="sk-SK" dirty="0"/>
-              <a:t>*</a:t>
-            </a:r>
-          </a:p>
-          <a:p>
-            <a:pPr lvl="1"/>
-            <a:r>
-              <a:rPr lang="en-US" dirty="0" err="1"/>
-              <a:t>CloudBlockBlob</a:t>
-            </a:r>
-            <a:r>
-              <a:rPr lang="en-US" dirty="0"/>
-              <a:t> / </a:t>
-            </a:r>
-            <a:r>
-              <a:rPr lang="sk-SK" dirty="0" err="1"/>
-              <a:t>BlockBlobClient</a:t>
-            </a:r>
-            <a:r>
-              <a:rPr lang="sk-SK" dirty="0"/>
-              <a:t>*</a:t>
-            </a:r>
-          </a:p>
-          <a:p>
-            <a:pPr lvl="1"/>
-            <a:r>
-              <a:rPr lang="en-US" dirty="0" err="1"/>
-              <a:t>CloudPageBlob</a:t>
-            </a:r>
-            <a:r>
-              <a:rPr lang="en-US" dirty="0"/>
-              <a:t> / </a:t>
-            </a:r>
-            <a:r>
-              <a:rPr lang="sk-SK" dirty="0" err="1"/>
-              <a:t>PageBlobClient</a:t>
-            </a:r>
-            <a:r>
-              <a:rPr lang="sk-SK" dirty="0"/>
-              <a:t>*</a:t>
-            </a:r>
-          </a:p>
-          <a:p>
-            <a:pPr lvl="1"/>
-            <a:r>
-              <a:rPr lang="en-US" dirty="0" err="1"/>
-              <a:t>CloudAppendBlob</a:t>
-            </a:r>
-            <a:r>
-              <a:rPr lang="en-US" dirty="0"/>
-              <a:t> / </a:t>
-            </a:r>
-            <a:r>
-              <a:rPr lang="sk-SK" dirty="0" err="1"/>
-              <a:t>AppendBlobClient</a:t>
-            </a:r>
-            <a:r>
-              <a:rPr lang="sk-SK" dirty="0"/>
-              <a:t>*</a:t>
-            </a:r>
-          </a:p>
-          <a:p>
-            <a:pPr lvl="1"/>
-            <a:r>
-              <a:rPr lang="en-US" dirty="0"/>
-              <a:t> / </a:t>
-            </a:r>
-            <a:r>
-              <a:rPr lang="sk-SK" dirty="0" err="1"/>
-              <a:t>BlobBaseClient</a:t>
-            </a:r>
-            <a:r>
-              <a:rPr lang="sk-SK" dirty="0"/>
-              <a:t>*</a:t>
-            </a:r>
-          </a:p>
-          <a:p>
-            <a:pPr marL="0" indent="0">
-              <a:buNone/>
-            </a:pPr>
-            <a:r>
-              <a:rPr lang="sk-SK" dirty="0"/>
-              <a:t>	</a:t>
-            </a:r>
-            <a:r>
-              <a:rPr lang="sk-SK" i="1" dirty="0"/>
-              <a:t>* pre ich fungovanie je potrebné, aby bol smer nastavený ako „</a:t>
-            </a:r>
-            <a:r>
-              <a:rPr lang="sk-SK" i="1" dirty="0" err="1"/>
-              <a:t>inout</a:t>
-            </a:r>
-            <a:r>
-              <a:rPr lang="sk-SK" i="1" dirty="0"/>
-              <a:t>“, prípadne </a:t>
-            </a:r>
-            <a:r>
-              <a:rPr lang="en-US" i="1" dirty="0" err="1"/>
-              <a:t>ako</a:t>
-            </a:r>
-            <a:r>
-              <a:rPr lang="en-US" i="1" dirty="0"/>
-              <a:t> </a:t>
-            </a:r>
-            <a:r>
-              <a:rPr lang="en-US" i="1" dirty="0" err="1"/>
-              <a:t>FileAccess.ReadWrite</a:t>
-            </a:r>
-            <a:r>
-              <a:rPr lang="en-US" i="1" dirty="0"/>
-              <a:t> v C# k</a:t>
-            </a:r>
-            <a:r>
-              <a:rPr lang="sk-SK" i="1" dirty="0"/>
-              <a:t>óde</a:t>
-            </a:r>
+            <a:pPr algn="just"/>
+            <a:r>
+              <a:rPr lang="sk-SK" b="1" dirty="0" err="1"/>
+              <a:t>maxDegreeOfParallelism</a:t>
+            </a:r>
+            <a:r>
+              <a:rPr lang="sk-SK" b="1" dirty="0"/>
+              <a:t>: </a:t>
+            </a:r>
+            <a:r>
+              <a:rPr lang="sk-SK" dirty="0"/>
+              <a:t>číslo určujúce, koľko krát sa funkcia môže súbežne vyvolať. Minimum je 1, default je 8 * počet dostupných jadier.</a:t>
+            </a:r>
+            <a:endParaRPr lang="sk-SK" b="1" dirty="0"/>
           </a:p>
         </p:txBody>
       </p:sp>
     </p:spTree>
     <p:extLst>
       <p:ext uri="{BB962C8B-B14F-4D97-AF65-F5344CB8AC3E}">
-        <p14:creationId xmlns:p14="http://schemas.microsoft.com/office/powerpoint/2010/main" val="3499382605"/>
+        <p14:creationId xmlns:p14="http://schemas.microsoft.com/office/powerpoint/2010/main" val="3695927549"/>
       </p:ext>
     </p:extLst>
   </p:cSld>
@@ -16992,7 +16805,7 @@
           <p:cNvPr id="2" name="Nadpis 1">
             <a:extLst>
               <a:ext uri="{FF2B5EF4-FFF2-40B4-BE49-F238E27FC236}">
-                <a16:creationId xmlns:a16="http://schemas.microsoft.com/office/drawing/2014/main" id="{7D03AFBC-F4FB-4C83-AB6F-6763F548D5D3}"/>
+                <a16:creationId xmlns:a16="http://schemas.microsoft.com/office/drawing/2014/main" id="{4FEE75D9-F0FD-4A59-BD9B-B259CF1FBAF9}"/>
               </a:ext>
             </a:extLst>
           </p:cNvPr>
@@ -17027,28 +16840,9 @@
             </a:r>
             <a:r>
               <a:rPr lang="sk-SK" dirty="0" err="1"/>
-              <a:t>trigger</a:t>
-            </a:r>
-            <a:r>
-              <a:rPr lang="sk-SK" dirty="0"/>
-              <a:t> </a:t>
-            </a:r>
-            <a:r>
-              <a:rPr lang="sk-SK" dirty="0" err="1"/>
-              <a:t>binding</a:t>
-            </a:r>
-            <a:r>
-              <a:rPr lang="sk-SK" dirty="0"/>
-              <a:t> (</a:t>
-            </a:r>
-            <a:r>
-              <a:rPr lang="sk-SK" dirty="0" err="1"/>
-              <a:t>function.json</a:t>
-            </a:r>
-            <a:r>
-              <a:rPr lang="sk-SK" dirty="0"/>
-              <a:t>)</a:t>
-            </a:r>
+              <a:t>payload</a:t>
+            </a:r>
+            <a:endParaRPr lang="sk-SK" dirty="0"/>
           </a:p>
         </p:txBody>
       </p:sp>
@@ -17057,7 +16851,7 @@
           <p:cNvPr id="3" name="Zástupný objekt pre obsah 2">
             <a:extLst>
               <a:ext uri="{FF2B5EF4-FFF2-40B4-BE49-F238E27FC236}">
-                <a16:creationId xmlns:a16="http://schemas.microsoft.com/office/drawing/2014/main" id="{18D097EB-C6D2-41D9-A130-FDE2B4CB1915}"/>
+                <a16:creationId xmlns:a16="http://schemas.microsoft.com/office/drawing/2014/main" id="{6DBD645F-91AE-45EB-8ED4-DAB0ADEC9121}"/>
               </a:ext>
             </a:extLst>
           </p:cNvPr>
@@ -17071,136 +16865,180 @@
         <p:spPr/>
         <p:txBody>
           <a:bodyPr>
-            <a:normAutofit/>
+            <a:normAutofit fontScale="62500" lnSpcReduction="20000"/>
           </a:bodyPr>
           <a:lstStyle/>
           <a:p>
-            <a:pPr algn="just"/>
-            <a:r>
-              <a:rPr lang="sk-SK" b="1" dirty="0"/>
-              <a:t>type</a:t>
-            </a:r>
-            <a:r>
-              <a:rPr lang="sk-SK" dirty="0"/>
-              <a:t>: </a:t>
-            </a:r>
-            <a:r>
-              <a:rPr lang="sk-SK" dirty="0" err="1"/>
-              <a:t>blobTrigger</a:t>
+            <a:r>
+              <a:rPr lang="sk-SK" dirty="0"/>
+              <a:t>Je viacero možností:</a:t>
+            </a:r>
+          </a:p>
+          <a:p>
+            <a:pPr lvl="1"/>
+            <a:r>
+              <a:rPr lang="sk-SK" dirty="0"/>
+              <a:t>Stream</a:t>
+            </a:r>
+          </a:p>
+          <a:p>
+            <a:pPr lvl="1"/>
+            <a:r>
+              <a:rPr lang="sk-SK" dirty="0" err="1"/>
+              <a:t>TextReader</a:t>
             </a:r>
             <a:endParaRPr lang="sk-SK" dirty="0"/>
           </a:p>
           <a:p>
-            <a:pPr algn="just"/>
-            <a:r>
-              <a:rPr lang="sk-SK" b="1" dirty="0" err="1"/>
-              <a:t>direction</a:t>
-            </a:r>
-            <a:r>
-              <a:rPr lang="sk-SK" b="1" dirty="0"/>
-              <a:t>: </a:t>
-            </a:r>
-            <a:r>
-              <a:rPr lang="sk-SK" dirty="0"/>
-              <a:t>in</a:t>
-            </a:r>
-          </a:p>
-          <a:p>
-            <a:pPr algn="just"/>
-            <a:r>
-              <a:rPr lang="sk-SK" b="1" dirty="0" err="1"/>
-              <a:t>path</a:t>
-            </a:r>
-            <a:r>
-              <a:rPr lang="sk-SK" b="1" dirty="0"/>
-              <a:t>:</a:t>
-            </a:r>
-            <a:r>
-              <a:rPr lang="sk-SK" dirty="0"/>
-              <a:t> cesta ku kontajneru, ktorý sa má sledovať (prípadne šablóna, napríklad "</a:t>
-            </a:r>
-            <a:r>
-              <a:rPr lang="sk-SK" dirty="0" err="1"/>
-              <a:t>input</a:t>
+            <a:pPr lvl="1"/>
+            <a:r>
+              <a:rPr lang="sk-SK" dirty="0" err="1"/>
+              <a:t>string</a:t>
+            </a:r>
+            <a:endParaRPr lang="sk-SK" dirty="0"/>
+          </a:p>
+          <a:p>
+            <a:pPr lvl="1"/>
+            <a:r>
+              <a:rPr lang="sk-SK" dirty="0"/>
+              <a:t>Byte</a:t>
+            </a:r>
+            <a:r>
+              <a:rPr lang="en-US" dirty="0"/>
+              <a:t>[]</a:t>
+            </a:r>
+            <a:endParaRPr lang="sk-SK" dirty="0"/>
+          </a:p>
+          <a:p>
+            <a:pPr lvl="1"/>
+            <a:r>
+              <a:rPr lang="en-US" dirty="0" err="1"/>
+              <a:t>ICloudBlob</a:t>
+            </a:r>
+            <a:r>
+              <a:rPr lang="en-US" dirty="0"/>
+              <a:t> / </a:t>
+            </a:r>
+            <a:r>
+              <a:rPr lang="sk-SK" dirty="0" err="1"/>
+              <a:t>BlobClient</a:t>
+            </a:r>
+            <a:r>
+              <a:rPr lang="sk-SK" dirty="0"/>
+              <a:t>*</a:t>
+            </a:r>
+          </a:p>
+          <a:p>
+            <a:pPr lvl="1"/>
+            <a:r>
+              <a:rPr lang="en-US" dirty="0" err="1"/>
+              <a:t>CloudBlockBlob</a:t>
+            </a:r>
+            <a:r>
+              <a:rPr lang="en-US" dirty="0"/>
+              <a:t> / </a:t>
+            </a:r>
+            <a:r>
+              <a:rPr lang="sk-SK" dirty="0" err="1"/>
+              <a:t>BlockBlobClient</a:t>
+            </a:r>
+            <a:r>
+              <a:rPr lang="sk-SK" dirty="0"/>
+              <a:t>*</a:t>
+            </a:r>
+          </a:p>
+          <a:p>
+            <a:pPr lvl="1"/>
+            <a:r>
+              <a:rPr lang="en-US" dirty="0" err="1"/>
+              <a:t>CloudPageBlob</a:t>
+            </a:r>
+            <a:r>
+              <a:rPr lang="en-US" dirty="0"/>
+              <a:t> / </a:t>
+            </a:r>
+            <a:r>
+              <a:rPr lang="sk-SK" dirty="0" err="1"/>
+              <a:t>PageBlobClient</a:t>
+            </a:r>
+            <a:r>
+              <a:rPr lang="sk-SK" dirty="0"/>
+              <a:t>*</a:t>
+            </a:r>
+          </a:p>
+          <a:p>
+            <a:pPr lvl="1"/>
+            <a:r>
+              <a:rPr lang="en-US" dirty="0" err="1"/>
+              <a:t>CloudAppendBlob</a:t>
+            </a:r>
+            <a:r>
+              <a:rPr lang="en-US" dirty="0"/>
+              <a:t> / </a:t>
+            </a:r>
+            <a:r>
+              <a:rPr lang="sk-SK" dirty="0" err="1"/>
+              <a:t>AppendBlobClient</a:t>
+            </a:r>
+            <a:r>
+              <a:rPr lang="sk-SK" dirty="0"/>
+              <a:t>*</a:t>
+            </a:r>
+          </a:p>
+          <a:p>
+            <a:pPr lvl="1"/>
+            <a:r>
+              <a:rPr lang="en-US" dirty="0"/>
+              <a:t> / </a:t>
+            </a:r>
+            <a:r>
+              <a:rPr lang="sk-SK" dirty="0" err="1"/>
+              <a:t>BlobBaseClient</a:t>
+            </a:r>
+            <a:r>
+              <a:rPr lang="sk-SK" dirty="0"/>
+              <a:t>*</a:t>
+            </a:r>
+          </a:p>
+          <a:p>
+            <a:pPr marL="0" indent="0">
+              <a:buNone/>
+            </a:pPr>
+            <a:r>
+              <a:rPr lang="sk-SK" dirty="0"/>
+              <a:t>	</a:t>
             </a:r>
             <a:r>
               <a:rPr lang="sk-SK" i="1" dirty="0"/>
-              <a:t>/{</a:t>
+              <a:t>* pre ich fungovanie je potrebné, aby bol smer nastavený ako „</a:t>
             </a:r>
             <a:r>
               <a:rPr lang="sk-SK" i="1" dirty="0" err="1"/>
-              <a:t>blobname</a:t>
+              <a:t>inout</a:t>
             </a:r>
             <a:r>
               <a:rPr lang="sk-SK" i="1" dirty="0"/>
-              <a:t>}</a:t>
-            </a:r>
-            <a:r>
-              <a:rPr lang="sk-SK" dirty="0"/>
-              <a:t>.</a:t>
+              <a:t>“, prípadne </a:t>
+            </a:r>
+            <a:r>
+              <a:rPr lang="en-US" i="1" dirty="0" err="1"/>
+              <a:t>ako</a:t>
+            </a:r>
+            <a:r>
+              <a:rPr lang="en-US" i="1" dirty="0"/>
+              <a:t> </a:t>
+            </a:r>
+            <a:r>
+              <a:rPr lang="en-US" i="1" dirty="0" err="1"/>
+              <a:t>FileAccess.ReadWrite</a:t>
+            </a:r>
+            <a:r>
+              <a:rPr lang="en-US" i="1" dirty="0"/>
+              <a:t> v C# k</a:t>
             </a:r>
             <a:r>
               <a:rPr lang="sk-SK" i="1" dirty="0"/>
-              <a:t>{</a:t>
-            </a:r>
-            <a:r>
-              <a:rPr lang="sk-SK" i="1" dirty="0" err="1"/>
-              <a:t>blobextension</a:t>
-            </a:r>
-            <a:r>
-              <a:rPr lang="sk-SK" i="1" dirty="0"/>
-              <a:t>}</a:t>
-            </a:r>
-            <a:r>
-              <a:rPr lang="sk-SK" dirty="0"/>
-              <a:t>")</a:t>
-            </a:r>
-          </a:p>
-          <a:p>
-            <a:pPr algn="just"/>
-            <a:r>
-              <a:rPr lang="sk-SK" b="1" dirty="0" err="1"/>
-              <a:t>connection</a:t>
-            </a:r>
-            <a:r>
-              <a:rPr lang="sk-SK" b="1" dirty="0"/>
-              <a:t>: </a:t>
-            </a:r>
-            <a:r>
-              <a:rPr lang="sk-SK" dirty="0"/>
-              <a:t>názov nastavenia, v ktorom je uložený </a:t>
-            </a:r>
-            <a:r>
-              <a:rPr lang="sk-SK" dirty="0" err="1"/>
-              <a:t>connection</a:t>
-            </a:r>
-            <a:r>
-              <a:rPr lang="sk-SK" dirty="0"/>
-              <a:t> </a:t>
-            </a:r>
-            <a:r>
-              <a:rPr lang="sk-SK" dirty="0" err="1"/>
-              <a:t>string</a:t>
-            </a:r>
-            <a:r>
-              <a:rPr lang="sk-SK" dirty="0"/>
-              <a:t> do </a:t>
-            </a:r>
-            <a:r>
-              <a:rPr lang="sk-SK" dirty="0" err="1"/>
-              <a:t>storage</a:t>
-            </a:r>
-            <a:r>
-              <a:rPr lang="sk-SK" dirty="0"/>
-              <a:t>. Ak nie je nastavený, použije sa nastavenie </a:t>
-            </a:r>
-            <a:r>
-              <a:rPr lang="sk-SK" dirty="0" err="1"/>
-              <a:t>AzureWebJobsStorage</a:t>
-            </a:r>
-            <a:r>
-              <a:rPr lang="sk-SK" dirty="0"/>
-              <a:t>.</a:t>
+              <a:t>óde</a:t>
             </a:r>
           </a:p>
         </p:txBody>
@@ -17208,7 +17046,7 @@
     </p:spTree>
     <p:extLst>
       <p:ext uri="{BB962C8B-B14F-4D97-AF65-F5344CB8AC3E}">
-        <p14:creationId xmlns:p14="http://schemas.microsoft.com/office/powerpoint/2010/main" val="888585766"/>
+        <p14:creationId xmlns:p14="http://schemas.microsoft.com/office/powerpoint/2010/main" val="3499382605"/>
       </p:ext>
     </p:extLst>
   </p:cSld>
@@ -17291,7 +17129,7 @@
             </a:r>
             <a:r>
               <a:rPr lang="sk-SK" dirty="0" err="1"/>
-              <a:t>BlobTrigger</a:t>
+              <a:t>function.json</a:t>
             </a:r>
             <a:r>
               <a:rPr lang="sk-SK" dirty="0"/>
@@ -17325,25 +17163,138 @@
           <a:p>
             <a:pPr algn="just"/>
             <a:r>
-              <a:rPr lang="sk-SK" dirty="0" err="1"/>
-              <a:t>BlobPath</a:t>
+              <a:rPr lang="sk-SK" b="1" dirty="0"/>
+              <a:t>type</a:t>
+            </a:r>
+            <a:r>
+              <a:rPr lang="sk-SK" dirty="0"/>
+              <a:t>: </a:t>
+            </a:r>
+            <a:r>
+              <a:rPr lang="sk-SK" dirty="0" err="1"/>
+              <a:t>blobTrigger</a:t>
             </a:r>
             <a:endParaRPr lang="sk-SK" dirty="0"/>
           </a:p>
           <a:p>
             <a:pPr algn="just"/>
             <a:r>
-              <a:rPr lang="sk-SK" dirty="0" err="1"/>
-              <a:t>Connection</a:t>
-            </a:r>
-            <a:endParaRPr lang="sk-SK" dirty="0"/>
+              <a:rPr lang="sk-SK" b="1" dirty="0" err="1"/>
+              <a:t>direction</a:t>
+            </a:r>
+            <a:r>
+              <a:rPr lang="sk-SK" b="1" dirty="0"/>
+              <a:t>: </a:t>
+            </a:r>
+            <a:r>
+              <a:rPr lang="sk-SK" dirty="0"/>
+              <a:t>in</a:t>
+            </a:r>
+          </a:p>
+          <a:p>
+            <a:pPr algn="just"/>
+            <a:r>
+              <a:rPr lang="sk-SK" b="1" dirty="0" err="1"/>
+              <a:t>path</a:t>
+            </a:r>
+            <a:r>
+              <a:rPr lang="sk-SK" b="1" dirty="0"/>
+              <a:t>:</a:t>
+            </a:r>
+            <a:r>
+              <a:rPr lang="sk-SK" dirty="0"/>
+              <a:t> cesta ku kontajneru, ktorý sa má sledovať (prípadne šablóna, napríklad "</a:t>
+            </a:r>
+            <a:r>
+              <a:rPr lang="sk-SK" dirty="0" err="1"/>
+              <a:t>input</a:t>
+            </a:r>
+            <a:r>
+              <a:rPr lang="sk-SK" i="1" dirty="0"/>
+              <a:t>/{</a:t>
+            </a:r>
+            <a:r>
+              <a:rPr lang="sk-SK" i="1" dirty="0" err="1"/>
+              <a:t>blobname</a:t>
+            </a:r>
+            <a:r>
+              <a:rPr lang="sk-SK" i="1" dirty="0"/>
+              <a:t>}</a:t>
+            </a:r>
+            <a:r>
+              <a:rPr lang="sk-SK" dirty="0"/>
+              <a:t>.</a:t>
+            </a:r>
+            <a:r>
+              <a:rPr lang="sk-SK" i="1" dirty="0"/>
+              <a:t>{</a:t>
+            </a:r>
+            <a:r>
+              <a:rPr lang="sk-SK" i="1" dirty="0" err="1"/>
+              <a:t>blobextension</a:t>
+            </a:r>
+            <a:r>
+              <a:rPr lang="sk-SK" i="1" dirty="0"/>
+              <a:t>}</a:t>
+            </a:r>
+            <a:r>
+              <a:rPr lang="sk-SK" dirty="0"/>
+              <a:t>")</a:t>
+            </a:r>
+          </a:p>
+          <a:p>
+            <a:pPr algn="just"/>
+            <a:r>
+              <a:rPr lang="sk-SK" b="1" dirty="0" err="1"/>
+              <a:t>connection</a:t>
+            </a:r>
+            <a:r>
+              <a:rPr lang="sk-SK" b="1" dirty="0"/>
+              <a:t>: </a:t>
+            </a:r>
+            <a:r>
+              <a:rPr lang="sk-SK" dirty="0"/>
+              <a:t>názov nastavenia, v ktorom je uložený </a:t>
+            </a:r>
+            <a:r>
+              <a:rPr lang="sk-SK" dirty="0" err="1"/>
+              <a:t>connection</a:t>
+            </a:r>
+            <a:r>
+              <a:rPr lang="sk-SK" dirty="0"/>
+              <a:t> </a:t>
+            </a:r>
+            <a:r>
+              <a:rPr lang="sk-SK" dirty="0" err="1"/>
+              <a:t>string</a:t>
+            </a:r>
+            <a:r>
+              <a:rPr lang="sk-SK" dirty="0"/>
+              <a:t> do </a:t>
+            </a:r>
+            <a:r>
+              <a:rPr lang="sk-SK" dirty="0" err="1"/>
+              <a:t>storage</a:t>
+            </a:r>
+            <a:r>
+              <a:rPr lang="sk-SK" dirty="0"/>
+              <a:t>. Ak nie je nastavený, použije sa nastavenie </a:t>
+            </a:r>
+            <a:r>
+              <a:rPr lang="sk-SK" dirty="0" err="1"/>
+              <a:t>AzureWebJobsStorage</a:t>
+            </a:r>
+            <a:r>
+              <a:rPr lang="sk-SK" dirty="0"/>
+              <a:t>.</a:t>
+            </a:r>
           </a:p>
         </p:txBody>
       </p:sp>
     </p:spTree>
     <p:extLst>
       <p:ext uri="{BB962C8B-B14F-4D97-AF65-F5344CB8AC3E}">
-        <p14:creationId xmlns:p14="http://schemas.microsoft.com/office/powerpoint/2010/main" val="3930814883"/>
+        <p14:creationId xmlns:p14="http://schemas.microsoft.com/office/powerpoint/2010/main" val="888585766"/>
       </p:ext>
     </p:extLst>
   </p:cSld>
@@ -17409,8 +17360,8 @@
               <a:t> – </a:t>
             </a:r>
             <a:r>
-              <a:rPr lang="en-US" dirty="0"/>
-              <a:t>input</a:t>
+              <a:rPr lang="sk-SK" dirty="0" err="1"/>
+              <a:t>trigger</a:t>
             </a:r>
             <a:r>
               <a:rPr lang="sk-SK" dirty="0"/>
@@ -17421,18 +17372,17 @@
               <a:t>binding</a:t>
             </a:r>
             <a:r>
-              <a:rPr lang="en-US" dirty="0"/>
+              <a:rPr lang="sk-SK" dirty="0"/>
               <a:t> (</a:t>
             </a:r>
             <a:r>
               <a:rPr lang="sk-SK" dirty="0" err="1"/>
-              <a:t>function.json</a:t>
-            </a:r>
-            <a:r>
-              <a:rPr lang="en-US" dirty="0"/>
+              <a:t>BlobTrigger</a:t>
+            </a:r>
+            <a:r>
+              <a:rPr lang="sk-SK" dirty="0"/>
               <a:t>)</a:t>
             </a:r>
-            <a:endParaRPr lang="sk-SK" dirty="0"/>
           </a:p>
         </p:txBody>
       </p:sp>
@@ -17461,152 +17411,25 @@
           <a:p>
             <a:pPr algn="just"/>
             <a:r>
-              <a:rPr lang="sk-SK" b="1" dirty="0"/>
-              <a:t>type</a:t>
-            </a:r>
-            <a:r>
-              <a:rPr lang="sk-SK" dirty="0"/>
-              <a:t>: </a:t>
-            </a:r>
-            <a:r>
-              <a:rPr lang="en-US" dirty="0"/>
-              <a:t>blob</a:t>
+              <a:rPr lang="sk-SK" dirty="0" err="1"/>
+              <a:t>BlobPath</a:t>
             </a:r>
             <a:endParaRPr lang="sk-SK" dirty="0"/>
           </a:p>
           <a:p>
             <a:pPr algn="just"/>
             <a:r>
-              <a:rPr lang="sk-SK" b="1" dirty="0" err="1"/>
-              <a:t>direction</a:t>
-            </a:r>
-            <a:r>
-              <a:rPr lang="sk-SK" b="1" dirty="0"/>
-              <a:t>: </a:t>
-            </a:r>
-            <a:r>
-              <a:rPr lang="en-US" dirty="0"/>
-              <a:t>in, </a:t>
-            </a:r>
-            <a:r>
-              <a:rPr lang="en-US" dirty="0" err="1"/>
-              <a:t>inout</a:t>
+              <a:rPr lang="sk-SK" dirty="0" err="1"/>
+              <a:t>Connection</a:t>
             </a:r>
             <a:endParaRPr lang="sk-SK" dirty="0"/>
-          </a:p>
-          <a:p>
-            <a:pPr algn="just"/>
-            <a:r>
-              <a:rPr lang="sk-SK" b="1" dirty="0" err="1"/>
-              <a:t>path</a:t>
-            </a:r>
-            <a:r>
-              <a:rPr lang="sk-SK" b="1" dirty="0"/>
-              <a:t>:</a:t>
-            </a:r>
-            <a:r>
-              <a:rPr lang="sk-SK" dirty="0"/>
-              <a:t> cesta ku </a:t>
-            </a:r>
-            <a:r>
-              <a:rPr lang="sk-SK" dirty="0" err="1"/>
-              <a:t>blobu</a:t>
-            </a:r>
-            <a:endParaRPr lang="sk-SK" dirty="0"/>
-          </a:p>
-          <a:p>
-            <a:pPr algn="just"/>
-            <a:r>
-              <a:rPr lang="sk-SK" b="1" dirty="0" err="1"/>
-              <a:t>connection</a:t>
-            </a:r>
-            <a:r>
-              <a:rPr lang="sk-SK" b="1" dirty="0"/>
-              <a:t>: </a:t>
-            </a:r>
-            <a:r>
-              <a:rPr lang="sk-SK" dirty="0"/>
-              <a:t>názov nastavenia, v ktorom je uložený </a:t>
-            </a:r>
-            <a:r>
-              <a:rPr lang="sk-SK" dirty="0" err="1"/>
-              <a:t>connection</a:t>
-            </a:r>
-            <a:r>
-              <a:rPr lang="sk-SK" dirty="0"/>
-              <a:t> </a:t>
-            </a:r>
-            <a:r>
-              <a:rPr lang="sk-SK" dirty="0" err="1"/>
-              <a:t>string</a:t>
-            </a:r>
-            <a:r>
-              <a:rPr lang="sk-SK" dirty="0"/>
-              <a:t> do </a:t>
-            </a:r>
-            <a:r>
-              <a:rPr lang="sk-SK" dirty="0" err="1"/>
-              <a:t>storage</a:t>
-            </a:r>
-            <a:r>
-              <a:rPr lang="sk-SK" dirty="0"/>
-              <a:t>. Ak nie je nastavený, použije sa nastavenie </a:t>
-            </a:r>
-            <a:r>
-              <a:rPr lang="sk-SK" dirty="0" err="1"/>
-              <a:t>AzureWebJobsStorage</a:t>
-            </a:r>
-            <a:r>
-              <a:rPr lang="sk-SK" dirty="0"/>
-              <a:t>.</a:t>
-            </a:r>
-          </a:p>
-          <a:p>
-            <a:pPr algn="just"/>
-            <a:r>
-              <a:rPr lang="sk-SK" b="1" dirty="0" err="1"/>
-              <a:t>dataType</a:t>
-            </a:r>
-            <a:r>
-              <a:rPr lang="sk-SK" b="1" dirty="0"/>
-              <a:t>:</a:t>
-            </a:r>
-            <a:r>
-              <a:rPr lang="sk-SK" dirty="0"/>
-              <a:t> typ </a:t>
-            </a:r>
-            <a:r>
-              <a:rPr lang="sk-SK" dirty="0" err="1"/>
-              <a:t>blobu</a:t>
-            </a:r>
-            <a:r>
-              <a:rPr lang="sk-SK" dirty="0"/>
-              <a:t> pre dynamicky typované jazyky, </a:t>
-            </a:r>
-            <a:r>
-              <a:rPr lang="sk-SK" i="1" dirty="0" err="1"/>
-              <a:t>string</a:t>
-            </a:r>
-            <a:r>
-              <a:rPr lang="sk-SK" i="1" dirty="0"/>
-              <a:t>/</a:t>
-            </a:r>
-            <a:r>
-              <a:rPr lang="sk-SK" i="1" dirty="0" err="1"/>
-              <a:t>binary</a:t>
-            </a:r>
-            <a:r>
-              <a:rPr lang="sk-SK" i="1" dirty="0"/>
-              <a:t>/stream</a:t>
-            </a:r>
-            <a:endParaRPr lang="sk-SK" b="1" i="1" dirty="0"/>
           </a:p>
         </p:txBody>
       </p:sp>
     </p:spTree>
     <p:extLst>
       <p:ext uri="{BB962C8B-B14F-4D97-AF65-F5344CB8AC3E}">
-        <p14:creationId xmlns:p14="http://schemas.microsoft.com/office/powerpoint/2010/main" val="2037358181"/>
+        <p14:creationId xmlns:p14="http://schemas.microsoft.com/office/powerpoint/2010/main" val="3930814883"/>
       </p:ext>
     </p:extLst>
   </p:cSld>
@@ -17689,7 +17512,7 @@
             </a:r>
             <a:r>
               <a:rPr lang="sk-SK" dirty="0" err="1"/>
-              <a:t>Blob</a:t>
+              <a:t>function.json</a:t>
             </a:r>
             <a:r>
               <a:rPr lang="en-US" dirty="0"/>
@@ -17724,37 +17547,152 @@
           <a:p>
             <a:pPr algn="just"/>
             <a:r>
-              <a:rPr lang="sk-SK" dirty="0" err="1"/>
-              <a:t>BlobPath</a:t>
+              <a:rPr lang="sk-SK" b="1" dirty="0"/>
+              <a:t>type</a:t>
+            </a:r>
+            <a:r>
+              <a:rPr lang="sk-SK" dirty="0"/>
+              <a:t>: </a:t>
+            </a:r>
+            <a:r>
+              <a:rPr lang="en-US" dirty="0"/>
+              <a:t>blob</a:t>
             </a:r>
             <a:endParaRPr lang="sk-SK" dirty="0"/>
           </a:p>
           <a:p>
             <a:pPr algn="just"/>
             <a:r>
-              <a:rPr lang="sk-SK" dirty="0" err="1"/>
-              <a:t>Connection</a:t>
+              <a:rPr lang="sk-SK" b="1" dirty="0" err="1"/>
+              <a:t>direction</a:t>
+            </a:r>
+            <a:r>
+              <a:rPr lang="sk-SK" b="1" dirty="0"/>
+              <a:t>: </a:t>
+            </a:r>
+            <a:r>
+              <a:rPr lang="en-US" dirty="0"/>
+              <a:t>in, </a:t>
+            </a:r>
+            <a:r>
+              <a:rPr lang="en-US" dirty="0" err="1"/>
+              <a:t>inout</a:t>
             </a:r>
             <a:endParaRPr lang="sk-SK" dirty="0"/>
           </a:p>
           <a:p>
             <a:pPr algn="just"/>
             <a:r>
+              <a:rPr lang="sk-SK" b="1" dirty="0" err="1"/>
+              <a:t>path</a:t>
+            </a:r>
+            <a:r>
               <a:rPr lang="sk-SK" b="1" dirty="0"/>
-              <a:t>Access:</a:t>
-            </a:r>
-            <a:r>
-              <a:rPr lang="sk-SK" dirty="0"/>
-              <a:t> indikuje, či sa jedná iba o čítanie alebo o zápis</a:t>
-            </a:r>
-            <a:endParaRPr lang="sk-SK" b="1" dirty="0"/>
+              <a:t>:</a:t>
+            </a:r>
+            <a:r>
+              <a:rPr lang="sk-SK" dirty="0"/>
+              <a:t> cesta ku </a:t>
+            </a:r>
+            <a:r>
+              <a:rPr lang="sk-SK" dirty="0" err="1"/>
+              <a:t>blobu</a:t>
+            </a:r>
+            <a:endParaRPr lang="sk-SK" dirty="0"/>
+          </a:p>
+          <a:p>
+            <a:pPr algn="just"/>
+            <a:r>
+              <a:rPr lang="sk-SK" b="1" dirty="0" err="1"/>
+              <a:t>connection</a:t>
+            </a:r>
+            <a:r>
+              <a:rPr lang="sk-SK" b="1" dirty="0"/>
+              <a:t>: </a:t>
+            </a:r>
+            <a:r>
+              <a:rPr lang="sk-SK" dirty="0"/>
+              <a:t>názov nastavenia, v ktorom je uložený </a:t>
+            </a:r>
+            <a:r>
+              <a:rPr lang="sk-SK" dirty="0" err="1"/>
+              <a:t>connection</a:t>
+            </a:r>
+            <a:r>
+              <a:rPr lang="sk-SK" dirty="0"/>
+              <a:t> </a:t>
+            </a:r>
+            <a:r>
+              <a:rPr lang="sk-SK" dirty="0" err="1"/>
+              <a:t>string</a:t>
+            </a:r>
+            <a:r>
+              <a:rPr lang="sk-SK" dirty="0"/>
+              <a:t> do </a:t>
+            </a:r>
+            <a:r>
+              <a:rPr lang="sk-SK" dirty="0" err="1"/>
+              <a:t>storage</a:t>
+            </a:r>
+            <a:r>
+              <a:rPr lang="sk-SK" dirty="0"/>
+              <a:t>. Ak nie je nastavený, použije sa nastavenie </a:t>
+            </a:r>
+            <a:r>
+              <a:rPr lang="sk-SK" dirty="0" err="1"/>
+              <a:t>AzureWebJobsStorage</a:t>
+            </a:r>
+            <a:r>
+              <a:rPr lang="sk-SK" dirty="0"/>
+              <a:t>.</a:t>
+            </a:r>
+          </a:p>
+          <a:p>
+            <a:pPr algn="just"/>
+            <a:r>
+              <a:rPr lang="sk-SK" b="1" dirty="0" err="1"/>
+              <a:t>dataType</a:t>
+            </a:r>
+            <a:r>
+              <a:rPr lang="sk-SK" b="1" dirty="0"/>
+              <a:t>:</a:t>
+            </a:r>
+            <a:r>
+              <a:rPr lang="sk-SK" dirty="0"/>
+              <a:t> typ </a:t>
+            </a:r>
+            <a:r>
+              <a:rPr lang="sk-SK" dirty="0" err="1"/>
+              <a:t>blobu</a:t>
+            </a:r>
+            <a:r>
+              <a:rPr lang="sk-SK" dirty="0"/>
+              <a:t> pre dynamicky typované jazyky, </a:t>
+            </a:r>
+            <a:r>
+              <a:rPr lang="sk-SK" i="1" dirty="0" err="1"/>
+              <a:t>string</a:t>
+            </a:r>
+            <a:r>
+              <a:rPr lang="sk-SK" i="1" dirty="0"/>
+              <a:t>/</a:t>
+            </a:r>
+            <a:r>
+              <a:rPr lang="sk-SK" i="1" dirty="0" err="1"/>
+              <a:t>binary</a:t>
+            </a:r>
+            <a:r>
+              <a:rPr lang="sk-SK" i="1" dirty="0"/>
+              <a:t>/stream</a:t>
+            </a:r>
+            <a:endParaRPr lang="sk-SK" b="1" i="1" dirty="0"/>
           </a:p>
         </p:txBody>
       </p:sp>
     </p:spTree>
     <p:extLst>
       <p:ext uri="{BB962C8B-B14F-4D97-AF65-F5344CB8AC3E}">
-        <p14:creationId xmlns:p14="http://schemas.microsoft.com/office/powerpoint/2010/main" val="57994094"/>
+        <p14:creationId xmlns:p14="http://schemas.microsoft.com/office/powerpoint/2010/main" val="2037358181"/>
       </p:ext>
     </p:extLst>
   </p:cSld>
@@ -17817,24 +17755,33 @@
             </a:r>
             <a:r>
               <a:rPr lang="sk-SK" dirty="0"/>
-              <a:t> – output </a:t>
+              <a:t> – </a:t>
+            </a:r>
+            <a:r>
+              <a:rPr lang="en-US" dirty="0"/>
+              <a:t>input</a:t>
+            </a:r>
+            <a:r>
+              <a:rPr lang="sk-SK" dirty="0"/>
+              <a:t> </a:t>
             </a:r>
             <a:r>
               <a:rPr lang="sk-SK" dirty="0" err="1"/>
               <a:t>binding</a:t>
             </a:r>
             <a:r>
-              <a:rPr lang="sk-SK" dirty="0"/>
+              <a:rPr lang="en-US" dirty="0"/>
               <a:t> (</a:t>
             </a:r>
             <a:r>
               <a:rPr lang="sk-SK" dirty="0" err="1"/>
-              <a:t>function.json</a:t>
-            </a:r>
-            <a:r>
-              <a:rPr lang="sk-SK" dirty="0"/>
+              <a:t>Blob</a:t>
+            </a:r>
+            <a:r>
+              <a:rPr lang="en-US" dirty="0"/>
               <a:t>)</a:t>
             </a:r>
+            <a:endParaRPr lang="sk-SK" dirty="0"/>
           </a:p>
         </p:txBody>
       </p:sp>
@@ -17863,140 +17810,37 @@
           <a:p>
             <a:pPr algn="just"/>
             <a:r>
+              <a:rPr lang="sk-SK" dirty="0" err="1"/>
+              <a:t>BlobPath</a:t>
+            </a:r>
+            <a:endParaRPr lang="sk-SK" dirty="0"/>
+          </a:p>
+          <a:p>
+            <a:pPr algn="just"/>
+            <a:r>
+              <a:rPr lang="sk-SK" dirty="0" err="1"/>
+              <a:t>Connection</a:t>
+            </a:r>
+            <a:endParaRPr lang="sk-SK" dirty="0"/>
+          </a:p>
+          <a:p>
+            <a:pPr algn="just"/>
+            <a:r>
               <a:rPr lang="sk-SK" b="1" dirty="0"/>
-              <a:t>type</a:t>
-            </a:r>
-            <a:r>
-              <a:rPr lang="sk-SK" dirty="0"/>
-              <a:t>: </a:t>
-            </a:r>
-            <a:r>
-              <a:rPr lang="en-US" dirty="0"/>
-              <a:t>blob</a:t>
-            </a:r>
-            <a:endParaRPr lang="sk-SK" dirty="0"/>
-          </a:p>
-          <a:p>
-            <a:pPr algn="just"/>
-            <a:r>
-              <a:rPr lang="sk-SK" b="1" dirty="0" err="1"/>
-              <a:t>direction</a:t>
-            </a:r>
-            <a:r>
-              <a:rPr lang="sk-SK" b="1" dirty="0"/>
-              <a:t>: </a:t>
-            </a:r>
-            <a:r>
-              <a:rPr lang="sk-SK" dirty="0" err="1"/>
-              <a:t>out</a:t>
-            </a:r>
-            <a:endParaRPr lang="sk-SK" dirty="0"/>
-          </a:p>
-          <a:p>
-            <a:pPr algn="just"/>
-            <a:r>
-              <a:rPr lang="sk-SK" b="1" dirty="0" err="1"/>
-              <a:t>name</a:t>
-            </a:r>
-            <a:r>
-              <a:rPr lang="sk-SK" b="1" dirty="0"/>
-              <a:t>:</a:t>
-            </a:r>
-            <a:r>
-              <a:rPr lang="sk-SK" dirty="0"/>
-              <a:t> názov premennej, ktorá </a:t>
-            </a:r>
-            <a:r>
-              <a:rPr lang="en-US" dirty="0"/>
-              <a:t>blob </a:t>
-            </a:r>
-            <a:r>
-              <a:rPr lang="en-US" dirty="0" err="1"/>
-              <a:t>reprezentuje</a:t>
-            </a:r>
-            <a:r>
-              <a:rPr lang="en-US" dirty="0"/>
-              <a:t> v k</a:t>
-            </a:r>
-            <a:r>
-              <a:rPr lang="sk-SK" dirty="0"/>
-              <a:t>óde; prípadne </a:t>
-            </a:r>
-            <a:r>
-              <a:rPr lang="en-US" dirty="0"/>
-              <a:t>$return</a:t>
-            </a:r>
-            <a:endParaRPr lang="sk-SK" dirty="0"/>
-          </a:p>
-          <a:p>
-            <a:pPr algn="just"/>
-            <a:r>
-              <a:rPr lang="sk-SK" b="1" dirty="0" err="1"/>
-              <a:t>path</a:t>
-            </a:r>
-            <a:r>
-              <a:rPr lang="sk-SK" b="1" dirty="0"/>
-              <a:t>:</a:t>
-            </a:r>
-            <a:r>
-              <a:rPr lang="sk-SK" dirty="0"/>
-              <a:t> cesta ku kontajneru</a:t>
-            </a:r>
-          </a:p>
-          <a:p>
-            <a:pPr algn="just"/>
-            <a:r>
-              <a:rPr lang="sk-SK" b="1" dirty="0" err="1"/>
-              <a:t>connection</a:t>
-            </a:r>
-            <a:r>
-              <a:rPr lang="sk-SK" b="1" dirty="0"/>
-              <a:t>: </a:t>
-            </a:r>
-            <a:r>
-              <a:rPr lang="sk-SK" dirty="0"/>
-              <a:t>názov nastavenia, v ktorom je uložený </a:t>
-            </a:r>
-            <a:r>
-              <a:rPr lang="sk-SK" dirty="0" err="1"/>
-              <a:t>connection</a:t>
-            </a:r>
-            <a:r>
-              <a:rPr lang="sk-SK" dirty="0"/>
-              <a:t> </a:t>
-            </a:r>
-            <a:r>
-              <a:rPr lang="sk-SK" dirty="0" err="1"/>
-              <a:t>string</a:t>
-            </a:r>
-            <a:r>
-              <a:rPr lang="sk-SK" dirty="0"/>
-              <a:t> do </a:t>
-            </a:r>
-            <a:r>
-              <a:rPr lang="sk-SK" dirty="0" err="1"/>
-              <a:t>storage</a:t>
-            </a:r>
-            <a:r>
-              <a:rPr lang="sk-SK" dirty="0"/>
-              <a:t>. Ak nie je nastavený, použije sa nastavenie </a:t>
-            </a:r>
-            <a:r>
-              <a:rPr lang="sk-SK" dirty="0" err="1"/>
-              <a:t>AzureWebJobsStorage</a:t>
-            </a:r>
-            <a:r>
-              <a:rPr lang="sk-SK" dirty="0"/>
-              <a:t>.</a:t>
-            </a:r>
-            <a:endParaRPr lang="sk-SK" b="1" i="1" dirty="0"/>
+              <a:t>Access:</a:t>
+            </a:r>
+            <a:r>
+              <a:rPr lang="sk-SK" dirty="0"/>
+              <a:t> indikuje, či sa jedná iba o čítanie alebo o zápis</a:t>
+            </a:r>
+            <a:endParaRPr lang="sk-SK" b="1" dirty="0"/>
           </a:p>
         </p:txBody>
       </p:sp>
     </p:spTree>
     <p:extLst>
       <p:ext uri="{BB962C8B-B14F-4D97-AF65-F5344CB8AC3E}">
-        <p14:creationId xmlns:p14="http://schemas.microsoft.com/office/powerpoint/2010/main" val="126976331"/>
+        <p14:creationId xmlns:p14="http://schemas.microsoft.com/office/powerpoint/2010/main" val="57994094"/>
       </p:ext>
     </p:extLst>
   </p:cSld>
@@ -18071,7 +17915,7 @@
             </a:r>
             <a:r>
               <a:rPr lang="sk-SK" dirty="0" err="1"/>
-              <a:t>Blob</a:t>
+              <a:t>function.json</a:t>
             </a:r>
             <a:r>
               <a:rPr lang="sk-SK" dirty="0"/>
@@ -18105,37 +17949,140 @@
           <a:p>
             <a:pPr algn="just"/>
             <a:r>
-              <a:rPr lang="sk-SK" dirty="0" err="1"/>
-              <a:t>BlobPath</a:t>
+              <a:rPr lang="sk-SK" b="1" dirty="0"/>
+              <a:t>type</a:t>
+            </a:r>
+            <a:r>
+              <a:rPr lang="sk-SK" dirty="0"/>
+              <a:t>: </a:t>
+            </a:r>
+            <a:r>
+              <a:rPr lang="en-US" dirty="0"/>
+              <a:t>blob</a:t>
             </a:r>
             <a:endParaRPr lang="sk-SK" dirty="0"/>
           </a:p>
           <a:p>
             <a:pPr algn="just"/>
             <a:r>
-              <a:rPr lang="sk-SK" dirty="0" err="1"/>
-              <a:t>Connection</a:t>
+              <a:rPr lang="sk-SK" b="1" dirty="0" err="1"/>
+              <a:t>direction</a:t>
+            </a:r>
+            <a:r>
+              <a:rPr lang="sk-SK" b="1" dirty="0"/>
+              <a:t>: </a:t>
+            </a:r>
+            <a:r>
+              <a:rPr lang="sk-SK" dirty="0" err="1"/>
+              <a:t>out</a:t>
             </a:r>
             <a:endParaRPr lang="sk-SK" dirty="0"/>
           </a:p>
           <a:p>
             <a:pPr algn="just"/>
             <a:r>
+              <a:rPr lang="sk-SK" b="1" dirty="0" err="1"/>
+              <a:t>name</a:t>
+            </a:r>
+            <a:r>
               <a:rPr lang="sk-SK" b="1" dirty="0"/>
-              <a:t>Access:</a:t>
-            </a:r>
-            <a:r>
-              <a:rPr lang="sk-SK" dirty="0"/>
-              <a:t> indikuje, či sa jedná iba o čítanie alebo o zápis</a:t>
-            </a:r>
-            <a:endParaRPr lang="sk-SK" b="1" dirty="0"/>
+              <a:t>:</a:t>
+            </a:r>
+            <a:r>
+              <a:rPr lang="sk-SK" dirty="0"/>
+              <a:t> názov premennej, ktorá </a:t>
+            </a:r>
+            <a:r>
+              <a:rPr lang="en-US" dirty="0"/>
+              <a:t>blob </a:t>
+            </a:r>
+            <a:r>
+              <a:rPr lang="en-US" dirty="0" err="1"/>
+              <a:t>reprezentuje</a:t>
+            </a:r>
+            <a:r>
+              <a:rPr lang="en-US" dirty="0"/>
+              <a:t> v k</a:t>
+            </a:r>
+            <a:r>
+              <a:rPr lang="sk-SK" dirty="0"/>
+              <a:t>óde; prípadne </a:t>
+            </a:r>
+            <a:r>
+              <a:rPr lang="en-US" dirty="0"/>
+              <a:t>$return</a:t>
+            </a:r>
+            <a:endParaRPr lang="sk-SK" dirty="0"/>
+          </a:p>
+          <a:p>
+            <a:pPr algn="just"/>
+            <a:r>
+              <a:rPr lang="sk-SK" b="1" dirty="0" err="1"/>
+              <a:t>path</a:t>
+            </a:r>
+            <a:r>
+              <a:rPr lang="sk-SK" b="1" dirty="0"/>
+              <a:t>:</a:t>
+            </a:r>
+            <a:r>
+              <a:rPr lang="sk-SK" dirty="0"/>
+              <a:t> cesta ku kontajneru</a:t>
+            </a:r>
+          </a:p>
+          <a:p>
+            <a:pPr algn="just"/>
+            <a:r>
+              <a:rPr lang="sk-SK" b="1" dirty="0" err="1"/>
+              <a:t>connection</a:t>
+            </a:r>
+            <a:r>
+              <a:rPr lang="sk-SK" b="1" dirty="0"/>
+              <a:t>: </a:t>
+            </a:r>
+            <a:r>
+              <a:rPr lang="sk-SK" dirty="0"/>
+              <a:t>názov nastavenia, v ktorom je uložený </a:t>
+            </a:r>
+            <a:r>
+              <a:rPr lang="sk-SK" dirty="0" err="1"/>
+              <a:t>connection</a:t>
+            </a:r>
+            <a:r>
+              <a:rPr lang="sk-SK" dirty="0"/>
+              <a:t> </a:t>
+            </a:r>
+            <a:r>
+              <a:rPr lang="sk-SK" dirty="0" err="1"/>
+              <a:t>string</a:t>
+            </a:r>
+            <a:r>
+              <a:rPr lang="sk-SK" dirty="0"/>
+              <a:t> do </a:t>
+            </a:r>
+            <a:r>
+              <a:rPr lang="sk-SK" dirty="0" err="1"/>
+              <a:t>storage</a:t>
+            </a:r>
+            <a:r>
+              <a:rPr lang="sk-SK" dirty="0"/>
+              <a:t>. Ak nie je nastavený, použije sa nastavenie </a:t>
+            </a:r>
+            <a:r>
+              <a:rPr lang="sk-SK" dirty="0" err="1"/>
+              <a:t>AzureWebJobsStorage</a:t>
+            </a:r>
+            <a:r>
+              <a:rPr lang="sk-SK" dirty="0"/>
+              <a:t>.</a:t>
+            </a:r>
+            <a:endParaRPr lang="sk-SK" b="1" i="1" dirty="0"/>
           </a:p>
         </p:txBody>
       </p:sp>
     </p:spTree>
     <p:extLst>
       <p:ext uri="{BB962C8B-B14F-4D97-AF65-F5344CB8AC3E}">
-        <p14:creationId xmlns:p14="http://schemas.microsoft.com/office/powerpoint/2010/main" val="591786089"/>
+        <p14:creationId xmlns:p14="http://schemas.microsoft.com/office/powerpoint/2010/main" val="126976331"/>
       </p:ext>
     </p:extLst>
   </p:cSld>
@@ -18186,7 +18133,7 @@
             <a:pPr algn="l"/>
             <a:r>
               <a:rPr lang="sk-SK" dirty="0" err="1"/>
-              <a:t>Azure</a:t>
+              <a:t>Blob</a:t>
             </a:r>
             <a:r>
               <a:rPr lang="sk-SK" dirty="0"/>
@@ -18194,11 +18141,27 @@
             </a:r>
             <a:r>
               <a:rPr lang="sk-SK" dirty="0" err="1"/>
-              <a:t>Cosmos</a:t>
-            </a:r>
-            <a:r>
-              <a:rPr lang="sk-SK" dirty="0"/>
-              <a:t> DB</a:t>
+              <a:t>storage</a:t>
+            </a:r>
+            <a:r>
+              <a:rPr lang="sk-SK" dirty="0"/>
+              <a:t> – output </a:t>
+            </a:r>
+            <a:r>
+              <a:rPr lang="sk-SK" dirty="0" err="1"/>
+              <a:t>binding</a:t>
+            </a:r>
+            <a:r>
+              <a:rPr lang="sk-SK" dirty="0"/>
+              <a:t> (</a:t>
+            </a:r>
+            <a:r>
+              <a:rPr lang="sk-SK" dirty="0" err="1"/>
+              <a:t>Blob</a:t>
+            </a:r>
+            <a:r>
+              <a:rPr lang="sk-SK" dirty="0"/>
+              <a:t>)</a:t>
             </a:r>
           </a:p>
         </p:txBody>
@@ -18228,61 +18191,37 @@
           <a:p>
             <a:pPr algn="just"/>
             <a:r>
-              <a:rPr lang="sk-SK" dirty="0"/>
-              <a:t>Funkcia sa spúšťa pri vytvorení alebo modifikácii dokumentu v </a:t>
-            </a:r>
-            <a:r>
-              <a:rPr lang="sk-SK" dirty="0" err="1"/>
-              <a:t>Cosmos</a:t>
-            </a:r>
-            <a:r>
-              <a:rPr lang="sk-SK" dirty="0"/>
-              <a:t> DB</a:t>
-            </a:r>
+              <a:rPr lang="sk-SK" dirty="0" err="1"/>
+              <a:t>BlobPath</a:t>
+            </a:r>
+            <a:endParaRPr lang="sk-SK" dirty="0"/>
           </a:p>
           <a:p>
             <a:pPr algn="just"/>
             <a:r>
               <a:rPr lang="sk-SK" dirty="0" err="1"/>
-              <a:t>Trigger</a:t>
-            </a:r>
-            <a:r>
-              <a:rPr lang="sk-SK" dirty="0"/>
-              <a:t> potrebuje na správne fungovanie okrem monitorovanej kolekcie aj druhú kolekciu na ukladanie </a:t>
-            </a:r>
-            <a:r>
-              <a:rPr lang="sk-SK" dirty="0" err="1"/>
-              <a:t>leases</a:t>
-            </a:r>
-            <a:r>
-              <a:rPr lang="sk-SK" dirty="0"/>
-              <a:t> („prenájmov“) naprieč partíciami</a:t>
-            </a:r>
+              <a:t>Connection</a:t>
+            </a:r>
+            <a:endParaRPr lang="sk-SK" dirty="0"/>
           </a:p>
           <a:p>
             <a:pPr algn="just"/>
             <a:r>
-              <a:rPr lang="sk-SK" dirty="0"/>
-              <a:t>Ak je na rovnakú kolekciu napojených viac funkcií, musia používať rôzne kolekcie na prenájmy, inak sa vyvolá iba jedna z funkcií</a:t>
-            </a:r>
-          </a:p>
-          <a:p>
-            <a:pPr algn="just"/>
-            <a:r>
-              <a:rPr lang="sk-SK" dirty="0" err="1"/>
-              <a:t>Trigger</a:t>
-            </a:r>
-            <a:r>
-              <a:rPr lang="sk-SK" dirty="0"/>
-              <a:t> nemá informáciu o tom, či sa jedná o vytvorenie alebo úpravu, má k dispozícii iba samotný dokument</a:t>
-            </a:r>
+              <a:rPr lang="sk-SK" b="1" dirty="0"/>
+              <a:t>Access:</a:t>
+            </a:r>
+            <a:r>
+              <a:rPr lang="sk-SK" dirty="0"/>
+              <a:t> indikuje, či sa jedná iba o čítanie alebo o zápis</a:t>
+            </a:r>
+            <a:endParaRPr lang="sk-SK" b="1" dirty="0"/>
           </a:p>
         </p:txBody>
       </p:sp>
     </p:spTree>
     <p:extLst>
       <p:ext uri="{BB962C8B-B14F-4D97-AF65-F5344CB8AC3E}">
-        <p14:creationId xmlns:p14="http://schemas.microsoft.com/office/powerpoint/2010/main" val="2283614339"/>
+        <p14:creationId xmlns:p14="http://schemas.microsoft.com/office/powerpoint/2010/main" val="591786089"/>
       </p:ext>
     </p:extLst>
   </p:cSld>
@@ -18314,7 +18253,7 @@
           <p:cNvPr id="2" name="Nadpis 1">
             <a:extLst>
               <a:ext uri="{FF2B5EF4-FFF2-40B4-BE49-F238E27FC236}">
-                <a16:creationId xmlns:a16="http://schemas.microsoft.com/office/drawing/2014/main" id="{E0F66225-1786-4978-859E-95C444670FB8}"/>
+                <a16:creationId xmlns:a16="http://schemas.microsoft.com/office/drawing/2014/main" id="{7D03AFBC-F4FB-4C83-AB6F-6763F548D5D3}"/>
               </a:ext>
             </a:extLst>
           </p:cNvPr>
@@ -18323,6 +18262,47 @@
           </p:cNvSpPr>
           <p:nvPr>
             <p:ph type="title"/>
+          </p:nvPr>
+        </p:nvSpPr>
+        <p:spPr/>
+        <p:txBody>
+          <a:bodyPr/>
+          <a:lstStyle/>
+          <a:p>
+            <a:pPr algn="l"/>
+            <a:r>
+              <a:rPr lang="sk-SK" dirty="0" err="1"/>
+              <a:t>Azure</a:t>
+            </a:r>
+            <a:r>
+              <a:rPr lang="sk-SK" dirty="0"/>
+              <a:t> </a:t>
+            </a:r>
+            <a:r>
+              <a:rPr lang="sk-SK" dirty="0" err="1"/>
+              <a:t>Cosmos</a:t>
+            </a:r>
+            <a:r>
+              <a:rPr lang="sk-SK" dirty="0"/>
+              <a:t> DB</a:t>
+            </a:r>
+          </a:p>
+        </p:txBody>
+      </p:sp>
+      <p:sp>
+        <p:nvSpPr>
+          <p:cNvPr id="3" name="Zástupný objekt pre obsah 2">
+            <a:extLst>
+              <a:ext uri="{FF2B5EF4-FFF2-40B4-BE49-F238E27FC236}">
+                <a16:creationId xmlns:a16="http://schemas.microsoft.com/office/drawing/2014/main" id="{18D097EB-C6D2-41D9-A130-FDE2B4CB1915}"/>
+              </a:ext>
+            </a:extLst>
+          </p:cNvPr>
+          <p:cNvSpPr>
+            <a:spLocks noGrp="1"/>
+          </p:cNvSpPr>
+          <p:nvPr>
+            <p:ph idx="1"/>
           </p:nvPr>
         </p:nvSpPr>
         <p:spPr/>
@@ -18332,177 +18312,63 @@
           </a:bodyPr>
           <a:lstStyle/>
           <a:p>
-            <a:pPr algn="l"/>
-            <a:r>
-              <a:rPr lang="sk-SK" sz="3400" dirty="0" err="1"/>
-              <a:t>Azure</a:t>
-            </a:r>
-            <a:r>
-              <a:rPr lang="sk-SK" sz="3400" dirty="0"/>
-              <a:t> </a:t>
-            </a:r>
-            <a:r>
-              <a:rPr lang="sk-SK" sz="3400" dirty="0" err="1"/>
+            <a:pPr algn="just"/>
+            <a:r>
+              <a:rPr lang="sk-SK" dirty="0"/>
+              <a:t>Funkcia sa spúšťa pri vytvorení alebo modifikácii dokumentu v </a:t>
+            </a:r>
+            <a:r>
+              <a:rPr lang="sk-SK" dirty="0" err="1"/>
               <a:t>Cosmos</a:t>
             </a:r>
             <a:r>
-              <a:rPr lang="sk-SK" sz="3400" dirty="0"/>
-              <a:t> DB – </a:t>
-            </a:r>
-            <a:r>
-              <a:rPr lang="sk-SK" sz="3400" dirty="0" err="1"/>
-              <a:t>host.json</a:t>
-            </a:r>
-            <a:r>
-              <a:rPr lang="sk-SK" sz="3400" dirty="0"/>
-              <a:t> (</a:t>
-            </a:r>
-            <a:r>
-              <a:rPr lang="sk-SK" sz="3400" dirty="0" err="1"/>
-              <a:t>extension</a:t>
-            </a:r>
-            <a:r>
-              <a:rPr lang="sk-SK" sz="3400" dirty="0"/>
-              <a:t> „</a:t>
-            </a:r>
-            <a:r>
-              <a:rPr lang="sk-SK" sz="3400" dirty="0" err="1"/>
-              <a:t>cosmosDB</a:t>
-            </a:r>
-            <a:r>
-              <a:rPr lang="sk-SK" sz="3400" dirty="0"/>
-              <a:t>“)</a:t>
-            </a:r>
-          </a:p>
-        </p:txBody>
-      </p:sp>
-      <p:sp>
-        <p:nvSpPr>
-          <p:cNvPr id="3" name="Zástupný objekt pre obsah 2">
-            <a:extLst>
-              <a:ext uri="{FF2B5EF4-FFF2-40B4-BE49-F238E27FC236}">
-                <a16:creationId xmlns:a16="http://schemas.microsoft.com/office/drawing/2014/main" id="{13A6DB6A-A1BA-4AD7-A536-8988E774FA7C}"/>
-              </a:ext>
-            </a:extLst>
-          </p:cNvPr>
-          <p:cNvSpPr>
-            <a:spLocks noGrp="1"/>
-          </p:cNvSpPr>
-          <p:nvPr>
-            <p:ph idx="1"/>
-          </p:nvPr>
-        </p:nvSpPr>
-        <p:spPr/>
-        <p:txBody>
-          <a:bodyPr>
-            <a:normAutofit/>
-          </a:bodyPr>
-          <a:lstStyle/>
+              <a:rPr lang="sk-SK" dirty="0"/>
+              <a:t> DB</a:t>
+            </a:r>
+          </a:p>
           <a:p>
             <a:pPr algn="just"/>
             <a:r>
-              <a:rPr lang="sk-SK" b="1" dirty="0" err="1"/>
-              <a:t>connectionMode</a:t>
-            </a:r>
-            <a:r>
-              <a:rPr lang="sk-SK" b="1" dirty="0"/>
-              <a:t>: </a:t>
-            </a:r>
-            <a:r>
-              <a:rPr lang="sk-SK" dirty="0"/>
-              <a:t>spôsob pripojenia do </a:t>
-            </a:r>
-            <a:r>
-              <a:rPr lang="sk-SK" dirty="0" err="1"/>
-              <a:t>Azure</a:t>
-            </a:r>
-            <a:r>
-              <a:rPr lang="sk-SK" dirty="0"/>
-              <a:t> </a:t>
-            </a:r>
-            <a:r>
-              <a:rPr lang="sk-SK" dirty="0" err="1"/>
-              <a:t>Cosmos</a:t>
-            </a:r>
-            <a:r>
-              <a:rPr lang="sk-SK" dirty="0"/>
-              <a:t> DB, </a:t>
-            </a:r>
-            <a:r>
-              <a:rPr lang="sk-SK" i="1" dirty="0" err="1"/>
-              <a:t>Direct</a:t>
-            </a:r>
-            <a:r>
-              <a:rPr lang="sk-SK" i="1" dirty="0"/>
-              <a:t>/</a:t>
-            </a:r>
-            <a:r>
-              <a:rPr lang="sk-SK" i="1" dirty="0" err="1"/>
-              <a:t>Gateway</a:t>
-            </a:r>
-            <a:endParaRPr lang="sk-SK" i="1" dirty="0"/>
+              <a:rPr lang="sk-SK" dirty="0" err="1"/>
+              <a:t>Trigger</a:t>
+            </a:r>
+            <a:r>
+              <a:rPr lang="sk-SK" dirty="0"/>
+              <a:t> potrebuje na správne fungovanie okrem monitorovanej kolekcie aj druhú kolekciu na ukladanie </a:t>
+            </a:r>
+            <a:r>
+              <a:rPr lang="sk-SK" dirty="0" err="1"/>
+              <a:t>leases</a:t>
+            </a:r>
+            <a:r>
+              <a:rPr lang="sk-SK" dirty="0"/>
+              <a:t> („prenájmov“) naprieč partíciami</a:t>
+            </a:r>
           </a:p>
           <a:p>
             <a:pPr algn="just"/>
             <a:r>
-              <a:rPr lang="sk-SK" b="1" dirty="0" err="1"/>
-              <a:t>protocol</a:t>
-            </a:r>
-            <a:r>
-              <a:rPr lang="sk-SK" b="1" dirty="0"/>
-              <a:t>:</a:t>
-            </a:r>
-            <a:r>
-              <a:rPr lang="sk-SK" dirty="0"/>
-              <a:t> možnosti sú </a:t>
-            </a:r>
-            <a:r>
-              <a:rPr lang="sk-SK" i="1" dirty="0" err="1"/>
-              <a:t>https</a:t>
-            </a:r>
-            <a:r>
-              <a:rPr lang="sk-SK" dirty="0"/>
-              <a:t> a </a:t>
-            </a:r>
-            <a:r>
-              <a:rPr lang="sk-SK" i="1" dirty="0" err="1"/>
-              <a:t>tcp</a:t>
-            </a:r>
-            <a:r>
-              <a:rPr lang="sk-SK" dirty="0"/>
-              <a:t> (iba v režime </a:t>
-            </a:r>
-            <a:r>
-              <a:rPr lang="sk-SK" i="1" dirty="0" err="1"/>
-              <a:t>Direct</a:t>
-            </a:r>
-            <a:r>
-              <a:rPr lang="sk-SK" dirty="0"/>
-              <a:t>)</a:t>
+              <a:rPr lang="sk-SK" dirty="0"/>
+              <a:t>Ak je na rovnakú kolekciu napojených viac funkcií, musia používať rôzne kolekcie na prenájmy, inak sa vyvolá iba jedna z funkcií</a:t>
             </a:r>
           </a:p>
           <a:p>
             <a:pPr algn="just"/>
             <a:r>
-              <a:rPr lang="sk-SK" b="1" dirty="0" err="1"/>
-              <a:t>leaseOptions:leasePrefix</a:t>
-            </a:r>
-            <a:r>
-              <a:rPr lang="sk-SK" b="1" dirty="0"/>
-              <a:t>:</a:t>
-            </a:r>
-            <a:r>
-              <a:rPr lang="sk-SK" dirty="0"/>
-              <a:t> prefix pre prenájmy</a:t>
-            </a:r>
-            <a:endParaRPr lang="sk-SK" b="1" dirty="0"/>
+              <a:rPr lang="sk-SK" dirty="0" err="1"/>
+              <a:t>Trigger</a:t>
+            </a:r>
+            <a:r>
+              <a:rPr lang="sk-SK" dirty="0"/>
+              <a:t> nemá informáciu o tom, či sa jedná o vytvorenie alebo úpravu, má k dispozícii iba samotný dokument</a:t>
+            </a:r>
           </a:p>
         </p:txBody>
       </p:sp>
     </p:spTree>
     <p:extLst>
       <p:ext uri="{BB962C8B-B14F-4D97-AF65-F5344CB8AC3E}">
-        <p14:creationId xmlns:p14="http://schemas.microsoft.com/office/powerpoint/2010/main" val="242929031"/>
+        <p14:creationId xmlns:p14="http://schemas.microsoft.com/office/powerpoint/2010/main" val="2283614339"/>
       </p:ext>
     </p:extLst>
   </p:cSld>
@@ -18534,7 +18400,7 @@
           <p:cNvPr id="2" name="Nadpis 1">
             <a:extLst>
               <a:ext uri="{FF2B5EF4-FFF2-40B4-BE49-F238E27FC236}">
-                <a16:creationId xmlns:a16="http://schemas.microsoft.com/office/drawing/2014/main" id="{4FEE75D9-F0FD-4A59-BD9B-B259CF1FBAF9}"/>
+                <a16:creationId xmlns:a16="http://schemas.microsoft.com/office/drawing/2014/main" id="{E0F66225-1786-4978-859E-95C444670FB8}"/>
               </a:ext>
             </a:extLst>
           </p:cNvPr>
@@ -18543,52 +18409,6 @@
           </p:cNvSpPr>
           <p:nvPr>
             <p:ph type="title"/>
-          </p:nvPr>
-        </p:nvSpPr>
-        <p:spPr/>
-        <p:txBody>
-          <a:bodyPr/>
-          <a:lstStyle/>
-          <a:p>
-            <a:pPr algn="l"/>
-            <a:r>
-              <a:rPr lang="sk-SK" dirty="0" err="1"/>
-              <a:t>Azure</a:t>
-            </a:r>
-            <a:r>
-              <a:rPr lang="sk-SK" dirty="0"/>
-              <a:t> </a:t>
-            </a:r>
-            <a:r>
-              <a:rPr lang="sk-SK" dirty="0" err="1"/>
-              <a:t>Cosmos</a:t>
-            </a:r>
-            <a:r>
-              <a:rPr lang="sk-SK" dirty="0"/>
-              <a:t> DB – </a:t>
-            </a:r>
-            <a:r>
-              <a:rPr lang="sk-SK" dirty="0" err="1"/>
-              <a:t>payload</a:t>
-            </a:r>
-            <a:endParaRPr lang="sk-SK" dirty="0"/>
-          </a:p>
-        </p:txBody>
-      </p:sp>
-      <p:sp>
-        <p:nvSpPr>
-          <p:cNvPr id="3" name="Zástupný objekt pre obsah 2">
-            <a:extLst>
-              <a:ext uri="{FF2B5EF4-FFF2-40B4-BE49-F238E27FC236}">
-                <a16:creationId xmlns:a16="http://schemas.microsoft.com/office/drawing/2014/main" id="{6DBD645F-91AE-45EB-8ED4-DAB0ADEC9121}"/>
-              </a:ext>
-            </a:extLst>
-          </p:cNvPr>
-          <p:cNvSpPr>
-            <a:spLocks noGrp="1"/>
-          </p:cNvSpPr>
-          <p:nvPr>
-            <p:ph idx="1"/>
           </p:nvPr>
         </p:nvSpPr>
         <p:spPr/>
@@ -18598,33 +18418,177 @@
           </a:bodyPr>
           <a:lstStyle/>
           <a:p>
-            <a:r>
-              <a:rPr lang="sk-SK" dirty="0" err="1"/>
-              <a:t>IReadOnlyList</a:t>
-            </a:r>
-            <a:r>
-              <a:rPr lang="en-US" dirty="0"/>
-              <a:t>&lt;T&gt;, </a:t>
-            </a:r>
-            <a:r>
-              <a:rPr lang="en-US" dirty="0" err="1"/>
-              <a:t>kde</a:t>
-            </a:r>
-            <a:r>
-              <a:rPr lang="en-US" dirty="0"/>
-              <a:t> T je </a:t>
-            </a:r>
-            <a:r>
-              <a:rPr lang="sk-SK" dirty="0"/>
-              <a:t>očakávaný typ objektu pre dokumenty v kolekcii</a:t>
-            </a:r>
+            <a:pPr algn="l"/>
+            <a:r>
+              <a:rPr lang="sk-SK" sz="3400" dirty="0" err="1"/>
+              <a:t>Azure</a:t>
+            </a:r>
+            <a:r>
+              <a:rPr lang="sk-SK" sz="3400" dirty="0"/>
+              <a:t> </a:t>
+            </a:r>
+            <a:r>
+              <a:rPr lang="sk-SK" sz="3400" dirty="0" err="1"/>
+              <a:t>Cosmos</a:t>
+            </a:r>
+            <a:r>
+              <a:rPr lang="sk-SK" sz="3400" dirty="0"/>
+              <a:t> DB – </a:t>
+            </a:r>
+            <a:r>
+              <a:rPr lang="sk-SK" sz="3400" dirty="0" err="1"/>
+              <a:t>host.json</a:t>
+            </a:r>
+            <a:r>
+              <a:rPr lang="sk-SK" sz="3400" dirty="0"/>
+              <a:t> (</a:t>
+            </a:r>
+            <a:r>
+              <a:rPr lang="sk-SK" sz="3400" dirty="0" err="1"/>
+              <a:t>extension</a:t>
+            </a:r>
+            <a:r>
+              <a:rPr lang="sk-SK" sz="3400" dirty="0"/>
+              <a:t> „</a:t>
+            </a:r>
+            <a:r>
+              <a:rPr lang="sk-SK" sz="3400" dirty="0" err="1"/>
+              <a:t>cosmosDB</a:t>
+            </a:r>
+            <a:r>
+              <a:rPr lang="sk-SK" sz="3400" dirty="0"/>
+              <a:t>“)</a:t>
+            </a:r>
+          </a:p>
+        </p:txBody>
+      </p:sp>
+      <p:sp>
+        <p:nvSpPr>
+          <p:cNvPr id="3" name="Zástupný objekt pre obsah 2">
+            <a:extLst>
+              <a:ext uri="{FF2B5EF4-FFF2-40B4-BE49-F238E27FC236}">
+                <a16:creationId xmlns:a16="http://schemas.microsoft.com/office/drawing/2014/main" id="{13A6DB6A-A1BA-4AD7-A536-8988E774FA7C}"/>
+              </a:ext>
+            </a:extLst>
+          </p:cNvPr>
+          <p:cNvSpPr>
+            <a:spLocks noGrp="1"/>
+          </p:cNvSpPr>
+          <p:nvPr>
+            <p:ph idx="1"/>
+          </p:nvPr>
+        </p:nvSpPr>
+        <p:spPr/>
+        <p:txBody>
+          <a:bodyPr>
+            <a:normAutofit/>
+          </a:bodyPr>
+          <a:lstStyle/>
+          <a:p>
+            <a:pPr algn="just"/>
+            <a:r>
+              <a:rPr lang="sk-SK" b="1" dirty="0" err="1"/>
+              <a:t>connectionMode</a:t>
+            </a:r>
+            <a:r>
+              <a:rPr lang="sk-SK" b="1" dirty="0"/>
+              <a:t>: </a:t>
+            </a:r>
+            <a:r>
+              <a:rPr lang="sk-SK" dirty="0"/>
+              <a:t>spôsob pripojenia do </a:t>
+            </a:r>
+            <a:r>
+              <a:rPr lang="sk-SK" dirty="0" err="1"/>
+              <a:t>Azure</a:t>
+            </a:r>
+            <a:r>
+              <a:rPr lang="sk-SK" dirty="0"/>
+              <a:t> </a:t>
+            </a:r>
+            <a:r>
+              <a:rPr lang="sk-SK" dirty="0" err="1"/>
+              <a:t>Cosmos</a:t>
+            </a:r>
+            <a:r>
+              <a:rPr lang="sk-SK" dirty="0"/>
+              <a:t> DB, </a:t>
+            </a:r>
+            <a:r>
+              <a:rPr lang="sk-SK" i="1" dirty="0" err="1"/>
+              <a:t>Direct</a:t>
+            </a:r>
+            <a:r>
+              <a:rPr lang="sk-SK" i="1" dirty="0"/>
+              <a:t>/</a:t>
+            </a:r>
+            <a:r>
+              <a:rPr lang="sk-SK" i="1" dirty="0" err="1"/>
+              <a:t>Gateway</a:t>
+            </a:r>
+            <a:endParaRPr lang="sk-SK" i="1" dirty="0"/>
+          </a:p>
+          <a:p>
+            <a:pPr algn="just"/>
+            <a:r>
+              <a:rPr lang="sk-SK" b="1" dirty="0" err="1"/>
+              <a:t>protocol</a:t>
+            </a:r>
+            <a:r>
+              <a:rPr lang="sk-SK" b="1" dirty="0"/>
+              <a:t>:</a:t>
+            </a:r>
+            <a:r>
+              <a:rPr lang="sk-SK" dirty="0"/>
+              <a:t> možnosti sú </a:t>
+            </a:r>
+            <a:r>
+              <a:rPr lang="sk-SK" i="1" dirty="0" err="1"/>
+              <a:t>https</a:t>
+            </a:r>
+            <a:r>
+              <a:rPr lang="sk-SK" dirty="0"/>
+              <a:t> a </a:t>
+            </a:r>
+            <a:r>
+              <a:rPr lang="sk-SK" i="1" dirty="0" err="1"/>
+              <a:t>tcp</a:t>
+            </a:r>
+            <a:r>
+              <a:rPr lang="sk-SK" dirty="0"/>
+              <a:t> (iba v režime </a:t>
+            </a:r>
+            <a:r>
+              <a:rPr lang="sk-SK" i="1" dirty="0" err="1"/>
+              <a:t>Direct</a:t>
+            </a:r>
+            <a:r>
+              <a:rPr lang="sk-SK" dirty="0"/>
+              <a:t>)</a:t>
+            </a:r>
+          </a:p>
+          <a:p>
+            <a:pPr algn="just"/>
+            <a:r>
+              <a:rPr lang="sk-SK" b="1" dirty="0" err="1"/>
+              <a:t>leaseOptions:leasePrefix</a:t>
+            </a:r>
+            <a:r>
+              <a:rPr lang="sk-SK" b="1" dirty="0"/>
+              <a:t>:</a:t>
+            </a:r>
+            <a:r>
+              <a:rPr lang="sk-SK" dirty="0"/>
+              <a:t> prefix pre prenájmy</a:t>
+            </a:r>
+            <a:endParaRPr lang="sk-SK" b="1" dirty="0"/>
           </a:p>
         </p:txBody>
       </p:sp>
     </p:spTree>
     <p:extLst>
       <p:ext uri="{BB962C8B-B14F-4D97-AF65-F5344CB8AC3E}">
-        <p14:creationId xmlns:p14="http://schemas.microsoft.com/office/powerpoint/2010/main" val="4270589077"/>
+        <p14:creationId xmlns:p14="http://schemas.microsoft.com/office/powerpoint/2010/main" val="242929031"/>
       </p:ext>
     </p:extLst>
   </p:cSld>
@@ -18656,7 +18620,7 @@
           <p:cNvPr id="2" name="Nadpis 1">
             <a:extLst>
               <a:ext uri="{FF2B5EF4-FFF2-40B4-BE49-F238E27FC236}">
-                <a16:creationId xmlns:a16="http://schemas.microsoft.com/office/drawing/2014/main" id="{7D03AFBC-F4FB-4C83-AB6F-6763F548D5D3}"/>
+                <a16:creationId xmlns:a16="http://schemas.microsoft.com/office/drawing/2014/main" id="{4FEE75D9-F0FD-4A59-BD9B-B259CF1FBAF9}"/>
               </a:ext>
             </a:extLst>
           </p:cNvPr>
@@ -18665,6 +18629,52 @@
           </p:cNvSpPr>
           <p:nvPr>
             <p:ph type="title"/>
+          </p:nvPr>
+        </p:nvSpPr>
+        <p:spPr/>
+        <p:txBody>
+          <a:bodyPr/>
+          <a:lstStyle/>
+          <a:p>
+            <a:pPr algn="l"/>
+            <a:r>
+              <a:rPr lang="sk-SK" dirty="0" err="1"/>
+              <a:t>Azure</a:t>
+            </a:r>
+            <a:r>
+              <a:rPr lang="sk-SK" dirty="0"/>
+              <a:t> </a:t>
+            </a:r>
+            <a:r>
+              <a:rPr lang="sk-SK" dirty="0" err="1"/>
+              <a:t>Cosmos</a:t>
+            </a:r>
+            <a:r>
+              <a:rPr lang="sk-SK" dirty="0"/>
+              <a:t> DB – </a:t>
+            </a:r>
+            <a:r>
+              <a:rPr lang="sk-SK" dirty="0" err="1"/>
+              <a:t>payload</a:t>
+            </a:r>
+            <a:endParaRPr lang="sk-SK" dirty="0"/>
+          </a:p>
+        </p:txBody>
+      </p:sp>
+      <p:sp>
+        <p:nvSpPr>
+          <p:cNvPr id="3" name="Zástupný objekt pre obsah 2">
+            <a:extLst>
+              <a:ext uri="{FF2B5EF4-FFF2-40B4-BE49-F238E27FC236}">
+                <a16:creationId xmlns:a16="http://schemas.microsoft.com/office/drawing/2014/main" id="{6DBD645F-91AE-45EB-8ED4-DAB0ADEC9121}"/>
+              </a:ext>
+            </a:extLst>
+          </p:cNvPr>
+          <p:cNvSpPr>
+            <a:spLocks noGrp="1"/>
+          </p:cNvSpPr>
+          <p:nvPr>
+            <p:ph idx="1"/>
           </p:nvPr>
         </p:nvSpPr>
         <p:spPr/>
@@ -18674,186 +18684,25 @@
           </a:bodyPr>
           <a:lstStyle/>
           <a:p>
-            <a:pPr algn="l"/>
-            <a:r>
-              <a:rPr lang="sk-SK" dirty="0" err="1"/>
-              <a:t>Azure</a:t>
-            </a:r>
-            <a:r>
-              <a:rPr lang="sk-SK" dirty="0"/>
-              <a:t> </a:t>
-            </a:r>
-            <a:r>
-              <a:rPr lang="sk-SK" dirty="0" err="1"/>
-              <a:t>Cosmos</a:t>
-            </a:r>
-            <a:r>
-              <a:rPr lang="sk-SK" dirty="0"/>
-              <a:t> DB – </a:t>
-            </a:r>
-            <a:r>
-              <a:rPr lang="sk-SK" dirty="0" err="1"/>
-              <a:t>trigger</a:t>
-            </a:r>
-            <a:r>
-              <a:rPr lang="sk-SK" dirty="0"/>
-              <a:t> </a:t>
-            </a:r>
-            <a:r>
-              <a:rPr lang="sk-SK" dirty="0" err="1"/>
-              <a:t>binding</a:t>
-            </a:r>
-            <a:r>
-              <a:rPr lang="sk-SK" dirty="0"/>
-              <a:t> (</a:t>
-            </a:r>
-            <a:r>
-              <a:rPr lang="sk-SK" dirty="0" err="1"/>
-              <a:t>function.json</a:t>
-            </a:r>
-            <a:r>
-              <a:rPr lang="sk-SK" dirty="0"/>
-              <a:t>)</a:t>
-            </a:r>
-          </a:p>
-        </p:txBody>
-      </p:sp>
-      <p:sp>
-        <p:nvSpPr>
-          <p:cNvPr id="3" name="Zástupný objekt pre obsah 2">
-            <a:extLst>
-              <a:ext uri="{FF2B5EF4-FFF2-40B4-BE49-F238E27FC236}">
-                <a16:creationId xmlns:a16="http://schemas.microsoft.com/office/drawing/2014/main" id="{18D097EB-C6D2-41D9-A130-FDE2B4CB1915}"/>
-              </a:ext>
-            </a:extLst>
-          </p:cNvPr>
-          <p:cNvSpPr>
-            <a:spLocks noGrp="1"/>
-          </p:cNvSpPr>
-          <p:nvPr>
-            <p:ph idx="1"/>
-          </p:nvPr>
-        </p:nvSpPr>
-        <p:spPr/>
-        <p:txBody>
-          <a:bodyPr>
-            <a:normAutofit/>
-          </a:bodyPr>
-          <a:lstStyle/>
-          <a:p>
-            <a:pPr algn="just"/>
-            <a:r>
-              <a:rPr lang="sk-SK" b="1" dirty="0"/>
-              <a:t>type</a:t>
-            </a:r>
-            <a:r>
-              <a:rPr lang="sk-SK" dirty="0"/>
-              <a:t>: </a:t>
-            </a:r>
-            <a:r>
-              <a:rPr lang="sk-SK" dirty="0" err="1"/>
-              <a:t>cosmosDBTrigger</a:t>
-            </a:r>
-            <a:endParaRPr lang="sk-SK" dirty="0"/>
-          </a:p>
-          <a:p>
-            <a:pPr algn="just"/>
-            <a:r>
-              <a:rPr lang="sk-SK" b="1" dirty="0" err="1"/>
-              <a:t>direction</a:t>
-            </a:r>
-            <a:r>
-              <a:rPr lang="sk-SK" b="1" dirty="0"/>
-              <a:t>: </a:t>
-            </a:r>
-            <a:r>
-              <a:rPr lang="sk-SK" dirty="0"/>
-              <a:t>in</a:t>
-            </a:r>
-          </a:p>
-          <a:p>
-            <a:pPr algn="just"/>
-            <a:r>
-              <a:rPr lang="sk-SK" b="1" dirty="0" err="1"/>
-              <a:t>connectionStringSetting</a:t>
-            </a:r>
-            <a:r>
-              <a:rPr lang="sk-SK" b="1" dirty="0"/>
-              <a:t>/</a:t>
-            </a:r>
-            <a:r>
-              <a:rPr lang="sk-SK" b="1" dirty="0" err="1"/>
-              <a:t>connection</a:t>
-            </a:r>
-            <a:r>
-              <a:rPr lang="sk-SK" b="1" dirty="0"/>
-              <a:t>: </a:t>
-            </a:r>
-            <a:r>
-              <a:rPr lang="sk-SK" dirty="0"/>
-              <a:t>názov nastavenia, v ktorom je uložený </a:t>
-            </a:r>
-            <a:r>
-              <a:rPr lang="sk-SK" dirty="0" err="1"/>
-              <a:t>connection</a:t>
-            </a:r>
-            <a:r>
-              <a:rPr lang="sk-SK" dirty="0"/>
-              <a:t> </a:t>
-            </a:r>
-            <a:r>
-              <a:rPr lang="sk-SK" dirty="0" err="1"/>
-              <a:t>string</a:t>
-            </a:r>
-            <a:r>
-              <a:rPr lang="sk-SK" dirty="0"/>
-              <a:t> do </a:t>
-            </a:r>
-            <a:r>
-              <a:rPr lang="sk-SK" dirty="0" err="1"/>
-              <a:t>Cosmos</a:t>
-            </a:r>
-            <a:r>
-              <a:rPr lang="sk-SK" dirty="0"/>
-              <a:t> DB</a:t>
-            </a:r>
-          </a:p>
-          <a:p>
-            <a:pPr algn="just"/>
-            <a:r>
-              <a:rPr lang="sk-SK" b="1" dirty="0" err="1"/>
-              <a:t>databaseName</a:t>
-            </a:r>
-            <a:r>
-              <a:rPr lang="sk-SK" b="1" dirty="0"/>
-              <a:t>: </a:t>
-            </a:r>
-            <a:r>
-              <a:rPr lang="sk-SK" dirty="0"/>
-              <a:t>názov databázy, ktorá sa sleduje</a:t>
-            </a:r>
-          </a:p>
-          <a:p>
-            <a:pPr algn="just"/>
-            <a:r>
-              <a:rPr lang="sk-SK" b="1" dirty="0" err="1"/>
-              <a:t>collectionName</a:t>
-            </a:r>
-            <a:r>
-              <a:rPr lang="sk-SK" b="1" dirty="0"/>
-              <a:t>/</a:t>
-            </a:r>
-            <a:r>
-              <a:rPr lang="sk-SK" b="1" dirty="0" err="1"/>
-              <a:t>containerName</a:t>
-            </a:r>
-            <a:r>
-              <a:rPr lang="sk-SK" b="1" dirty="0"/>
-              <a:t>: </a:t>
-            </a:r>
-            <a:r>
-              <a:rPr lang="sk-SK" dirty="0"/>
-              <a:t>kolekcia, ktorá sa sleduje</a:t>
+            <a:r>
+              <a:rPr lang="sk-SK" dirty="0" err="1"/>
+              <a:t>IReadOnlyList</a:t>
+            </a:r>
+            <a:r>
+              <a:rPr lang="en-US" dirty="0"/>
+              <a:t>&lt;T&gt;, </a:t>
+            </a:r>
+            <a:r>
+              <a:rPr lang="en-US" dirty="0" err="1"/>
+              <a:t>kde</a:t>
+            </a:r>
+            <a:r>
+              <a:rPr lang="en-US" dirty="0"/>
+              <a:t> T je </a:t>
+            </a:r>
+            <a:r>
+              <a:rPr lang="sk-SK" dirty="0"/>
+              <a:t>očakávaný typ objektu pre dokumenty v kolekcii</a:t>
             </a:r>
           </a:p>
         </p:txBody>
@@ -18861,7 +18710,7 @@
     </p:spTree>
     <p:extLst>
       <p:ext uri="{BB962C8B-B14F-4D97-AF65-F5344CB8AC3E}">
-        <p14:creationId xmlns:p14="http://schemas.microsoft.com/office/powerpoint/2010/main" val="2722879056"/>
+        <p14:creationId xmlns:p14="http://schemas.microsoft.com/office/powerpoint/2010/main" val="4270589077"/>
       </p:ext>
     </p:extLst>
   </p:cSld>
@@ -19139,8 +18988,24 @@
           <a:p>
             <a:pPr algn="just"/>
             <a:r>
+              <a:rPr lang="sk-SK" b="1" dirty="0"/>
+              <a:t>type</a:t>
+            </a:r>
+            <a:r>
+              <a:rPr lang="sk-SK" dirty="0"/>
+              <a:t>: </a:t>
+            </a:r>
+            <a:r>
+              <a:rPr lang="sk-SK" dirty="0" err="1"/>
+              <a:t>cosmosDBTrigger</a:t>
+            </a:r>
+            <a:endParaRPr lang="sk-SK" dirty="0"/>
+          </a:p>
+          <a:p>
+            <a:pPr algn="just"/>
+            <a:r>
               <a:rPr lang="sk-SK" b="1" dirty="0" err="1"/>
-              <a:t>feedPollDelay</a:t>
+              <a:t>direction</a:t>
             </a:r>
             <a:r>
               <a:rPr lang="sk-SK" b="1" dirty="0"/>
@@ -19148,14 +19013,22 @@
             </a:r>
             <a:r>
               <a:rPr lang="sk-SK" dirty="0"/>
-              <a:t>interval (ms) medzi spracovaním zmien na partícii a nasledujúcou kontrolou nových zmien na nej (default je 5000)</a:t>
+              <a:t>in</a:t>
             </a:r>
           </a:p>
           <a:p>
             <a:pPr algn="just"/>
             <a:r>
               <a:rPr lang="sk-SK" b="1" dirty="0" err="1"/>
-              <a:t>maxItemsPerInvocation</a:t>
+              <a:t>connectionStringSetting</a:t>
+            </a:r>
+            <a:r>
+              <a:rPr lang="sk-SK" b="1" dirty="0"/>
+              <a:t>/</a:t>
+            </a:r>
+            <a:r>
+              <a:rPr lang="sk-SK" b="1" dirty="0" err="1"/>
+              <a:t>connection</a:t>
             </a:r>
             <a:r>
               <a:rPr lang="sk-SK" b="1" dirty="0"/>
@@ -19163,14 +19036,38 @@
             </a:r>
             <a:r>
               <a:rPr lang="sk-SK" dirty="0"/>
-              <a:t>maximálny počet dokumentov, ktoré sa môžu spracovávať naraz</a:t>
+              <a:t>názov nastavenia, v ktorom je uložený </a:t>
+            </a:r>
+            <a:r>
+              <a:rPr lang="sk-SK" dirty="0" err="1"/>
+              <a:t>connection</a:t>
+            </a:r>
+            <a:r>
+              <a:rPr lang="sk-SK" dirty="0"/>
+              <a:t> </a:t>
+            </a:r>
+            <a:r>
+              <a:rPr lang="sk-SK" dirty="0" err="1"/>
+              <a:t>string</a:t>
+            </a:r>
+            <a:r>
+              <a:rPr lang="sk-SK" dirty="0"/>
+              <a:t> do </a:t>
+            </a:r>
+            <a:r>
+              <a:rPr lang="sk-SK" dirty="0" err="1"/>
+              <a:t>Cosmos</a:t>
+            </a:r>
+            <a:r>
+              <a:rPr lang="sk-SK" dirty="0"/>
+              <a:t> DB</a:t>
             </a:r>
           </a:p>
           <a:p>
             <a:pPr algn="just"/>
             <a:r>
               <a:rPr lang="sk-SK" b="1" dirty="0" err="1"/>
-              <a:t>startFromBeginning</a:t>
+              <a:t>databaseName</a:t>
             </a:r>
             <a:r>
               <a:rPr lang="sk-SK" b="1" dirty="0"/>
@@ -19178,14 +19075,22 @@
             </a:r>
             <a:r>
               <a:rPr lang="sk-SK" dirty="0"/>
-              <a:t>načíta všetky zmeny od začiatku</a:t>
+              <a:t>názov databázy, ktorá sa sleduje</a:t>
             </a:r>
           </a:p>
           <a:p>
             <a:pPr algn="just"/>
             <a:r>
               <a:rPr lang="sk-SK" b="1" dirty="0" err="1"/>
-              <a:t>preferredLocations</a:t>
+              <a:t>collectionName</a:t>
+            </a:r>
+            <a:r>
+              <a:rPr lang="sk-SK" b="1" dirty="0"/>
+              <a:t>/</a:t>
+            </a:r>
+            <a:r>
+              <a:rPr lang="sk-SK" b="1" dirty="0" err="1"/>
+              <a:t>containerName</a:t>
             </a:r>
             <a:r>
               <a:rPr lang="sk-SK" b="1" dirty="0"/>
@@ -19193,7 +19098,7 @@
             </a:r>
             <a:r>
               <a:rPr lang="sk-SK" dirty="0"/>
-              <a:t>názvy preferovaných regiónov (oddelené čiarkou)</a:t>
+              <a:t>kolekcia, ktorá sa sleduje</a:t>
             </a:r>
           </a:p>
         </p:txBody>
@@ -19201,7 +19106,7 @@
     </p:spTree>
     <p:extLst>
       <p:ext uri="{BB962C8B-B14F-4D97-AF65-F5344CB8AC3E}">
-        <p14:creationId xmlns:p14="http://schemas.microsoft.com/office/powerpoint/2010/main" val="4270623815"/>
+        <p14:creationId xmlns:p14="http://schemas.microsoft.com/office/powerpoint/2010/main" val="2722879056"/>
       </p:ext>
     </p:extLst>
   </p:cSld>
@@ -19246,7 +19151,9 @@
         </p:nvSpPr>
         <p:spPr/>
         <p:txBody>
-          <a:bodyPr/>
+          <a:bodyPr>
+            <a:normAutofit/>
+          </a:bodyPr>
           <a:lstStyle/>
           <a:p>
             <a:pPr algn="l"/>
@@ -19284,7 +19191,7 @@
             </a:r>
             <a:r>
               <a:rPr lang="sk-SK" dirty="0" err="1"/>
-              <a:t>CosmosDBTrigger</a:t>
+              <a:t>function.json</a:t>
             </a:r>
             <a:r>
               <a:rPr lang="sk-SK" dirty="0"/>
@@ -19312,87 +19219,75 @@
         <p:spPr/>
         <p:txBody>
           <a:bodyPr>
-            <a:normAutofit fontScale="92500" lnSpcReduction="10000"/>
+            <a:normAutofit/>
           </a:bodyPr>
           <a:lstStyle/>
           <a:p>
             <a:pPr algn="just"/>
             <a:r>
-              <a:rPr lang="sk-SK" dirty="0" err="1"/>
-              <a:t>ConnectionStringSetting</a:t>
-            </a:r>
-            <a:r>
-              <a:rPr lang="sk-SK" dirty="0"/>
-              <a:t>/</a:t>
-            </a:r>
-            <a:r>
-              <a:rPr lang="sk-SK" dirty="0" err="1"/>
-              <a:t>Connection</a:t>
-            </a:r>
-            <a:endParaRPr lang="sk-SK" dirty="0"/>
+              <a:rPr lang="sk-SK" b="1" dirty="0" err="1"/>
+              <a:t>feedPollDelay</a:t>
+            </a:r>
+            <a:r>
+              <a:rPr lang="sk-SK" b="1" dirty="0"/>
+              <a:t>: </a:t>
+            </a:r>
+            <a:r>
+              <a:rPr lang="sk-SK" dirty="0"/>
+              <a:t>interval (ms) medzi spracovaním zmien na partícii a nasledujúcou kontrolou nových zmien na nej (default je 5000)</a:t>
+            </a:r>
           </a:p>
           <a:p>
             <a:pPr algn="just"/>
             <a:r>
-              <a:rPr lang="sk-SK" dirty="0" err="1"/>
-              <a:t>DatabaseName</a:t>
-            </a:r>
-            <a:endParaRPr lang="sk-SK" dirty="0"/>
+              <a:rPr lang="sk-SK" b="1" dirty="0" err="1"/>
+              <a:t>maxItemsPerInvocation</a:t>
+            </a:r>
+            <a:r>
+              <a:rPr lang="sk-SK" b="1" dirty="0"/>
+              <a:t>: </a:t>
+            </a:r>
+            <a:r>
+              <a:rPr lang="sk-SK" dirty="0"/>
+              <a:t>maximálny počet dokumentov, ktoré sa môžu spracovávať naraz</a:t>
+            </a:r>
           </a:p>
           <a:p>
             <a:pPr algn="just"/>
             <a:r>
-              <a:rPr lang="sk-SK" dirty="0" err="1"/>
-              <a:t>CollectionName</a:t>
-            </a:r>
-            <a:r>
-              <a:rPr lang="sk-SK" dirty="0"/>
-              <a:t>/</a:t>
-            </a:r>
-            <a:r>
-              <a:rPr lang="sk-SK" dirty="0" err="1"/>
-              <a:t>ContainerName</a:t>
-            </a:r>
-            <a:endParaRPr lang="sk-SK" dirty="0"/>
+              <a:rPr lang="sk-SK" b="1" dirty="0" err="1"/>
+              <a:t>startFromBeginning</a:t>
+            </a:r>
+            <a:r>
+              <a:rPr lang="sk-SK" b="1" dirty="0"/>
+              <a:t>: </a:t>
+            </a:r>
+            <a:r>
+              <a:rPr lang="sk-SK" dirty="0"/>
+              <a:t>načíta všetky zmeny od začiatku</a:t>
+            </a:r>
           </a:p>
           <a:p>
             <a:pPr algn="just"/>
             <a:r>
-              <a:rPr lang="sk-SK" dirty="0" err="1"/>
-              <a:t>FeedPollDelay</a:t>
-            </a:r>
-            <a:endParaRPr lang="sk-SK" dirty="0"/>
-          </a:p>
-          <a:p>
-            <a:pPr algn="just"/>
-            <a:r>
-              <a:rPr lang="sk-SK" dirty="0" err="1"/>
-              <a:t>MaxItemsPerInvocation</a:t>
-            </a:r>
-            <a:endParaRPr lang="sk-SK" dirty="0"/>
-          </a:p>
-          <a:p>
-            <a:pPr algn="just"/>
-            <a:r>
-              <a:rPr lang="sk-SK" dirty="0" err="1"/>
-              <a:t>StartFromBeginning</a:t>
-            </a:r>
-            <a:endParaRPr lang="sk-SK" dirty="0"/>
-          </a:p>
-          <a:p>
-            <a:pPr algn="just"/>
-            <a:r>
-              <a:rPr lang="sk-SK" dirty="0" err="1"/>
-              <a:t>PreferredLocations</a:t>
-            </a:r>
-            <a:endParaRPr lang="sk-SK" dirty="0"/>
+              <a:rPr lang="sk-SK" b="1" dirty="0" err="1"/>
+              <a:t>preferredLocations</a:t>
+            </a:r>
+            <a:r>
+              <a:rPr lang="sk-SK" b="1" dirty="0"/>
+              <a:t>: </a:t>
+            </a:r>
+            <a:r>
+              <a:rPr lang="sk-SK" dirty="0"/>
+              <a:t>názvy preferovaných regiónov (oddelené čiarkou)</a:t>
+            </a:r>
           </a:p>
         </p:txBody>
       </p:sp>
     </p:spTree>
     <p:extLst>
       <p:ext uri="{BB962C8B-B14F-4D97-AF65-F5344CB8AC3E}">
-        <p14:creationId xmlns:p14="http://schemas.microsoft.com/office/powerpoint/2010/main" val="1663112990"/>
+        <p14:creationId xmlns:p14="http://schemas.microsoft.com/office/powerpoint/2010/main" val="4270623815"/>
       </p:ext>
     </p:extLst>
   </p:cSld>
@@ -19442,16 +19337,8 @@
           <a:p>
             <a:pPr algn="l"/>
             <a:r>
-              <a:rPr lang="en-US" dirty="0"/>
-              <a:t>Azure Cosmos DB </a:t>
-            </a:r>
-            <a:r>
-              <a:rPr lang="sk-SK" dirty="0"/>
-              <a:t>– </a:t>
-            </a:r>
-            <a:r>
-              <a:rPr lang="en-US" dirty="0"/>
-              <a:t>input</a:t>
+              <a:rPr lang="sk-SK" dirty="0" err="1"/>
+              <a:t>Azure</a:t>
             </a:r>
             <a:r>
               <a:rPr lang="sk-SK" dirty="0"/>
@@ -19459,21 +19346,36 @@
             </a:r>
             <a:r>
               <a:rPr lang="sk-SK" dirty="0" err="1"/>
+              <a:t>Cosmos</a:t>
+            </a:r>
+            <a:r>
+              <a:rPr lang="sk-SK" dirty="0"/>
+              <a:t> DB – </a:t>
+            </a:r>
+            <a:r>
+              <a:rPr lang="sk-SK" dirty="0" err="1"/>
+              <a:t>trigger</a:t>
+            </a:r>
+            <a:r>
+              <a:rPr lang="sk-SK" dirty="0"/>
+              <a:t> </a:t>
+            </a:r>
+            <a:r>
+              <a:rPr lang="sk-SK" dirty="0" err="1"/>
               <a:t>binding</a:t>
             </a:r>
             <a:r>
-              <a:rPr lang="en-US" dirty="0"/>
+              <a:rPr lang="sk-SK" dirty="0"/>
               <a:t> (</a:t>
             </a:r>
             <a:r>
               <a:rPr lang="sk-SK" dirty="0" err="1"/>
-              <a:t>function.json</a:t>
-            </a:r>
-            <a:r>
-              <a:rPr lang="en-US" dirty="0"/>
+              <a:t>CosmosDBTrigger</a:t>
+            </a:r>
+            <a:r>
+              <a:rPr lang="sk-SK" dirty="0"/>
               <a:t>)</a:t>
             </a:r>
-            <a:endParaRPr lang="sk-SK" dirty="0"/>
           </a:p>
         </p:txBody>
       </p:sp>
@@ -19496,223 +19398,87 @@
         <p:spPr/>
         <p:txBody>
           <a:bodyPr>
-            <a:normAutofit fontScale="70000" lnSpcReduction="20000"/>
+            <a:normAutofit fontScale="92500" lnSpcReduction="10000"/>
           </a:bodyPr>
           <a:lstStyle/>
           <a:p>
             <a:pPr algn="just"/>
             <a:r>
-              <a:rPr lang="sk-SK" b="1" dirty="0"/>
-              <a:t>type</a:t>
-            </a:r>
-            <a:r>
-              <a:rPr lang="sk-SK" dirty="0"/>
-              <a:t>: </a:t>
-            </a:r>
-            <a:r>
-              <a:rPr lang="en-US" dirty="0" err="1"/>
-              <a:t>cosmosDB</a:t>
+              <a:rPr lang="sk-SK" dirty="0" err="1"/>
+              <a:t>ConnectionStringSetting</a:t>
+            </a:r>
+            <a:r>
+              <a:rPr lang="sk-SK" dirty="0"/>
+              <a:t>/</a:t>
+            </a:r>
+            <a:r>
+              <a:rPr lang="sk-SK" dirty="0" err="1"/>
+              <a:t>Connection</a:t>
             </a:r>
             <a:endParaRPr lang="sk-SK" dirty="0"/>
           </a:p>
           <a:p>
             <a:pPr algn="just"/>
             <a:r>
-              <a:rPr lang="sk-SK" b="1" dirty="0" err="1"/>
-              <a:t>direction</a:t>
-            </a:r>
-            <a:r>
-              <a:rPr lang="sk-SK" b="1" dirty="0"/>
-              <a:t>: </a:t>
-            </a:r>
-            <a:r>
-              <a:rPr lang="en-US" dirty="0"/>
-              <a:t>in</a:t>
+              <a:rPr lang="sk-SK" dirty="0" err="1"/>
+              <a:t>DatabaseName</a:t>
             </a:r>
             <a:endParaRPr lang="sk-SK" dirty="0"/>
           </a:p>
           <a:p>
             <a:pPr algn="just"/>
             <a:r>
-              <a:rPr lang="sk-SK" b="1" dirty="0" err="1"/>
-              <a:t>name</a:t>
-            </a:r>
-            <a:r>
-              <a:rPr lang="sk-SK" b="1" dirty="0"/>
-              <a:t>:</a:t>
-            </a:r>
-            <a:r>
-              <a:rPr lang="sk-SK" dirty="0"/>
-              <a:t> názov premennej, ktorá </a:t>
-            </a:r>
-            <a:r>
-              <a:rPr lang="en-US" dirty="0" err="1"/>
-              <a:t>dokument</a:t>
-            </a:r>
-            <a:r>
-              <a:rPr lang="en-US" dirty="0"/>
-              <a:t> </a:t>
-            </a:r>
-            <a:r>
-              <a:rPr lang="en-US" dirty="0" err="1"/>
-              <a:t>reprezentuje</a:t>
-            </a:r>
-            <a:r>
-              <a:rPr lang="en-US" dirty="0"/>
-              <a:t> v k</a:t>
-            </a:r>
-            <a:r>
-              <a:rPr lang="sk-SK" dirty="0"/>
-              <a:t>óde</a:t>
-            </a:r>
+              <a:rPr lang="sk-SK" dirty="0" err="1"/>
+              <a:t>CollectionName</a:t>
+            </a:r>
+            <a:r>
+              <a:rPr lang="sk-SK" dirty="0"/>
+              <a:t>/</a:t>
+            </a:r>
+            <a:r>
+              <a:rPr lang="sk-SK" dirty="0" err="1"/>
+              <a:t>ContainerName</a:t>
+            </a:r>
+            <a:endParaRPr lang="sk-SK" dirty="0"/>
           </a:p>
           <a:p>
             <a:pPr algn="just"/>
             <a:r>
-              <a:rPr lang="en-US" b="1" dirty="0" err="1"/>
-              <a:t>databaseName</a:t>
-            </a:r>
-            <a:r>
-              <a:rPr lang="en-US" b="1" dirty="0"/>
-              <a:t>:</a:t>
-            </a:r>
-            <a:r>
-              <a:rPr lang="en-US" dirty="0"/>
-              <a:t> </a:t>
-            </a:r>
-            <a:r>
-              <a:rPr lang="en-US" dirty="0" err="1"/>
-              <a:t>datab</a:t>
-            </a:r>
-            <a:r>
-              <a:rPr lang="sk-SK" dirty="0" err="1"/>
-              <a:t>áza</a:t>
-            </a:r>
-            <a:r>
-              <a:rPr lang="sk-SK" dirty="0"/>
-              <a:t>, do ktorej dokument patrí</a:t>
-            </a:r>
+              <a:rPr lang="sk-SK" dirty="0" err="1"/>
+              <a:t>FeedPollDelay</a:t>
+            </a:r>
+            <a:endParaRPr lang="sk-SK" dirty="0"/>
           </a:p>
           <a:p>
             <a:pPr algn="just"/>
             <a:r>
-              <a:rPr lang="sk-SK" b="1" dirty="0" err="1"/>
-              <a:t>collectionName</a:t>
-            </a:r>
-            <a:r>
-              <a:rPr lang="sk-SK" b="1" dirty="0"/>
-              <a:t>/</a:t>
-            </a:r>
-            <a:r>
-              <a:rPr lang="sk-SK" b="1" dirty="0" err="1"/>
-              <a:t>containerName</a:t>
-            </a:r>
-            <a:r>
-              <a:rPr lang="sk-SK" b="1" dirty="0"/>
-              <a:t>: </a:t>
-            </a:r>
-            <a:r>
-              <a:rPr lang="sk-SK" dirty="0"/>
-              <a:t>kolekcia, do ktorej dokument patrí</a:t>
-            </a:r>
+              <a:rPr lang="sk-SK" dirty="0" err="1"/>
+              <a:t>MaxItemsPerInvocation</a:t>
+            </a:r>
+            <a:endParaRPr lang="sk-SK" dirty="0"/>
           </a:p>
           <a:p>
             <a:pPr algn="just"/>
             <a:r>
-              <a:rPr lang="sk-SK" b="1" dirty="0"/>
-              <a:t>id: </a:t>
-            </a:r>
-            <a:r>
-              <a:rPr lang="sk-SK" dirty="0"/>
-              <a:t>ID dokumentu, nemôže byť nastavené, ak sa používa </a:t>
-            </a:r>
-            <a:r>
-              <a:rPr lang="sk-SK" dirty="0" err="1"/>
-              <a:t>sqlQuery</a:t>
+              <a:rPr lang="sk-SK" dirty="0" err="1"/>
+              <a:t>StartFromBeginning</a:t>
             </a:r>
             <a:endParaRPr lang="sk-SK" dirty="0"/>
           </a:p>
           <a:p>
             <a:pPr algn="just"/>
             <a:r>
-              <a:rPr lang="sk-SK" b="1" dirty="0" err="1"/>
-              <a:t>sqlQuery</a:t>
-            </a:r>
-            <a:r>
-              <a:rPr lang="sk-SK" b="1" dirty="0"/>
-              <a:t>:</a:t>
-            </a:r>
-            <a:r>
-              <a:rPr lang="sk-SK" dirty="0"/>
-              <a:t> </a:t>
-            </a:r>
-            <a:r>
-              <a:rPr lang="sk-SK" dirty="0" err="1"/>
-              <a:t>query</a:t>
-            </a:r>
-            <a:r>
-              <a:rPr lang="sk-SK" dirty="0"/>
-              <a:t> na vytiahnutie viacerých dokumentov</a:t>
-            </a:r>
-          </a:p>
-          <a:p>
-            <a:pPr algn="just"/>
-            <a:r>
-              <a:rPr lang="sk-SK" b="1" dirty="0" err="1"/>
-              <a:t>connectionStringSetting</a:t>
-            </a:r>
-            <a:r>
-              <a:rPr lang="sk-SK" b="1" dirty="0"/>
-              <a:t>/</a:t>
-            </a:r>
-            <a:r>
-              <a:rPr lang="sk-SK" b="1" dirty="0" err="1"/>
-              <a:t>connection</a:t>
-            </a:r>
-            <a:r>
-              <a:rPr lang="sk-SK" b="1" dirty="0"/>
-              <a:t>: </a:t>
-            </a:r>
-            <a:r>
-              <a:rPr lang="sk-SK" dirty="0"/>
-              <a:t>názov nastavenia s </a:t>
-            </a:r>
-            <a:r>
-              <a:rPr lang="sk-SK" dirty="0" err="1"/>
-              <a:t>connection</a:t>
-            </a:r>
-            <a:r>
-              <a:rPr lang="sk-SK" dirty="0"/>
-              <a:t> </a:t>
-            </a:r>
-            <a:r>
-              <a:rPr lang="sk-SK" dirty="0" err="1"/>
-              <a:t>string-om</a:t>
+              <a:rPr lang="sk-SK" dirty="0" err="1"/>
+              <a:t>PreferredLocations</a:t>
             </a:r>
             <a:endParaRPr lang="sk-SK" dirty="0"/>
-          </a:p>
-          <a:p>
-            <a:pPr algn="just"/>
-            <a:r>
-              <a:rPr lang="sk-SK" b="1" dirty="0" err="1"/>
-              <a:t>partitionKey</a:t>
-            </a:r>
-            <a:r>
-              <a:rPr lang="sk-SK" b="1" dirty="0"/>
-              <a:t>: </a:t>
-            </a:r>
-            <a:r>
-              <a:rPr lang="sk-SK" dirty="0"/>
-              <a:t>špecifikuje partíciu pre dokument</a:t>
-            </a:r>
-            <a:endParaRPr lang="sk-SK" b="1" dirty="0"/>
           </a:p>
         </p:txBody>
       </p:sp>
     </p:spTree>
     <p:extLst>
       <p:ext uri="{BB962C8B-B14F-4D97-AF65-F5344CB8AC3E}">
-        <p14:creationId xmlns:p14="http://schemas.microsoft.com/office/powerpoint/2010/main" val="3125929113"/>
+        <p14:creationId xmlns:p14="http://schemas.microsoft.com/office/powerpoint/2010/main" val="1663112990"/>
       </p:ext>
     </p:extLst>
   </p:cSld>
@@ -19762,20 +19528,12 @@
           <a:p>
             <a:pPr algn="l"/>
             <a:r>
-              <a:rPr lang="sk-SK" dirty="0" err="1"/>
-              <a:t>Azure</a:t>
-            </a:r>
-            <a:r>
-              <a:rPr lang="sk-SK" dirty="0"/>
-              <a:t> </a:t>
-            </a:r>
-            <a:r>
-              <a:rPr lang="sk-SK" dirty="0" err="1"/>
-              <a:t>Cosmos</a:t>
-            </a:r>
-            <a:r>
-              <a:rPr lang="sk-SK" dirty="0"/>
-              <a:t> DB – </a:t>
+              <a:rPr lang="en-US" dirty="0"/>
+              <a:t>Azure Cosmos DB </a:t>
+            </a:r>
+            <a:r>
+              <a:rPr lang="sk-SK" dirty="0"/>
+              <a:t>– </a:t>
             </a:r>
             <a:r>
               <a:rPr lang="en-US" dirty="0"/>
@@ -19795,7 +19553,7 @@
             </a:r>
             <a:r>
               <a:rPr lang="sk-SK" dirty="0" err="1"/>
-              <a:t>CosmosDB</a:t>
+              <a:t>function.json</a:t>
             </a:r>
             <a:r>
               <a:rPr lang="en-US" dirty="0"/>
@@ -19824,82 +19582,223 @@
         <p:spPr/>
         <p:txBody>
           <a:bodyPr>
-            <a:normAutofit/>
+            <a:normAutofit fontScale="70000" lnSpcReduction="20000"/>
           </a:bodyPr>
           <a:lstStyle/>
           <a:p>
             <a:pPr algn="just"/>
             <a:r>
-              <a:rPr lang="sk-SK" dirty="0"/>
-              <a:t>D</a:t>
+              <a:rPr lang="sk-SK" b="1" dirty="0"/>
+              <a:t>type</a:t>
+            </a:r>
+            <a:r>
+              <a:rPr lang="sk-SK" dirty="0"/>
+              <a:t>: </a:t>
             </a:r>
             <a:r>
               <a:rPr lang="en-US" dirty="0" err="1"/>
-              <a:t>atabaseName</a:t>
+              <a:t>cosmosDB</a:t>
             </a:r>
             <a:endParaRPr lang="sk-SK" dirty="0"/>
           </a:p>
           <a:p>
             <a:pPr algn="just"/>
             <a:r>
-              <a:rPr lang="sk-SK" dirty="0" err="1"/>
-              <a:t>CollectionName</a:t>
-            </a:r>
-            <a:r>
-              <a:rPr lang="sk-SK" dirty="0"/>
+              <a:rPr lang="sk-SK" b="1" dirty="0" err="1"/>
+              <a:t>direction</a:t>
+            </a:r>
+            <a:r>
+              <a:rPr lang="sk-SK" b="1" dirty="0"/>
+              <a:t>: </a:t>
+            </a:r>
+            <a:r>
+              <a:rPr lang="en-US" dirty="0"/>
+              <a:t>in</a:t>
+            </a:r>
+            <a:endParaRPr lang="sk-SK" dirty="0"/>
+          </a:p>
+          <a:p>
+            <a:pPr algn="just"/>
+            <a:r>
+              <a:rPr lang="sk-SK" b="1" dirty="0" err="1"/>
+              <a:t>name</a:t>
+            </a:r>
+            <a:r>
+              <a:rPr lang="sk-SK" b="1" dirty="0"/>
+              <a:t>:</a:t>
+            </a:r>
+            <a:r>
+              <a:rPr lang="sk-SK" dirty="0"/>
+              <a:t> názov premennej, ktorá </a:t>
+            </a:r>
+            <a:r>
+              <a:rPr lang="en-US" dirty="0" err="1"/>
+              <a:t>dokument</a:t>
+            </a:r>
+            <a:r>
+              <a:rPr lang="en-US" dirty="0"/>
+              <a:t> </a:t>
+            </a:r>
+            <a:r>
+              <a:rPr lang="en-US" dirty="0" err="1"/>
+              <a:t>reprezentuje</a:t>
+            </a:r>
+            <a:r>
+              <a:rPr lang="en-US" dirty="0"/>
+              <a:t> v k</a:t>
+            </a:r>
+            <a:r>
+              <a:rPr lang="sk-SK" dirty="0"/>
+              <a:t>óde</a:t>
+            </a:r>
+          </a:p>
+          <a:p>
+            <a:pPr algn="just"/>
+            <a:r>
+              <a:rPr lang="en-US" b="1" dirty="0" err="1"/>
+              <a:t>databaseName</a:t>
+            </a:r>
+            <a:r>
+              <a:rPr lang="en-US" b="1" dirty="0"/>
+              <a:t>:</a:t>
+            </a:r>
+            <a:r>
+              <a:rPr lang="en-US" dirty="0"/>
+              <a:t> </a:t>
+            </a:r>
+            <a:r>
+              <a:rPr lang="en-US" dirty="0" err="1"/>
+              <a:t>datab</a:t>
+            </a:r>
+            <a:r>
+              <a:rPr lang="sk-SK" dirty="0" err="1"/>
+              <a:t>áza</a:t>
+            </a:r>
+            <a:r>
+              <a:rPr lang="sk-SK" dirty="0"/>
+              <a:t>, do ktorej dokument patrí</a:t>
+            </a:r>
+          </a:p>
+          <a:p>
+            <a:pPr algn="just"/>
+            <a:r>
+              <a:rPr lang="sk-SK" b="1" dirty="0" err="1"/>
+              <a:t>collectionName</a:t>
+            </a:r>
+            <a:r>
+              <a:rPr lang="sk-SK" b="1" dirty="0"/>
               <a:t>/</a:t>
             </a:r>
             <a:r>
-              <a:rPr lang="sk-SK" dirty="0" err="1"/>
-              <a:t>ContainerName</a:t>
+              <a:rPr lang="sk-SK" b="1" dirty="0" err="1"/>
+              <a:t>containerName</a:t>
+            </a:r>
+            <a:r>
+              <a:rPr lang="sk-SK" b="1" dirty="0"/>
+              <a:t>: </a:t>
+            </a:r>
+            <a:r>
+              <a:rPr lang="sk-SK" dirty="0"/>
+              <a:t>kolekcia, do ktorej dokument patrí</a:t>
+            </a:r>
+          </a:p>
+          <a:p>
+            <a:pPr algn="just"/>
+            <a:r>
+              <a:rPr lang="sk-SK" b="1" dirty="0"/>
+              <a:t>id: </a:t>
+            </a:r>
+            <a:r>
+              <a:rPr lang="sk-SK" dirty="0"/>
+              <a:t>ID dokumentu, nemôže byť nastavené, ak sa používa </a:t>
+            </a:r>
+            <a:r>
+              <a:rPr lang="sk-SK" dirty="0" err="1"/>
+              <a:t>sqlQuery</a:t>
             </a:r>
             <a:endParaRPr lang="sk-SK" dirty="0"/>
           </a:p>
           <a:p>
             <a:pPr algn="just"/>
             <a:r>
-              <a:rPr lang="sk-SK" dirty="0"/>
-              <a:t>Id</a:t>
+              <a:rPr lang="sk-SK" b="1" dirty="0" err="1"/>
+              <a:t>sqlQuery</a:t>
+            </a:r>
+            <a:r>
+              <a:rPr lang="sk-SK" b="1" dirty="0"/>
+              <a:t>:</a:t>
+            </a:r>
+            <a:r>
+              <a:rPr lang="sk-SK" dirty="0"/>
+              <a:t> </a:t>
+            </a:r>
+            <a:r>
+              <a:rPr lang="sk-SK" dirty="0" err="1"/>
+              <a:t>query</a:t>
+            </a:r>
+            <a:r>
+              <a:rPr lang="sk-SK" dirty="0"/>
+              <a:t> na vytiahnutie viacerých dokumentov</a:t>
             </a:r>
           </a:p>
           <a:p>
             <a:pPr algn="just"/>
             <a:r>
-              <a:rPr lang="sk-SK" dirty="0" err="1"/>
-              <a:t>SqlQuery</a:t>
+              <a:rPr lang="sk-SK" b="1" dirty="0" err="1"/>
+              <a:t>connectionStringSetting</a:t>
+            </a:r>
+            <a:r>
+              <a:rPr lang="sk-SK" b="1" dirty="0"/>
+              <a:t>/</a:t>
+            </a:r>
+            <a:r>
+              <a:rPr lang="sk-SK" b="1" dirty="0" err="1"/>
+              <a:t>connection</a:t>
+            </a:r>
+            <a:r>
+              <a:rPr lang="sk-SK" b="1" dirty="0"/>
+              <a:t>: </a:t>
+            </a:r>
+            <a:r>
+              <a:rPr lang="sk-SK" dirty="0"/>
+              <a:t>názov nastavenia s </a:t>
+            </a:r>
+            <a:r>
+              <a:rPr lang="sk-SK" dirty="0" err="1"/>
+              <a:t>connection</a:t>
+            </a:r>
+            <a:r>
+              <a:rPr lang="sk-SK" dirty="0"/>
+              <a:t> </a:t>
+            </a:r>
+            <a:r>
+              <a:rPr lang="sk-SK" dirty="0" err="1"/>
+              <a:t>string-om</a:t>
             </a:r>
             <a:endParaRPr lang="sk-SK" dirty="0"/>
           </a:p>
           <a:p>
             <a:pPr algn="just"/>
             <a:r>
-              <a:rPr lang="sk-SK" dirty="0" err="1"/>
-              <a:t>ConnectionStringSetting</a:t>
-            </a:r>
-            <a:r>
-              <a:rPr lang="sk-SK" dirty="0"/>
-              <a:t>/</a:t>
-            </a:r>
-            <a:r>
-              <a:rPr lang="sk-SK" dirty="0" err="1"/>
-              <a:t>Connection</a:t>
-            </a:r>
-            <a:endParaRPr lang="sk-SK" dirty="0"/>
-          </a:p>
-          <a:p>
-            <a:pPr algn="just"/>
-            <a:r>
-              <a:rPr lang="sk-SK" dirty="0" err="1"/>
-              <a:t>PartitionKey</a:t>
-            </a:r>
-            <a:endParaRPr lang="sk-SK" dirty="0"/>
+              <a:rPr lang="sk-SK" b="1" dirty="0" err="1"/>
+              <a:t>partitionKey</a:t>
+            </a:r>
+            <a:r>
+              <a:rPr lang="sk-SK" b="1" dirty="0"/>
+              <a:t>: </a:t>
+            </a:r>
+            <a:r>
+              <a:rPr lang="sk-SK" dirty="0"/>
+              <a:t>špecifikuje partíciu pre dokument</a:t>
+            </a:r>
+            <a:endParaRPr lang="sk-SK" b="1" dirty="0"/>
           </a:p>
         </p:txBody>
       </p:sp>
     </p:spTree>
     <p:extLst>
       <p:ext uri="{BB962C8B-B14F-4D97-AF65-F5344CB8AC3E}">
-        <p14:creationId xmlns:p14="http://schemas.microsoft.com/office/powerpoint/2010/main" val="3137043913"/>
+        <p14:creationId xmlns:p14="http://schemas.microsoft.com/office/powerpoint/2010/main" val="3125929113"/>
       </p:ext>
     </p:extLst>
   </p:cSld>
@@ -19962,24 +19861,33 @@
             </a:r>
             <a:r>
               <a:rPr lang="sk-SK" dirty="0"/>
-              <a:t> DB – output </a:t>
+              <a:t> DB – </a:t>
+            </a:r>
+            <a:r>
+              <a:rPr lang="en-US" dirty="0"/>
+              <a:t>input</a:t>
+            </a:r>
+            <a:r>
+              <a:rPr lang="sk-SK" dirty="0"/>
+              <a:t> </a:t>
             </a:r>
             <a:r>
               <a:rPr lang="sk-SK" dirty="0" err="1"/>
               <a:t>binding</a:t>
             </a:r>
             <a:r>
-              <a:rPr lang="sk-SK" dirty="0"/>
+              <a:rPr lang="en-US" dirty="0"/>
               <a:t> (</a:t>
             </a:r>
             <a:r>
               <a:rPr lang="sk-SK" dirty="0" err="1"/>
-              <a:t>function.json</a:t>
-            </a:r>
-            <a:r>
-              <a:rPr lang="sk-SK" dirty="0"/>
+              <a:t>CosmosDB</a:t>
+            </a:r>
+            <a:r>
+              <a:rPr lang="en-US" dirty="0"/>
               <a:t>)</a:t>
             </a:r>
+            <a:endParaRPr lang="sk-SK" dirty="0"/>
           </a:p>
         </p:txBody>
       </p:sp>
@@ -20002,248 +19910,73 @@
         <p:spPr/>
         <p:txBody>
           <a:bodyPr>
-            <a:normAutofit fontScale="70000" lnSpcReduction="20000"/>
+            <a:normAutofit/>
           </a:bodyPr>
           <a:lstStyle/>
           <a:p>
             <a:pPr algn="just"/>
             <a:r>
-              <a:rPr lang="sk-SK" b="1" dirty="0"/>
-              <a:t>type</a:t>
-            </a:r>
-            <a:r>
-              <a:rPr lang="sk-SK" dirty="0"/>
-              <a:t>: </a:t>
-            </a:r>
-            <a:r>
-              <a:rPr lang="sk-SK" dirty="0" err="1"/>
-              <a:t>cosmosDB</a:t>
+              <a:rPr lang="sk-SK" dirty="0"/>
+              <a:t>D</a:t>
+            </a:r>
+            <a:r>
+              <a:rPr lang="en-US" dirty="0" err="1"/>
+              <a:t>atabaseName</a:t>
             </a:r>
             <a:endParaRPr lang="sk-SK" dirty="0"/>
           </a:p>
           <a:p>
             <a:pPr algn="just"/>
             <a:r>
-              <a:rPr lang="sk-SK" b="1" dirty="0" err="1"/>
-              <a:t>direction</a:t>
-            </a:r>
-            <a:r>
-              <a:rPr lang="sk-SK" b="1" dirty="0"/>
-              <a:t>: </a:t>
-            </a:r>
-            <a:r>
-              <a:rPr lang="sk-SK" dirty="0" err="1"/>
-              <a:t>out</a:t>
+              <a:rPr lang="sk-SK" dirty="0" err="1"/>
+              <a:t>CollectionName</a:t>
+            </a:r>
+            <a:r>
+              <a:rPr lang="sk-SK" dirty="0"/>
+              <a:t>/</a:t>
+            </a:r>
+            <a:r>
+              <a:rPr lang="sk-SK" dirty="0" err="1"/>
+              <a:t>ContainerName</a:t>
             </a:r>
             <a:endParaRPr lang="sk-SK" dirty="0"/>
           </a:p>
           <a:p>
             <a:pPr algn="just"/>
             <a:r>
-              <a:rPr lang="sk-SK" b="1" dirty="0" err="1"/>
-              <a:t>name</a:t>
-            </a:r>
-            <a:r>
-              <a:rPr lang="sk-SK" b="1" dirty="0"/>
-              <a:t>:</a:t>
-            </a:r>
-            <a:r>
-              <a:rPr lang="sk-SK" dirty="0"/>
-              <a:t> názov premennej, ktorá dokument</a:t>
-            </a:r>
-            <a:r>
-              <a:rPr lang="en-US" dirty="0"/>
-              <a:t> </a:t>
-            </a:r>
-            <a:r>
-              <a:rPr lang="en-US" dirty="0" err="1"/>
-              <a:t>reprezentuje</a:t>
-            </a:r>
-            <a:r>
-              <a:rPr lang="en-US" dirty="0"/>
-              <a:t> v k</a:t>
-            </a:r>
-            <a:r>
-              <a:rPr lang="sk-SK" dirty="0"/>
-              <a:t>óde</a:t>
+              <a:rPr lang="sk-SK" dirty="0"/>
+              <a:t>Id</a:t>
             </a:r>
           </a:p>
           <a:p>
             <a:pPr algn="just"/>
             <a:r>
-              <a:rPr lang="en-US" b="1" dirty="0" err="1"/>
-              <a:t>databaseName</a:t>
-            </a:r>
-            <a:r>
-              <a:rPr lang="en-US" b="1" dirty="0"/>
-              <a:t>:</a:t>
-            </a:r>
-            <a:r>
-              <a:rPr lang="en-US" dirty="0"/>
-              <a:t> </a:t>
-            </a:r>
-            <a:r>
-              <a:rPr lang="en-US" dirty="0" err="1"/>
-              <a:t>datab</a:t>
-            </a:r>
-            <a:r>
-              <a:rPr lang="sk-SK" dirty="0" err="1"/>
-              <a:t>áza</a:t>
-            </a:r>
-            <a:r>
-              <a:rPr lang="sk-SK" dirty="0"/>
-              <a:t>, do ktorej sa má vytvoriť dokument</a:t>
-            </a:r>
+              <a:rPr lang="sk-SK" dirty="0" err="1"/>
+              <a:t>SqlQuery</a:t>
+            </a:r>
+            <a:endParaRPr lang="sk-SK" dirty="0"/>
           </a:p>
           <a:p>
             <a:pPr algn="just"/>
             <a:r>
-              <a:rPr lang="sk-SK" b="1" dirty="0" err="1"/>
-              <a:t>collectionName</a:t>
-            </a:r>
-            <a:r>
-              <a:rPr lang="sk-SK" b="1" dirty="0"/>
+              <a:rPr lang="sk-SK" dirty="0" err="1"/>
+              <a:t>ConnectionStringSetting</a:t>
+            </a:r>
+            <a:r>
+              <a:rPr lang="sk-SK" dirty="0"/>
               <a:t>/</a:t>
             </a:r>
             <a:r>
-              <a:rPr lang="sk-SK" b="1" dirty="0" err="1"/>
-              <a:t>containerName</a:t>
-            </a:r>
-            <a:r>
-              <a:rPr lang="sk-SK" b="1" dirty="0"/>
-              <a:t>: </a:t>
-            </a:r>
-            <a:r>
-              <a:rPr lang="sk-SK" dirty="0"/>
-              <a:t>kolekcia, do ktorej sa má vytvoriť dokument</a:t>
-            </a:r>
+              <a:rPr lang="sk-SK" dirty="0" err="1"/>
+              <a:t>Connection</a:t>
+            </a:r>
+            <a:endParaRPr lang="sk-SK" dirty="0"/>
           </a:p>
           <a:p>
             <a:pPr algn="just"/>
             <a:r>
-              <a:rPr lang="sk-SK" b="1" dirty="0" err="1"/>
-              <a:t>createIfNotExists</a:t>
-            </a:r>
-            <a:r>
-              <a:rPr lang="sk-SK" b="1" dirty="0"/>
-              <a:t>: </a:t>
-            </a:r>
-            <a:r>
-              <a:rPr lang="sk-SK" dirty="0"/>
-              <a:t>či sa má kolekcia vytvoriť, ak neexistuje (default je </a:t>
-            </a:r>
-            <a:r>
-              <a:rPr lang="sk-SK" i="1" dirty="0" err="1"/>
-              <a:t>false</a:t>
-            </a:r>
-            <a:r>
-              <a:rPr lang="sk-SK" dirty="0"/>
-              <a:t>)</a:t>
-            </a:r>
-          </a:p>
-          <a:p>
-            <a:pPr algn="just"/>
-            <a:r>
-              <a:rPr lang="sk-SK" b="1" dirty="0" err="1"/>
-              <a:t>partitionKey</a:t>
-            </a:r>
-            <a:r>
-              <a:rPr lang="sk-SK" b="1" dirty="0"/>
-              <a:t>: </a:t>
-            </a:r>
-            <a:r>
-              <a:rPr lang="sk-SK" dirty="0"/>
-              <a:t>ak je nastavené </a:t>
-            </a:r>
-            <a:r>
-              <a:rPr lang="sk-SK" i="1" dirty="0" err="1"/>
-              <a:t>createIfNotExists</a:t>
-            </a:r>
-            <a:r>
-              <a:rPr lang="sk-SK" dirty="0"/>
-              <a:t> na </a:t>
-            </a:r>
-            <a:r>
-              <a:rPr lang="sk-SK" i="1" dirty="0" err="1"/>
-              <a:t>true</a:t>
-            </a:r>
-            <a:r>
-              <a:rPr lang="sk-SK" dirty="0"/>
-              <a:t>, špecifikuje partíciu pre kolekciu</a:t>
-            </a:r>
-          </a:p>
-          <a:p>
-            <a:pPr algn="just"/>
-            <a:r>
-              <a:rPr lang="sk-SK" b="1" dirty="0" err="1"/>
-              <a:t>collectionTrhroughput</a:t>
-            </a:r>
-            <a:r>
-              <a:rPr lang="sk-SK" b="1" dirty="0"/>
-              <a:t>: </a:t>
-            </a:r>
-            <a:r>
-              <a:rPr lang="sk-SK" dirty="0"/>
-              <a:t>ak je nastavené </a:t>
-            </a:r>
-            <a:r>
-              <a:rPr lang="sk-SK" i="1" dirty="0" err="1"/>
-              <a:t>createIfNotExists</a:t>
-            </a:r>
-            <a:r>
-              <a:rPr lang="sk-SK" dirty="0"/>
-              <a:t> na </a:t>
-            </a:r>
-            <a:r>
-              <a:rPr lang="sk-SK" i="1" dirty="0" err="1"/>
-              <a:t>true</a:t>
-            </a:r>
-            <a:r>
-              <a:rPr lang="sk-SK" dirty="0"/>
-              <a:t>, špecifikuje </a:t>
-            </a:r>
-            <a:r>
-              <a:rPr lang="sk-SK" dirty="0" err="1"/>
-              <a:t>throughput</a:t>
-            </a:r>
-            <a:r>
-              <a:rPr lang="sk-SK" dirty="0"/>
-              <a:t> pre kolekciu</a:t>
-            </a:r>
-          </a:p>
-          <a:p>
-            <a:pPr algn="just"/>
-            <a:r>
-              <a:rPr lang="sk-SK" b="1" dirty="0" err="1"/>
-              <a:t>connectionStringSetting</a:t>
-            </a:r>
-            <a:r>
-              <a:rPr lang="sk-SK" b="1" dirty="0"/>
-              <a:t>/</a:t>
-            </a:r>
-            <a:r>
-              <a:rPr lang="sk-SK" b="1" dirty="0" err="1"/>
-              <a:t>connection</a:t>
-            </a:r>
-            <a:r>
-              <a:rPr lang="sk-SK" b="1" dirty="0"/>
-              <a:t>: </a:t>
-            </a:r>
-            <a:r>
-              <a:rPr lang="sk-SK" dirty="0"/>
-              <a:t>názov nastavenia s </a:t>
-            </a:r>
-            <a:r>
-              <a:rPr lang="sk-SK" dirty="0" err="1"/>
-              <a:t>connection</a:t>
-            </a:r>
-            <a:r>
-              <a:rPr lang="sk-SK" dirty="0"/>
-              <a:t> </a:t>
-            </a:r>
-            <a:r>
-              <a:rPr lang="sk-SK" dirty="0" err="1"/>
-              <a:t>string-om</a:t>
+              <a:rPr lang="sk-SK" dirty="0" err="1"/>
+              <a:t>PartitionKey</a:t>
             </a:r>
             <a:endParaRPr lang="sk-SK" dirty="0"/>
           </a:p>
@@ -20252,7 +19985,7 @@
     </p:spTree>
     <p:extLst>
       <p:ext uri="{BB962C8B-B14F-4D97-AF65-F5344CB8AC3E}">
-        <p14:creationId xmlns:p14="http://schemas.microsoft.com/office/powerpoint/2010/main" val="1280259689"/>
+        <p14:creationId xmlns:p14="http://schemas.microsoft.com/office/powerpoint/2010/main" val="3137043913"/>
       </p:ext>
     </p:extLst>
   </p:cSld>
@@ -20327,7 +20060,7 @@
             </a:r>
             <a:r>
               <a:rPr lang="sk-SK" dirty="0" err="1"/>
-              <a:t>CosmosDB</a:t>
+              <a:t>function.json</a:t>
             </a:r>
             <a:r>
               <a:rPr lang="sk-SK" dirty="0"/>
@@ -20355,74 +20088,248 @@
         <p:spPr/>
         <p:txBody>
           <a:bodyPr>
-            <a:normAutofit/>
+            <a:normAutofit fontScale="70000" lnSpcReduction="20000"/>
           </a:bodyPr>
           <a:lstStyle/>
           <a:p>
             <a:pPr algn="just"/>
             <a:r>
-              <a:rPr lang="sk-SK" dirty="0"/>
-              <a:t>D</a:t>
+              <a:rPr lang="sk-SK" b="1" dirty="0"/>
+              <a:t>type</a:t>
+            </a:r>
+            <a:r>
+              <a:rPr lang="sk-SK" dirty="0"/>
+              <a:t>: </a:t>
+            </a:r>
+            <a:r>
+              <a:rPr lang="sk-SK" dirty="0" err="1"/>
+              <a:t>cosmosDB</a:t>
+            </a:r>
+            <a:endParaRPr lang="sk-SK" dirty="0"/>
+          </a:p>
+          <a:p>
+            <a:pPr algn="just"/>
+            <a:r>
+              <a:rPr lang="sk-SK" b="1" dirty="0" err="1"/>
+              <a:t>direction</a:t>
+            </a:r>
+            <a:r>
+              <a:rPr lang="sk-SK" b="1" dirty="0"/>
+              <a:t>: </a:t>
+            </a:r>
+            <a:r>
+              <a:rPr lang="sk-SK" dirty="0" err="1"/>
+              <a:t>out</a:t>
+            </a:r>
+            <a:endParaRPr lang="sk-SK" dirty="0"/>
+          </a:p>
+          <a:p>
+            <a:pPr algn="just"/>
+            <a:r>
+              <a:rPr lang="sk-SK" b="1" dirty="0" err="1"/>
+              <a:t>name</a:t>
+            </a:r>
+            <a:r>
+              <a:rPr lang="sk-SK" b="1" dirty="0"/>
+              <a:t>:</a:t>
+            </a:r>
+            <a:r>
+              <a:rPr lang="sk-SK" dirty="0"/>
+              <a:t> názov premennej, ktorá dokument</a:t>
+            </a:r>
+            <a:r>
+              <a:rPr lang="en-US" dirty="0"/>
+              <a:t> </a:t>
             </a:r>
             <a:r>
               <a:rPr lang="en-US" dirty="0" err="1"/>
-              <a:t>atabaseName</a:t>
-            </a:r>
-            <a:endParaRPr lang="sk-SK" dirty="0"/>
+              <a:t>reprezentuje</a:t>
+            </a:r>
+            <a:r>
+              <a:rPr lang="en-US" dirty="0"/>
+              <a:t> v k</a:t>
+            </a:r>
+            <a:r>
+              <a:rPr lang="sk-SK" dirty="0"/>
+              <a:t>óde</a:t>
+            </a:r>
           </a:p>
           <a:p>
             <a:pPr algn="just"/>
             <a:r>
-              <a:rPr lang="sk-SK" dirty="0" err="1"/>
-              <a:t>CollectionName</a:t>
-            </a:r>
-            <a:r>
-              <a:rPr lang="sk-SK" dirty="0"/>
+              <a:rPr lang="en-US" b="1" dirty="0" err="1"/>
+              <a:t>databaseName</a:t>
+            </a:r>
+            <a:r>
+              <a:rPr lang="en-US" b="1" dirty="0"/>
+              <a:t>:</a:t>
+            </a:r>
+            <a:r>
+              <a:rPr lang="en-US" dirty="0"/>
+              <a:t> </a:t>
+            </a:r>
+            <a:r>
+              <a:rPr lang="en-US" dirty="0" err="1"/>
+              <a:t>datab</a:t>
+            </a:r>
+            <a:r>
+              <a:rPr lang="sk-SK" dirty="0" err="1"/>
+              <a:t>áza</a:t>
+            </a:r>
+            <a:r>
+              <a:rPr lang="sk-SK" dirty="0"/>
+              <a:t>, do ktorej sa má vytvoriť dokument</a:t>
+            </a:r>
+          </a:p>
+          <a:p>
+            <a:pPr algn="just"/>
+            <a:r>
+              <a:rPr lang="sk-SK" b="1" dirty="0" err="1"/>
+              <a:t>collectionName</a:t>
+            </a:r>
+            <a:r>
+              <a:rPr lang="sk-SK" b="1" dirty="0"/>
               <a:t>/</a:t>
             </a:r>
             <a:r>
-              <a:rPr lang="sk-SK" dirty="0" err="1"/>
-              <a:t>ContainerName</a:t>
-            </a:r>
-            <a:endParaRPr lang="sk-SK" dirty="0"/>
+              <a:rPr lang="sk-SK" b="1" dirty="0" err="1"/>
+              <a:t>containerName</a:t>
+            </a:r>
+            <a:r>
+              <a:rPr lang="sk-SK" b="1" dirty="0"/>
+              <a:t>: </a:t>
+            </a:r>
+            <a:r>
+              <a:rPr lang="sk-SK" dirty="0"/>
+              <a:t>kolekcia, do ktorej sa má vytvoriť dokument</a:t>
+            </a:r>
           </a:p>
           <a:p>
             <a:pPr algn="just"/>
             <a:r>
-              <a:rPr lang="sk-SK" dirty="0" err="1"/>
-              <a:t>CreateIfNotExists</a:t>
-            </a:r>
-            <a:endParaRPr lang="sk-SK" dirty="0"/>
+              <a:rPr lang="sk-SK" b="1" dirty="0" err="1"/>
+              <a:t>createIfNotExists</a:t>
+            </a:r>
+            <a:r>
+              <a:rPr lang="sk-SK" b="1" dirty="0"/>
+              <a:t>: </a:t>
+            </a:r>
+            <a:r>
+              <a:rPr lang="sk-SK" dirty="0"/>
+              <a:t>či sa má kolekcia vytvoriť, ak neexistuje (default je </a:t>
+            </a:r>
+            <a:r>
+              <a:rPr lang="sk-SK" i="1" dirty="0" err="1"/>
+              <a:t>false</a:t>
+            </a:r>
+            <a:r>
+              <a:rPr lang="sk-SK" dirty="0"/>
+              <a:t>)</a:t>
+            </a:r>
           </a:p>
           <a:p>
             <a:pPr algn="just"/>
             <a:r>
-              <a:rPr lang="sk-SK" dirty="0" err="1"/>
-              <a:t>PartitionKey</a:t>
-            </a:r>
-            <a:endParaRPr lang="sk-SK" dirty="0"/>
+              <a:rPr lang="sk-SK" b="1" dirty="0" err="1"/>
+              <a:t>partitionKey</a:t>
+            </a:r>
+            <a:r>
+              <a:rPr lang="sk-SK" b="1" dirty="0"/>
+              <a:t>: </a:t>
+            </a:r>
+            <a:r>
+              <a:rPr lang="sk-SK" dirty="0"/>
+              <a:t>ak je nastavené </a:t>
+            </a:r>
+            <a:r>
+              <a:rPr lang="sk-SK" i="1" dirty="0" err="1"/>
+              <a:t>createIfNotExists</a:t>
+            </a:r>
+            <a:r>
+              <a:rPr lang="sk-SK" dirty="0"/>
+              <a:t> na </a:t>
+            </a:r>
+            <a:r>
+              <a:rPr lang="sk-SK" i="1" dirty="0" err="1"/>
+              <a:t>true</a:t>
+            </a:r>
+            <a:r>
+              <a:rPr lang="sk-SK" dirty="0"/>
+              <a:t>, špecifikuje partíciu pre kolekciu</a:t>
+            </a:r>
           </a:p>
           <a:p>
             <a:pPr algn="just"/>
             <a:r>
-              <a:rPr lang="sk-SK" dirty="0" err="1"/>
-              <a:t>CollectionTrhroughput</a:t>
-            </a:r>
-            <a:endParaRPr lang="sk-SK" dirty="0"/>
+              <a:rPr lang="sk-SK" b="1" dirty="0" err="1"/>
+              <a:t>collectionTrhroughput</a:t>
+            </a:r>
+            <a:r>
+              <a:rPr lang="sk-SK" b="1" dirty="0"/>
+              <a:t>: </a:t>
+            </a:r>
+            <a:r>
+              <a:rPr lang="sk-SK" dirty="0"/>
+              <a:t>ak je nastavené </a:t>
+            </a:r>
+            <a:r>
+              <a:rPr lang="sk-SK" i="1" dirty="0" err="1"/>
+              <a:t>createIfNotExists</a:t>
+            </a:r>
+            <a:r>
+              <a:rPr lang="sk-SK" dirty="0"/>
+              <a:t> na </a:t>
+            </a:r>
+            <a:r>
+              <a:rPr lang="sk-SK" i="1" dirty="0" err="1"/>
+              <a:t>true</a:t>
+            </a:r>
+            <a:r>
+              <a:rPr lang="sk-SK" dirty="0"/>
+              <a:t>, špecifikuje </a:t>
+            </a:r>
+            <a:r>
+              <a:rPr lang="sk-SK" dirty="0" err="1"/>
+              <a:t>throughput</a:t>
+            </a:r>
+            <a:r>
+              <a:rPr lang="sk-SK" dirty="0"/>
+              <a:t> pre kolekciu</a:t>
+            </a:r>
           </a:p>
           <a:p>
             <a:pPr algn="just"/>
             <a:r>
-              <a:rPr lang="sk-SK" dirty="0" err="1"/>
-              <a:t>ConnectionStringSetting</a:t>
-            </a:r>
-            <a:r>
-              <a:rPr lang="sk-SK" dirty="0"/>
+              <a:rPr lang="sk-SK" b="1" dirty="0" err="1"/>
+              <a:t>connectionStringSetting</a:t>
+            </a:r>
+            <a:r>
+              <a:rPr lang="sk-SK" b="1" dirty="0"/>
               <a:t>/</a:t>
             </a:r>
             <a:r>
-              <a:rPr lang="sk-SK" dirty="0" err="1"/>
-              <a:t>Connection</a:t>
+              <a:rPr lang="sk-SK" b="1" dirty="0" err="1"/>
+              <a:t>connection</a:t>
+            </a:r>
+            <a:r>
+              <a:rPr lang="sk-SK" b="1" dirty="0"/>
+              <a:t>: </a:t>
+            </a:r>
+            <a:r>
+              <a:rPr lang="sk-SK" dirty="0"/>
+              <a:t>názov nastavenia s </a:t>
+            </a:r>
+            <a:r>
+              <a:rPr lang="sk-SK" dirty="0" err="1"/>
+              <a:t>connection</a:t>
+            </a:r>
+            <a:r>
+              <a:rPr lang="sk-SK" dirty="0"/>
+              <a:t> </a:t>
+            </a:r>
+            <a:r>
+              <a:rPr lang="sk-SK" dirty="0" err="1"/>
+              <a:t>string-om</a:t>
             </a:r>
             <a:endParaRPr lang="sk-SK" dirty="0"/>
           </a:p>
@@ -20431,7 +20338,7 @@
     </p:spTree>
     <p:extLst>
       <p:ext uri="{BB962C8B-B14F-4D97-AF65-F5344CB8AC3E}">
-        <p14:creationId xmlns:p14="http://schemas.microsoft.com/office/powerpoint/2010/main" val="2631332875"/>
+        <p14:creationId xmlns:p14="http://schemas.microsoft.com/office/powerpoint/2010/main" val="1280259689"/>
       </p:ext>
     </p:extLst>
   </p:cSld>
@@ -20463,6 +20370,185 @@
           <p:cNvPr id="2" name="Nadpis 1">
             <a:extLst>
               <a:ext uri="{FF2B5EF4-FFF2-40B4-BE49-F238E27FC236}">
+                <a16:creationId xmlns:a16="http://schemas.microsoft.com/office/drawing/2014/main" id="{7D03AFBC-F4FB-4C83-AB6F-6763F548D5D3}"/>
+              </a:ext>
+            </a:extLst>
+          </p:cNvPr>
+          <p:cNvSpPr>
+            <a:spLocks noGrp="1"/>
+          </p:cNvSpPr>
+          <p:nvPr>
+            <p:ph type="title"/>
+          </p:nvPr>
+        </p:nvSpPr>
+        <p:spPr/>
+        <p:txBody>
+          <a:bodyPr/>
+          <a:lstStyle/>
+          <a:p>
+            <a:pPr algn="l"/>
+            <a:r>
+              <a:rPr lang="sk-SK" dirty="0" err="1"/>
+              <a:t>Azure</a:t>
+            </a:r>
+            <a:r>
+              <a:rPr lang="sk-SK" dirty="0"/>
+              <a:t> </a:t>
+            </a:r>
+            <a:r>
+              <a:rPr lang="sk-SK" dirty="0" err="1"/>
+              <a:t>Cosmos</a:t>
+            </a:r>
+            <a:r>
+              <a:rPr lang="sk-SK" dirty="0"/>
+              <a:t> DB – output </a:t>
+            </a:r>
+            <a:r>
+              <a:rPr lang="sk-SK" dirty="0" err="1"/>
+              <a:t>binding</a:t>
+            </a:r>
+            <a:r>
+              <a:rPr lang="sk-SK" dirty="0"/>
+              <a:t> (</a:t>
+            </a:r>
+            <a:r>
+              <a:rPr lang="sk-SK" dirty="0" err="1"/>
+              <a:t>CosmosDB</a:t>
+            </a:r>
+            <a:r>
+              <a:rPr lang="sk-SK" dirty="0"/>
+              <a:t>)</a:t>
+            </a:r>
+          </a:p>
+        </p:txBody>
+      </p:sp>
+      <p:sp>
+        <p:nvSpPr>
+          <p:cNvPr id="3" name="Zástupný objekt pre obsah 2">
+            <a:extLst>
+              <a:ext uri="{FF2B5EF4-FFF2-40B4-BE49-F238E27FC236}">
+                <a16:creationId xmlns:a16="http://schemas.microsoft.com/office/drawing/2014/main" id="{18D097EB-C6D2-41D9-A130-FDE2B4CB1915}"/>
+              </a:ext>
+            </a:extLst>
+          </p:cNvPr>
+          <p:cNvSpPr>
+            <a:spLocks noGrp="1"/>
+          </p:cNvSpPr>
+          <p:nvPr>
+            <p:ph idx="1"/>
+          </p:nvPr>
+        </p:nvSpPr>
+        <p:spPr/>
+        <p:txBody>
+          <a:bodyPr>
+            <a:normAutofit/>
+          </a:bodyPr>
+          <a:lstStyle/>
+          <a:p>
+            <a:pPr algn="just"/>
+            <a:r>
+              <a:rPr lang="sk-SK" dirty="0"/>
+              <a:t>D</a:t>
+            </a:r>
+            <a:r>
+              <a:rPr lang="en-US" dirty="0" err="1"/>
+              <a:t>atabaseName</a:t>
+            </a:r>
+            <a:endParaRPr lang="sk-SK" dirty="0"/>
+          </a:p>
+          <a:p>
+            <a:pPr algn="just"/>
+            <a:r>
+              <a:rPr lang="sk-SK" dirty="0" err="1"/>
+              <a:t>CollectionName</a:t>
+            </a:r>
+            <a:r>
+              <a:rPr lang="sk-SK" dirty="0"/>
+              <a:t>/</a:t>
+            </a:r>
+            <a:r>
+              <a:rPr lang="sk-SK" dirty="0" err="1"/>
+              <a:t>ContainerName</a:t>
+            </a:r>
+            <a:endParaRPr lang="sk-SK" dirty="0"/>
+          </a:p>
+          <a:p>
+            <a:pPr algn="just"/>
+            <a:r>
+              <a:rPr lang="sk-SK" dirty="0" err="1"/>
+              <a:t>CreateIfNotExists</a:t>
+            </a:r>
+            <a:endParaRPr lang="sk-SK" dirty="0"/>
+          </a:p>
+          <a:p>
+            <a:pPr algn="just"/>
+            <a:r>
+              <a:rPr lang="sk-SK" dirty="0" err="1"/>
+              <a:t>PartitionKey</a:t>
+            </a:r>
+            <a:endParaRPr lang="sk-SK" dirty="0"/>
+          </a:p>
+          <a:p>
+            <a:pPr algn="just"/>
+            <a:r>
+              <a:rPr lang="sk-SK" dirty="0" err="1"/>
+              <a:t>CollectionTrhroughput</a:t>
+            </a:r>
+            <a:endParaRPr lang="sk-SK" dirty="0"/>
+          </a:p>
+          <a:p>
+            <a:pPr algn="just"/>
+            <a:r>
+              <a:rPr lang="sk-SK" dirty="0" err="1"/>
+              <a:t>ConnectionStringSetting</a:t>
+            </a:r>
+            <a:r>
+              <a:rPr lang="sk-SK" dirty="0"/>
+              <a:t>/</a:t>
+            </a:r>
+            <a:r>
+              <a:rPr lang="sk-SK" dirty="0" err="1"/>
+              <a:t>Connection</a:t>
+            </a:r>
+            <a:endParaRPr lang="sk-SK" dirty="0"/>
+          </a:p>
+        </p:txBody>
+      </p:sp>
+    </p:spTree>
+    <p:extLst>
+      <p:ext uri="{BB962C8B-B14F-4D97-AF65-F5344CB8AC3E}">
+        <p14:creationId xmlns:p14="http://schemas.microsoft.com/office/powerpoint/2010/main" val="2631332875"/>
+      </p:ext>
+    </p:extLst>
+  </p:cSld>
+  <p:clrMapOvr>
+    <a:masterClrMapping/>
+  </p:clrMapOvr>
+</p:sld>
+</file>
+
+<file path=ppt/slides/slide67.xml><?xml version="1.0" encoding="utf-8"?>
+<p:sld xmlns:a="http://schemas.openxmlformats.org/drawingml/2006/main" xmlns:r="http://schemas.openxmlformats.org/officeDocument/2006/relationships" xmlns:p="http://schemas.openxmlformats.org/presentationml/2006/main">
+  <p:cSld>
+    <p:spTree>
+      <p:nvGrpSpPr>
+        <p:cNvPr id="1" name=""/>
+        <p:cNvGrpSpPr/>
+        <p:nvPr/>
+      </p:nvGrpSpPr>
+      <p:grpSpPr>
+        <a:xfrm>
+          <a:off x="0" y="0"/>
+          <a:ext cx="0" cy="0"/>
+          <a:chOff x="0" y="0"/>
+          <a:chExt cx="0" cy="0"/>
+        </a:xfrm>
+      </p:grpSpPr>
+      <p:sp>
+        <p:nvSpPr>
+          <p:cNvPr id="2" name="Nadpis 1">
+            <a:extLst>
+              <a:ext uri="{FF2B5EF4-FFF2-40B4-BE49-F238E27FC236}">
                 <a16:creationId xmlns:a16="http://schemas.microsoft.com/office/drawing/2014/main" id="{B8E233D0-D6A3-459E-B3A6-A8E45831FE26}"/>
               </a:ext>
             </a:extLst>
@@ -20597,7 +20683,7 @@
 </p:sld>
 </file>
 
-<file path=ppt/slides/slide67.xml><?xml version="1.0" encoding="utf-8"?>
+<file path=ppt/slides/slide68.xml><?xml version="1.0" encoding="utf-8"?>
 <p:sld xmlns:a="http://schemas.openxmlformats.org/drawingml/2006/main" xmlns:r="http://schemas.openxmlformats.org/officeDocument/2006/relationships" xmlns:p="http://schemas.openxmlformats.org/presentationml/2006/main">
   <p:cSld>
     <p:spTree>
@@ -20717,147 +20803,6 @@
 </p:sld>
 </file>
 
-<file path=ppt/slides/slide68.xml><?xml version="1.0" encoding="utf-8"?>
-<p:sld xmlns:a="http://schemas.openxmlformats.org/drawingml/2006/main" xmlns:r="http://schemas.openxmlformats.org/officeDocument/2006/relationships" xmlns:p="http://schemas.openxmlformats.org/presentationml/2006/main">
-  <p:cSld>
-    <p:spTree>
-      <p:nvGrpSpPr>
-        <p:cNvPr id="1" name=""/>
-        <p:cNvGrpSpPr/>
-        <p:nvPr/>
-      </p:nvGrpSpPr>
-      <p:grpSpPr>
-        <a:xfrm>
-          <a:off x="0" y="0"/>
-          <a:ext cx="0" cy="0"/>
-          <a:chOff x="0" y="0"/>
-          <a:chExt cx="0" cy="0"/>
-        </a:xfrm>
-      </p:grpSpPr>
-      <p:sp>
-        <p:nvSpPr>
-          <p:cNvPr id="2" name="Nadpis 1">
-            <a:extLst>
-              <a:ext uri="{FF2B5EF4-FFF2-40B4-BE49-F238E27FC236}">
-                <a16:creationId xmlns:a16="http://schemas.microsoft.com/office/drawing/2014/main" id="{55397A42-D431-4709-9E52-93695A37A385}"/>
-              </a:ext>
-            </a:extLst>
-          </p:cNvPr>
-          <p:cNvSpPr>
-            <a:spLocks noGrp="1"/>
-          </p:cNvSpPr>
-          <p:nvPr>
-            <p:ph type="title"/>
-          </p:nvPr>
-        </p:nvSpPr>
-        <p:spPr/>
-        <p:txBody>
-          <a:bodyPr/>
-          <a:lstStyle/>
-          <a:p>
-            <a:pPr algn="l"/>
-            <a:r>
-              <a:rPr lang="sk-SK" dirty="0" err="1"/>
-              <a:t>Custom</a:t>
-            </a:r>
-            <a:r>
-              <a:rPr lang="sk-SK" dirty="0"/>
-              <a:t> </a:t>
-            </a:r>
-            <a:r>
-              <a:rPr lang="sk-SK" dirty="0" err="1"/>
-              <a:t>handler</a:t>
-            </a:r>
-            <a:r>
-              <a:rPr lang="sk-SK" dirty="0"/>
-              <a:t> - štruktúra</a:t>
-            </a:r>
-          </a:p>
-        </p:txBody>
-      </p:sp>
-      <p:sp>
-        <p:nvSpPr>
-          <p:cNvPr id="3" name="Zástupný objekt pre obsah 2">
-            <a:extLst>
-              <a:ext uri="{FF2B5EF4-FFF2-40B4-BE49-F238E27FC236}">
-                <a16:creationId xmlns:a16="http://schemas.microsoft.com/office/drawing/2014/main" id="{CEE7AF9A-73B1-4DE0-8768-899549A2E290}"/>
-              </a:ext>
-            </a:extLst>
-          </p:cNvPr>
-          <p:cNvSpPr>
-            <a:spLocks noGrp="1"/>
-          </p:cNvSpPr>
-          <p:nvPr>
-            <p:ph idx="1"/>
-          </p:nvPr>
-        </p:nvSpPr>
-        <p:spPr/>
-        <p:txBody>
-          <a:bodyPr/>
-          <a:lstStyle/>
-          <a:p>
-            <a:pPr algn="just"/>
-            <a:r>
-              <a:rPr lang="sk-SK" dirty="0" err="1"/>
-              <a:t>host.json</a:t>
-            </a:r>
-            <a:r>
-              <a:rPr lang="sk-SK" dirty="0"/>
-              <a:t> (koreňový adresár)</a:t>
-            </a:r>
-          </a:p>
-          <a:p>
-            <a:pPr algn="just"/>
-            <a:r>
-              <a:rPr lang="sk-SK" dirty="0" err="1"/>
-              <a:t>local.settings.json</a:t>
-            </a:r>
-            <a:r>
-              <a:rPr lang="sk-SK" dirty="0"/>
-              <a:t> (koreňový adresár, len pre lokálny vývoj)</a:t>
-            </a:r>
-          </a:p>
-          <a:p>
-            <a:pPr algn="just"/>
-            <a:r>
-              <a:rPr lang="sk-SK" dirty="0" err="1"/>
-              <a:t>function.json</a:t>
-            </a:r>
-            <a:r>
-              <a:rPr lang="sk-SK" dirty="0"/>
-              <a:t> (jeden pre každú funkciu, v </a:t>
-            </a:r>
-            <a:r>
-              <a:rPr lang="sk-SK" dirty="0" err="1"/>
-              <a:t>podpriečinku</a:t>
-            </a:r>
-            <a:r>
-              <a:rPr lang="sk-SK" dirty="0"/>
-              <a:t> s názvom funkcie)</a:t>
-            </a:r>
-          </a:p>
-          <a:p>
-            <a:pPr algn="just"/>
-            <a:r>
-              <a:rPr lang="sk-SK" dirty="0"/>
-              <a:t>príkaz, skript alebo spustiteľný súbor, ktorý spustí web server</a:t>
-            </a:r>
-          </a:p>
-        </p:txBody>
-      </p:sp>
-    </p:spTree>
-    <p:extLst>
-      <p:ext uri="{BB962C8B-B14F-4D97-AF65-F5344CB8AC3E}">
-        <p14:creationId xmlns:p14="http://schemas.microsoft.com/office/powerpoint/2010/main" val="2695865991"/>
-      </p:ext>
-    </p:extLst>
-  </p:cSld>
-  <p:clrMapOvr>
-    <a:masterClrMapping/>
-  </p:clrMapOvr>
-</p:sld>
-</file>
-
 <file path=ppt/slides/slide69.xml><?xml version="1.0" encoding="utf-8"?>
 <p:sld xmlns:a="http://schemas.openxmlformats.org/drawingml/2006/main" xmlns:r="http://schemas.openxmlformats.org/officeDocument/2006/relationships" xmlns:p="http://schemas.openxmlformats.org/presentationml/2006/main">
   <p:cSld>
@@ -20880,7 +20825,7 @@
           <p:cNvPr id="2" name="Nadpis 1">
             <a:extLst>
               <a:ext uri="{FF2B5EF4-FFF2-40B4-BE49-F238E27FC236}">
-                <a16:creationId xmlns:a16="http://schemas.microsoft.com/office/drawing/2014/main" id="{E9F32F02-6D4D-4BB4-9FAE-86B1B5C13579}"/>
+                <a16:creationId xmlns:a16="http://schemas.microsoft.com/office/drawing/2014/main" id="{55397A42-D431-4709-9E52-93695A37A385}"/>
               </a:ext>
             </a:extLst>
           </p:cNvPr>
@@ -20911,13 +20856,8 @@
             </a:r>
             <a:r>
               <a:rPr lang="sk-SK" dirty="0"/>
-              <a:t> – </a:t>
-            </a:r>
-            <a:r>
-              <a:rPr lang="sk-SK" dirty="0" err="1"/>
-              <a:t>host.json</a:t>
-            </a:r>
-            <a:endParaRPr lang="sk-SK" dirty="0"/>
+              <a:t> - štruktúra</a:t>
+            </a:r>
           </a:p>
         </p:txBody>
       </p:sp>
@@ -20926,7 +20866,7 @@
           <p:cNvPr id="3" name="Zástupný objekt pre obsah 2">
             <a:extLst>
               <a:ext uri="{FF2B5EF4-FFF2-40B4-BE49-F238E27FC236}">
-                <a16:creationId xmlns:a16="http://schemas.microsoft.com/office/drawing/2014/main" id="{B634FD2F-B36A-4158-890D-98285898E0F8}"/>
+                <a16:creationId xmlns:a16="http://schemas.microsoft.com/office/drawing/2014/main" id="{CEE7AF9A-73B1-4DE0-8768-899549A2E290}"/>
               </a:ext>
             </a:extLst>
           </p:cNvPr>
@@ -20944,74 +20884,57 @@
           <a:p>
             <a:pPr algn="just"/>
             <a:r>
-              <a:rPr lang="sk-SK" dirty="0"/>
-              <a:t>Nastavenia sú v sekcii </a:t>
-            </a:r>
-            <a:r>
-              <a:rPr lang="sk-SK" b="1" dirty="0" err="1"/>
-              <a:t>customHandler:description</a:t>
-            </a:r>
-            <a:endParaRPr lang="sk-SK" b="1" dirty="0"/>
+              <a:rPr lang="sk-SK" dirty="0" err="1"/>
+              <a:t>host.json</a:t>
+            </a:r>
+            <a:r>
+              <a:rPr lang="sk-SK" dirty="0"/>
+              <a:t> (koreňový adresár)</a:t>
+            </a:r>
           </a:p>
           <a:p>
             <a:pPr algn="just"/>
             <a:r>
-              <a:rPr lang="sk-SK" dirty="0"/>
-              <a:t>Nastavenia:</a:t>
-            </a:r>
-          </a:p>
-          <a:p>
-            <a:pPr lvl="1" algn="just"/>
-            <a:r>
-              <a:rPr lang="sk-SK" b="1" dirty="0" err="1"/>
-              <a:t>defaultExecutablePath</a:t>
-            </a:r>
-            <a:r>
-              <a:rPr lang="sk-SK" b="1" dirty="0"/>
-              <a:t>:</a:t>
-            </a:r>
-            <a:r>
-              <a:rPr lang="sk-SK" dirty="0"/>
-              <a:t> cesta k príkazu/skriptu/súboru, ktorý spustí web server</a:t>
-            </a:r>
-          </a:p>
-          <a:p>
-            <a:pPr lvl="1" algn="just"/>
-            <a:r>
-              <a:rPr lang="sk-SK" b="1" dirty="0" err="1"/>
-              <a:t>arguments</a:t>
-            </a:r>
-            <a:r>
-              <a:rPr lang="sk-SK" b="1" dirty="0"/>
-              <a:t>:</a:t>
-            </a:r>
-            <a:r>
-              <a:rPr lang="sk-SK" dirty="0"/>
-              <a:t> pole parametrov na spustenie web servera; pomocou %% je možné využiť aj systémové premenné/nastavenia aplikácie</a:t>
-            </a:r>
-          </a:p>
-          <a:p>
-            <a:pPr lvl="1" algn="just"/>
-            <a:r>
-              <a:rPr lang="sk-SK" b="1" dirty="0" err="1"/>
-              <a:t>workingDirectory</a:t>
-            </a:r>
-            <a:r>
-              <a:rPr lang="sk-SK" b="1" dirty="0"/>
-              <a:t>:</a:t>
-            </a:r>
-            <a:r>
-              <a:rPr lang="sk-SK" dirty="0"/>
-              <a:t> nastavenie pracovného adresára pre web server</a:t>
-            </a:r>
-            <a:endParaRPr lang="sk-SK" b="1" dirty="0"/>
+              <a:rPr lang="sk-SK" dirty="0" err="1"/>
+              <a:t>local.settings.json</a:t>
+            </a:r>
+            <a:r>
+              <a:rPr lang="sk-SK" dirty="0"/>
+              <a:t> (koreňový adresár, len pre lokálny vývoj)</a:t>
+            </a:r>
+          </a:p>
+          <a:p>
+            <a:pPr algn="just"/>
+            <a:r>
+              <a:rPr lang="sk-SK" dirty="0" err="1"/>
+              <a:t>function.json</a:t>
+            </a:r>
+            <a:r>
+              <a:rPr lang="sk-SK" dirty="0"/>
+              <a:t> (jeden pre každú funkciu, v </a:t>
+            </a:r>
+            <a:r>
+              <a:rPr lang="sk-SK" dirty="0" err="1"/>
+              <a:t>podpriečinku</a:t>
+            </a:r>
+            <a:r>
+              <a:rPr lang="sk-SK" dirty="0"/>
+              <a:t> s názvom funkcie)</a:t>
+            </a:r>
+          </a:p>
+          <a:p>
+            <a:pPr algn="just"/>
+            <a:r>
+              <a:rPr lang="sk-SK" dirty="0"/>
+              <a:t>príkaz, skript alebo spustiteľný súbor, ktorý spustí web server</a:t>
+            </a:r>
           </a:p>
         </p:txBody>
       </p:sp>
     </p:spTree>
     <p:extLst>
       <p:ext uri="{BB962C8B-B14F-4D97-AF65-F5344CB8AC3E}">
-        <p14:creationId xmlns:p14="http://schemas.microsoft.com/office/powerpoint/2010/main" val="4280609403"/>
+        <p14:creationId xmlns:p14="http://schemas.microsoft.com/office/powerpoint/2010/main" val="2695865991"/>
       </p:ext>
     </p:extLst>
   </p:cSld>
@@ -21163,7 +21086,7 @@
           <p:cNvPr id="2" name="Nadpis 1">
             <a:extLst>
               <a:ext uri="{FF2B5EF4-FFF2-40B4-BE49-F238E27FC236}">
-                <a16:creationId xmlns:a16="http://schemas.microsoft.com/office/drawing/2014/main" id="{50A0232E-6778-42C7-A712-968B54F4EDD7}"/>
+                <a16:creationId xmlns:a16="http://schemas.microsoft.com/office/drawing/2014/main" id="{E9F32F02-6D4D-4BB4-9FAE-86B1B5C13579}"/>
               </a:ext>
             </a:extLst>
           </p:cNvPr>
@@ -21198,7 +21121,7 @@
             </a:r>
             <a:r>
               <a:rPr lang="sk-SK" dirty="0" err="1"/>
-              <a:t>local.settings.json</a:t>
+              <a:t>host.json</a:t>
             </a:r>
             <a:endParaRPr lang="sk-SK" dirty="0"/>
           </a:p>
@@ -21209,7 +21132,7 @@
           <p:cNvPr id="3" name="Zástupný objekt pre obsah 2">
             <a:extLst>
               <a:ext uri="{FF2B5EF4-FFF2-40B4-BE49-F238E27FC236}">
-                <a16:creationId xmlns:a16="http://schemas.microsoft.com/office/drawing/2014/main" id="{2737C844-AE38-40C4-89C8-5258FE190F88}"/>
+                <a16:creationId xmlns:a16="http://schemas.microsoft.com/office/drawing/2014/main" id="{B634FD2F-B36A-4158-890D-98285898E0F8}"/>
               </a:ext>
             </a:extLst>
           </p:cNvPr>
@@ -21225,25 +21148,76 @@
           <a:bodyPr/>
           <a:lstStyle/>
           <a:p>
-            <a:r>
-              <a:rPr lang="sk-SK" dirty="0"/>
-              <a:t>“FUNCTIONS_WORKER_RUNTIME“: “</a:t>
-            </a:r>
-            <a:r>
-              <a:rPr lang="sk-SK" dirty="0" err="1"/>
-              <a:t>Custom</a:t>
-            </a:r>
-            <a:r>
-              <a:rPr lang="sk-SK" dirty="0"/>
-              <a:t>“</a:t>
-            </a:r>
+            <a:pPr algn="just"/>
+            <a:r>
+              <a:rPr lang="sk-SK" dirty="0"/>
+              <a:t>Nastavenia sú v sekcii </a:t>
+            </a:r>
+            <a:r>
+              <a:rPr lang="sk-SK" b="1" dirty="0" err="1"/>
+              <a:t>customHandler:description</a:t>
+            </a:r>
+            <a:endParaRPr lang="sk-SK" b="1" dirty="0"/>
+          </a:p>
+          <a:p>
+            <a:pPr algn="just"/>
+            <a:r>
+              <a:rPr lang="sk-SK" dirty="0"/>
+              <a:t>Nastavenia:</a:t>
+            </a:r>
+          </a:p>
+          <a:p>
+            <a:pPr lvl="1" algn="just"/>
+            <a:r>
+              <a:rPr lang="sk-SK" b="1" dirty="0" err="1"/>
+              <a:t>defaultExecutablePath</a:t>
+            </a:r>
+            <a:r>
+              <a:rPr lang="sk-SK" b="1" dirty="0"/>
+              <a:t>:</a:t>
+            </a:r>
+            <a:r>
+              <a:rPr lang="sk-SK" dirty="0"/>
+              <a:t> cesta k príkazu/skriptu/súboru, ktorý spustí web server</a:t>
+            </a:r>
+          </a:p>
+          <a:p>
+            <a:pPr lvl="1" algn="just"/>
+            <a:r>
+              <a:rPr lang="sk-SK" b="1" dirty="0" err="1"/>
+              <a:t>arguments</a:t>
+            </a:r>
+            <a:r>
+              <a:rPr lang="sk-SK" b="1" dirty="0"/>
+              <a:t>:</a:t>
+            </a:r>
+            <a:r>
+              <a:rPr lang="sk-SK" dirty="0"/>
+              <a:t> pole parametrov na spustenie web servera; pomocou %% je možné využiť aj systémové premenné/nastavenia aplikácie</a:t>
+            </a:r>
+          </a:p>
+          <a:p>
+            <a:pPr lvl="1" algn="just"/>
+            <a:r>
+              <a:rPr lang="sk-SK" b="1" dirty="0" err="1"/>
+              <a:t>workingDirectory</a:t>
+            </a:r>
+            <a:r>
+              <a:rPr lang="sk-SK" b="1" dirty="0"/>
+              <a:t>:</a:t>
+            </a:r>
+            <a:r>
+              <a:rPr lang="sk-SK" dirty="0"/>
+              <a:t> nastavenie pracovného adresára pre web server</a:t>
+            </a:r>
+            <a:endParaRPr lang="sk-SK" b="1" dirty="0"/>
           </a:p>
         </p:txBody>
       </p:sp>
     </p:spTree>
     <p:extLst>
       <p:ext uri="{BB962C8B-B14F-4D97-AF65-F5344CB8AC3E}">
-        <p14:creationId xmlns:p14="http://schemas.microsoft.com/office/powerpoint/2010/main" val="905228669"/>
+        <p14:creationId xmlns:p14="http://schemas.microsoft.com/office/powerpoint/2010/main" val="4280609403"/>
       </p:ext>
     </p:extLst>
   </p:cSld>
@@ -21275,7 +21249,7 @@
           <p:cNvPr id="2" name="Nadpis 1">
             <a:extLst>
               <a:ext uri="{FF2B5EF4-FFF2-40B4-BE49-F238E27FC236}">
-                <a16:creationId xmlns:a16="http://schemas.microsoft.com/office/drawing/2014/main" id="{912786FF-870C-4322-84A9-89743960CA33}"/>
+                <a16:creationId xmlns:a16="http://schemas.microsoft.com/office/drawing/2014/main" id="{50A0232E-6778-42C7-A712-968B54F4EDD7}"/>
               </a:ext>
             </a:extLst>
           </p:cNvPr>
@@ -21310,7 +21284,7 @@
             </a:r>
             <a:r>
               <a:rPr lang="sk-SK" dirty="0" err="1"/>
-              <a:t>request</a:t>
+              <a:t>local.settings.json</a:t>
             </a:r>
             <a:endParaRPr lang="sk-SK" dirty="0"/>
           </a:p>
@@ -21321,7 +21295,7 @@
           <p:cNvPr id="3" name="Zástupný objekt pre obsah 2">
             <a:extLst>
               <a:ext uri="{FF2B5EF4-FFF2-40B4-BE49-F238E27FC236}">
-                <a16:creationId xmlns:a16="http://schemas.microsoft.com/office/drawing/2014/main" id="{04767C41-7212-4451-B5CB-F80EB50118C0}"/>
+                <a16:creationId xmlns:a16="http://schemas.microsoft.com/office/drawing/2014/main" id="{2737C844-AE38-40C4-89C8-5258FE190F88}"/>
               </a:ext>
             </a:extLst>
           </p:cNvPr>
@@ -21337,57 +21311,25 @@
           <a:bodyPr/>
           <a:lstStyle/>
           <a:p>
-            <a:pPr algn="just"/>
-            <a:r>
-              <a:rPr lang="sk-SK" dirty="0"/>
-              <a:t>Metóda: POST</a:t>
-            </a:r>
-          </a:p>
-          <a:p>
-            <a:pPr algn="just"/>
-            <a:r>
-              <a:rPr lang="sk-SK" dirty="0" err="1"/>
-              <a:t>Payload</a:t>
-            </a:r>
-            <a:r>
-              <a:rPr lang="sk-SK" dirty="0"/>
-              <a:t>: ľubovoľný</a:t>
-            </a:r>
-          </a:p>
-          <a:p>
-            <a:pPr algn="just"/>
-            <a:r>
-              <a:rPr lang="sk-SK" dirty="0"/>
-              <a:t>Ak chceme, aby webový server pracoval priamo s dotazom, ktorý príde na HTTP </a:t>
-            </a:r>
-            <a:r>
-              <a:rPr lang="sk-SK" dirty="0" err="1"/>
-              <a:t>trigger</a:t>
-            </a:r>
-            <a:r>
-              <a:rPr lang="sk-SK" dirty="0"/>
-              <a:t>, môžeme použiť nastavenie </a:t>
-            </a:r>
-            <a:r>
-              <a:rPr lang="sk-SK" dirty="0" err="1"/>
-              <a:t>enableForwardingHttpRequest</a:t>
-            </a:r>
-            <a:r>
-              <a:rPr lang="sk-SK" dirty="0"/>
-              <a:t> v </a:t>
-            </a:r>
-            <a:r>
-              <a:rPr lang="sk-SK" dirty="0" err="1"/>
-              <a:t>host.json</a:t>
-            </a:r>
-            <a:endParaRPr lang="sk-SK" dirty="0"/>
+            <a:r>
+              <a:rPr lang="sk-SK" dirty="0"/>
+              <a:t>“FUNCTIONS_WORKER_RUNTIME“: “</a:t>
+            </a:r>
+            <a:r>
+              <a:rPr lang="sk-SK" dirty="0" err="1"/>
+              <a:t>Custom</a:t>
+            </a:r>
+            <a:r>
+              <a:rPr lang="sk-SK" dirty="0"/>
+              <a:t>“</a:t>
+            </a:r>
           </a:p>
         </p:txBody>
       </p:sp>
     </p:spTree>
     <p:extLst>
       <p:ext uri="{BB962C8B-B14F-4D97-AF65-F5344CB8AC3E}">
-        <p14:creationId xmlns:p14="http://schemas.microsoft.com/office/powerpoint/2010/main" val="3289389336"/>
+        <p14:creationId xmlns:p14="http://schemas.microsoft.com/office/powerpoint/2010/main" val="905228669"/>
       </p:ext>
     </p:extLst>
   </p:cSld>
@@ -21419,7 +21361,7 @@
           <p:cNvPr id="2" name="Nadpis 1">
             <a:extLst>
               <a:ext uri="{FF2B5EF4-FFF2-40B4-BE49-F238E27FC236}">
-                <a16:creationId xmlns:a16="http://schemas.microsoft.com/office/drawing/2014/main" id="{4A14572E-598E-4A59-B747-A9E41805C5C5}"/>
+                <a16:creationId xmlns:a16="http://schemas.microsoft.com/office/drawing/2014/main" id="{912786FF-870C-4322-84A9-89743960CA33}"/>
               </a:ext>
             </a:extLst>
           </p:cNvPr>
@@ -21450,11 +21392,11 @@
             </a:r>
             <a:r>
               <a:rPr lang="sk-SK" dirty="0"/>
-              <a:t> - </a:t>
-            </a:r>
-            <a:r>
-              <a:rPr lang="sk-SK" dirty="0" err="1"/>
-              <a:t>response</a:t>
+              <a:t> – </a:t>
+            </a:r>
+            <a:r>
+              <a:rPr lang="sk-SK" dirty="0" err="1"/>
+              <a:t>request</a:t>
             </a:r>
             <a:endParaRPr lang="sk-SK" dirty="0"/>
           </a:p>
@@ -21465,7 +21407,7 @@
           <p:cNvPr id="3" name="Zástupný objekt pre obsah 2">
             <a:extLst>
               <a:ext uri="{FF2B5EF4-FFF2-40B4-BE49-F238E27FC236}">
-                <a16:creationId xmlns:a16="http://schemas.microsoft.com/office/drawing/2014/main" id="{64CBBE66-75CA-4912-8847-DA6822F70853}"/>
+                <a16:creationId xmlns:a16="http://schemas.microsoft.com/office/drawing/2014/main" id="{04767C41-7212-4451-B5CB-F80EB50118C0}"/>
               </a:ext>
             </a:extLst>
           </p:cNvPr>
@@ -21481,93 +21423,48 @@
           <a:bodyPr/>
           <a:lstStyle/>
           <a:p>
-            <a:r>
-              <a:rPr lang="sk-SK" dirty="0"/>
-              <a:t>Odpovede by mali byť vo forme dvojíc kľúčov a hodnôt</a:t>
-            </a:r>
-          </a:p>
-          <a:p>
-            <a:r>
-              <a:rPr lang="sk-SK" dirty="0"/>
-              <a:t>Podporované kľúče:</a:t>
-            </a:r>
-          </a:p>
-          <a:p>
-            <a:pPr lvl="1"/>
-            <a:r>
-              <a:rPr lang="sk-SK" b="1" dirty="0" err="1"/>
-              <a:t>Outputs</a:t>
-            </a:r>
-            <a:r>
-              <a:rPr lang="sk-SK" b="1" dirty="0"/>
-              <a:t>: </a:t>
-            </a:r>
-            <a:r>
-              <a:rPr lang="sk-SK" dirty="0"/>
-              <a:t>objekt s návratovými hodnotami. Názvy majú podľa výstupných </a:t>
-            </a:r>
-            <a:r>
-              <a:rPr lang="sk-SK" dirty="0" err="1"/>
-              <a:t>bindingov</a:t>
-            </a:r>
-            <a:r>
-              <a:rPr lang="sk-SK" dirty="0"/>
-              <a:t>.</a:t>
-            </a:r>
-          </a:p>
-          <a:p>
-            <a:pPr lvl="1"/>
-            <a:r>
-              <a:rPr lang="sk-SK" b="1" dirty="0" err="1"/>
-              <a:t>Logs</a:t>
-            </a:r>
-            <a:r>
-              <a:rPr lang="sk-SK" b="1" dirty="0"/>
-              <a:t>: </a:t>
-            </a:r>
-            <a:r>
-              <a:rPr lang="sk-SK" dirty="0"/>
-              <a:t>pole logov, ktoré sa pošlú do </a:t>
-            </a:r>
-            <a:r>
-              <a:rPr lang="sk-SK" dirty="0" err="1"/>
-              <a:t>Application</a:t>
-            </a:r>
-            <a:r>
-              <a:rPr lang="sk-SK" dirty="0"/>
-              <a:t> </a:t>
-            </a:r>
-            <a:r>
-              <a:rPr lang="sk-SK" dirty="0" err="1"/>
-              <a:t>Insights</a:t>
-            </a:r>
-            <a:endParaRPr lang="sk-SK" dirty="0"/>
-          </a:p>
-          <a:p>
-            <a:pPr lvl="1"/>
-            <a:r>
-              <a:rPr lang="sk-SK" b="1" dirty="0" err="1"/>
-              <a:t>ReturnValue</a:t>
-            </a:r>
-            <a:r>
-              <a:rPr lang="sk-SK" b="1" dirty="0"/>
-              <a:t>: </a:t>
-            </a:r>
-            <a:r>
-              <a:rPr lang="sk-SK" dirty="0"/>
-              <a:t>textová odpoveď, ak sa vo výstupných </a:t>
-            </a:r>
-            <a:r>
-              <a:rPr lang="sk-SK" dirty="0" err="1"/>
-              <a:t>bindingoch</a:t>
-            </a:r>
-            <a:r>
-              <a:rPr lang="sk-SK" dirty="0"/>
-              <a:t> používa </a:t>
-            </a:r>
-            <a:r>
-              <a:rPr lang="en-US" dirty="0"/>
-              <a:t>$return</a:t>
+            <a:pPr algn="just"/>
+            <a:r>
+              <a:rPr lang="sk-SK" dirty="0"/>
+              <a:t>Metóda: POST</a:t>
+            </a:r>
+          </a:p>
+          <a:p>
+            <a:pPr algn="just"/>
+            <a:r>
+              <a:rPr lang="sk-SK" dirty="0" err="1"/>
+              <a:t>Payload</a:t>
+            </a:r>
+            <a:r>
+              <a:rPr lang="sk-SK" dirty="0"/>
+              <a:t>: ľubovoľný</a:t>
+            </a:r>
+          </a:p>
+          <a:p>
+            <a:pPr algn="just"/>
+            <a:r>
+              <a:rPr lang="sk-SK" dirty="0"/>
+              <a:t>Ak chceme, aby webový server pracoval priamo s dotazom, ktorý príde na HTTP </a:t>
+            </a:r>
+            <a:r>
+              <a:rPr lang="sk-SK" dirty="0" err="1"/>
+              <a:t>trigger</a:t>
+            </a:r>
+            <a:r>
+              <a:rPr lang="sk-SK" dirty="0"/>
+              <a:t>, môžeme použiť nastavenie </a:t>
+            </a:r>
+            <a:r>
+              <a:rPr lang="sk-SK" dirty="0" err="1"/>
+              <a:t>enableForwardingHttpRequest</a:t>
+            </a:r>
+            <a:r>
+              <a:rPr lang="sk-SK" dirty="0"/>
+              <a:t> v </a:t>
+            </a:r>
+            <a:r>
+              <a:rPr lang="sk-SK" dirty="0" err="1"/>
+              <a:t>host.json</a:t>
             </a:r>
             <a:endParaRPr lang="sk-SK" dirty="0"/>
           </a:p>
@@ -21576,7 +21473,7 @@
     </p:spTree>
     <p:extLst>
       <p:ext uri="{BB962C8B-B14F-4D97-AF65-F5344CB8AC3E}">
-        <p14:creationId xmlns:p14="http://schemas.microsoft.com/office/powerpoint/2010/main" val="2441806022"/>
+        <p14:creationId xmlns:p14="http://schemas.microsoft.com/office/powerpoint/2010/main" val="3289389336"/>
       </p:ext>
     </p:extLst>
   </p:cSld>
@@ -21608,7 +21505,7 @@
           <p:cNvPr id="2" name="Nadpis 1">
             <a:extLst>
               <a:ext uri="{FF2B5EF4-FFF2-40B4-BE49-F238E27FC236}">
-                <a16:creationId xmlns:a16="http://schemas.microsoft.com/office/drawing/2014/main" id="{8F9307DC-1ED0-46F3-AC19-8EFC93A4CAE6}"/>
+                <a16:creationId xmlns:a16="http://schemas.microsoft.com/office/drawing/2014/main" id="{4A14572E-598E-4A59-B747-A9E41805C5C5}"/>
               </a:ext>
             </a:extLst>
           </p:cNvPr>
@@ -21627,12 +21524,25 @@
             <a:pPr algn="l"/>
             <a:r>
               <a:rPr lang="sk-SK" dirty="0" err="1"/>
-              <a:t>Azure</a:t>
-            </a:r>
-            <a:r>
-              <a:rPr lang="sk-SK" dirty="0"/>
-              <a:t> CLI</a:t>
-            </a:r>
+              <a:t>Custom</a:t>
+            </a:r>
+            <a:r>
+              <a:rPr lang="sk-SK" dirty="0"/>
+              <a:t> </a:t>
+            </a:r>
+            <a:r>
+              <a:rPr lang="sk-SK" dirty="0" err="1"/>
+              <a:t>handler</a:t>
+            </a:r>
+            <a:r>
+              <a:rPr lang="sk-SK" dirty="0"/>
+              <a:t> - </a:t>
+            </a:r>
+            <a:r>
+              <a:rPr lang="sk-SK" dirty="0" err="1"/>
+              <a:t>response</a:t>
+            </a:r>
+            <a:endParaRPr lang="sk-SK" dirty="0"/>
           </a:p>
         </p:txBody>
       </p:sp>
@@ -21641,7 +21551,7 @@
           <p:cNvPr id="3" name="Zástupný objekt pre obsah 2">
             <a:extLst>
               <a:ext uri="{FF2B5EF4-FFF2-40B4-BE49-F238E27FC236}">
-                <a16:creationId xmlns:a16="http://schemas.microsoft.com/office/drawing/2014/main" id="{EF2DBAB7-7F52-4410-A6E7-74AEB8266DC2}"/>
+                <a16:creationId xmlns:a16="http://schemas.microsoft.com/office/drawing/2014/main" id="{64CBBE66-75CA-4912-8847-DA6822F70853}"/>
               </a:ext>
             </a:extLst>
           </p:cNvPr>
@@ -21658,19 +21568,92 @@
           <a:lstStyle/>
           <a:p>
             <a:r>
-              <a:rPr lang="sk-SK" dirty="0">
-                <a:hlinkClick r:id="rId2"/>
-              </a:rPr>
-              <a:t>https://docs.microsoft.com/en-us/cli/azure/install-azure-cli</a:t>
-            </a:r>
-            <a:endParaRPr lang="en-US" dirty="0"/>
-          </a:p>
-          <a:p>
-            <a:r>
-              <a:rPr lang="sk-SK" dirty="0">
-                <a:hlinkClick r:id="rId3"/>
-              </a:rPr>
-              <a:t>https://docs.microsoft.com/en-us/cli/azure/functionapp</a:t>
+              <a:rPr lang="sk-SK" dirty="0"/>
+              <a:t>Odpovede by mali byť vo forme dvojíc kľúčov a hodnôt</a:t>
+            </a:r>
+          </a:p>
+          <a:p>
+            <a:r>
+              <a:rPr lang="sk-SK" dirty="0"/>
+              <a:t>Podporované kľúče:</a:t>
+            </a:r>
+          </a:p>
+          <a:p>
+            <a:pPr lvl="1"/>
+            <a:r>
+              <a:rPr lang="sk-SK" b="1" dirty="0" err="1"/>
+              <a:t>Outputs</a:t>
+            </a:r>
+            <a:r>
+              <a:rPr lang="sk-SK" b="1" dirty="0"/>
+              <a:t>: </a:t>
+            </a:r>
+            <a:r>
+              <a:rPr lang="sk-SK" dirty="0"/>
+              <a:t>objekt s návratovými hodnotami. Názvy majú podľa výstupných </a:t>
+            </a:r>
+            <a:r>
+              <a:rPr lang="sk-SK" dirty="0" err="1"/>
+              <a:t>bindingov</a:t>
+            </a:r>
+            <a:r>
+              <a:rPr lang="sk-SK" dirty="0"/>
+              <a:t>.</a:t>
+            </a:r>
+          </a:p>
+          <a:p>
+            <a:pPr lvl="1"/>
+            <a:r>
+              <a:rPr lang="sk-SK" b="1" dirty="0" err="1"/>
+              <a:t>Logs</a:t>
+            </a:r>
+            <a:r>
+              <a:rPr lang="sk-SK" b="1" dirty="0"/>
+              <a:t>: </a:t>
+            </a:r>
+            <a:r>
+              <a:rPr lang="sk-SK" dirty="0"/>
+              <a:t>pole logov, ktoré sa pošlú do </a:t>
+            </a:r>
+            <a:r>
+              <a:rPr lang="sk-SK" dirty="0" err="1"/>
+              <a:t>Application</a:t>
+            </a:r>
+            <a:r>
+              <a:rPr lang="sk-SK" dirty="0"/>
+              <a:t> </a:t>
+            </a:r>
+            <a:r>
+              <a:rPr lang="sk-SK" dirty="0" err="1"/>
+              <a:t>Insights</a:t>
+            </a:r>
+            <a:endParaRPr lang="sk-SK" dirty="0"/>
+          </a:p>
+          <a:p>
+            <a:pPr lvl="1"/>
+            <a:r>
+              <a:rPr lang="sk-SK" b="1" dirty="0" err="1"/>
+              <a:t>ReturnValue</a:t>
+            </a:r>
+            <a:r>
+              <a:rPr lang="sk-SK" b="1" dirty="0"/>
+              <a:t>: </a:t>
+            </a:r>
+            <a:r>
+              <a:rPr lang="sk-SK" dirty="0"/>
+              <a:t>textová odpoveď, ak sa vo výstupných </a:t>
+            </a:r>
+            <a:r>
+              <a:rPr lang="sk-SK" dirty="0" err="1"/>
+              <a:t>bindingoch</a:t>
+            </a:r>
+            <a:r>
+              <a:rPr lang="sk-SK" dirty="0"/>
+              <a:t> používa </a:t>
+            </a:r>
+            <a:r>
+              <a:rPr lang="en-US" dirty="0"/>
+              <a:t>$return</a:t>
             </a:r>
             <a:endParaRPr lang="sk-SK" dirty="0"/>
           </a:p>
@@ -21679,7 +21662,7 @@
     </p:spTree>
     <p:extLst>
       <p:ext uri="{BB962C8B-B14F-4D97-AF65-F5344CB8AC3E}">
-        <p14:creationId xmlns:p14="http://schemas.microsoft.com/office/powerpoint/2010/main" val="719777903"/>
+        <p14:creationId xmlns:p14="http://schemas.microsoft.com/office/powerpoint/2010/main" val="2441806022"/>
       </p:ext>
     </p:extLst>
   </p:cSld>
@@ -21711,6 +21694,109 @@
           <p:cNvPr id="2" name="Nadpis 1">
             <a:extLst>
               <a:ext uri="{FF2B5EF4-FFF2-40B4-BE49-F238E27FC236}">
+                <a16:creationId xmlns:a16="http://schemas.microsoft.com/office/drawing/2014/main" id="{8F9307DC-1ED0-46F3-AC19-8EFC93A4CAE6}"/>
+              </a:ext>
+            </a:extLst>
+          </p:cNvPr>
+          <p:cNvSpPr>
+            <a:spLocks noGrp="1"/>
+          </p:cNvSpPr>
+          <p:nvPr>
+            <p:ph type="title"/>
+          </p:nvPr>
+        </p:nvSpPr>
+        <p:spPr/>
+        <p:txBody>
+          <a:bodyPr/>
+          <a:lstStyle/>
+          <a:p>
+            <a:pPr algn="l"/>
+            <a:r>
+              <a:rPr lang="sk-SK" dirty="0" err="1"/>
+              <a:t>Azure</a:t>
+            </a:r>
+            <a:r>
+              <a:rPr lang="sk-SK" dirty="0"/>
+              <a:t> CLI</a:t>
+            </a:r>
+          </a:p>
+        </p:txBody>
+      </p:sp>
+      <p:sp>
+        <p:nvSpPr>
+          <p:cNvPr id="3" name="Zástupný objekt pre obsah 2">
+            <a:extLst>
+              <a:ext uri="{FF2B5EF4-FFF2-40B4-BE49-F238E27FC236}">
+                <a16:creationId xmlns:a16="http://schemas.microsoft.com/office/drawing/2014/main" id="{EF2DBAB7-7F52-4410-A6E7-74AEB8266DC2}"/>
+              </a:ext>
+            </a:extLst>
+          </p:cNvPr>
+          <p:cNvSpPr>
+            <a:spLocks noGrp="1"/>
+          </p:cNvSpPr>
+          <p:nvPr>
+            <p:ph idx="1"/>
+          </p:nvPr>
+        </p:nvSpPr>
+        <p:spPr/>
+        <p:txBody>
+          <a:bodyPr/>
+          <a:lstStyle/>
+          <a:p>
+            <a:r>
+              <a:rPr lang="sk-SK" dirty="0">
+                <a:hlinkClick r:id="rId2"/>
+              </a:rPr>
+              <a:t>https://docs.microsoft.com/en-us/cli/azure/install-azure-cli</a:t>
+            </a:r>
+            <a:endParaRPr lang="en-US" dirty="0"/>
+          </a:p>
+          <a:p>
+            <a:r>
+              <a:rPr lang="sk-SK" dirty="0">
+                <a:hlinkClick r:id="rId3"/>
+              </a:rPr>
+              <a:t>https://docs.microsoft.com/en-us/cli/azure/functionapp</a:t>
+            </a:r>
+            <a:endParaRPr lang="sk-SK" dirty="0"/>
+          </a:p>
+        </p:txBody>
+      </p:sp>
+    </p:spTree>
+    <p:extLst>
+      <p:ext uri="{BB962C8B-B14F-4D97-AF65-F5344CB8AC3E}">
+        <p14:creationId xmlns:p14="http://schemas.microsoft.com/office/powerpoint/2010/main" val="719777903"/>
+      </p:ext>
+    </p:extLst>
+  </p:cSld>
+  <p:clrMapOvr>
+    <a:masterClrMapping/>
+  </p:clrMapOvr>
+</p:sld>
+</file>
+
+<file path=ppt/slides/slide75.xml><?xml version="1.0" encoding="utf-8"?>
+<p:sld xmlns:a="http://schemas.openxmlformats.org/drawingml/2006/main" xmlns:r="http://schemas.openxmlformats.org/officeDocument/2006/relationships" xmlns:p="http://schemas.openxmlformats.org/presentationml/2006/main">
+  <p:cSld>
+    <p:spTree>
+      <p:nvGrpSpPr>
+        <p:cNvPr id="1" name=""/>
+        <p:cNvGrpSpPr/>
+        <p:nvPr/>
+      </p:nvGrpSpPr>
+      <p:grpSpPr>
+        <a:xfrm>
+          <a:off x="0" y="0"/>
+          <a:ext cx="0" cy="0"/>
+          <a:chOff x="0" y="0"/>
+          <a:chExt cx="0" cy="0"/>
+        </a:xfrm>
+      </p:grpSpPr>
+      <p:sp>
+        <p:nvSpPr>
+          <p:cNvPr id="2" name="Nadpis 1">
+            <a:extLst>
+              <a:ext uri="{FF2B5EF4-FFF2-40B4-BE49-F238E27FC236}">
                 <a16:creationId xmlns:a16="http://schemas.microsoft.com/office/drawing/2014/main" id="{2A21D5F1-C398-4AE3-A661-C70758BE204D}"/>
               </a:ext>
             </a:extLst>
@@ -21795,7 +21881,7 @@
 </p:sld>
 </file>
 
-<file path=ppt/slides/slide75.xml><?xml version="1.0" encoding="utf-8"?>
+<file path=ppt/slides/slide76.xml><?xml version="1.0" encoding="utf-8"?>
 <p:sld xmlns:a="http://schemas.openxmlformats.org/drawingml/2006/main" xmlns:r="http://schemas.openxmlformats.org/officeDocument/2006/relationships" xmlns:p="http://schemas.openxmlformats.org/presentationml/2006/main">
   <p:cSld>
     <p:spTree>
@@ -23084,6 +23170,15 @@
 </file>
 
 <file path=customXml/item1.xml><?xml version="1.0" encoding="utf-8"?>
+<?mso-contentType ?>
+<FormTemplates xmlns="http://schemas.microsoft.com/sharepoint/v3/contenttype/forms">
+  <Display>DocumentLibraryForm</Display>
+  <Edit>DocumentLibraryForm</Edit>
+  <New>DocumentLibraryForm</New>
+</FormTemplates>
+</file>
+
+<file path=customXml/item2.xml><?xml version="1.0" encoding="utf-8"?>
 <ct:contentTypeSchema xmlns:ct="http://schemas.microsoft.com/office/2006/metadata/contentType" xmlns:ma="http://schemas.microsoft.com/office/2006/metadata/properties/metaAttributes" ct:_="" ma:_="" ma:contentTypeName="Dokument" ma:contentTypeID="0x010100D81D723D8BF7FD46A3A6BCCE71436C13" ma:contentTypeVersion="9" ma:contentTypeDescription="Umožňuje vytvoriť nový dokument." ma:contentTypeScope="" ma:versionID="5027bbb3b2b87f7facb5ec0a1a051276">
   <xsd:schema xmlns:xsd="http://www.w3.org/2001/XMLSchema" xmlns:xs="http://www.w3.org/2001/XMLSchema" xmlns:p="http://schemas.microsoft.com/office/2006/metadata/properties" xmlns:ns3="246628ed-b902-4bde-9cb2-b95f5582a2ce" xmlns:ns4="4e8b0afe-22a4-452b-ae06-8cabd0658848" targetNamespace="http://schemas.microsoft.com/office/2006/metadata/properties" ma:root="true" ma:fieldsID="f5d73a384b069110ab5db9ac98912687" ns3:_="" ns4:_="">
     <xsd:import namespace="246628ed-b902-4bde-9cb2-b95f5582a2ce"/>
@@ -23280,22 +23375,21 @@
 </ct:contentTypeSchema>
 </file>
 
-<file path=customXml/item2.xml><?xml version="1.0" encoding="utf-8"?>
+<file path=customXml/item3.xml><?xml version="1.0" encoding="utf-8"?>
 <p:properties xmlns:p="http://schemas.microsoft.com/office/2006/metadata/properties" xmlns:xsi="http://www.w3.org/2001/XMLSchema-instance" xmlns:pc="http://schemas.microsoft.com/office/infopath/2007/PartnerControls">
   <documentManagement/>
 </p:properties>
 </file>
 
-<file path=customXml/item3.xml><?xml version="1.0" encoding="utf-8"?>
-<?mso-contentType ?>
-<FormTemplates xmlns="http://schemas.microsoft.com/sharepoint/v3/contenttype/forms">
-  <Display>DocumentLibraryForm</Display>
-  <Edit>DocumentLibraryForm</Edit>
-  <New>DocumentLibraryForm</New>
-</FormTemplates>
+<file path=customXml/itemProps1.xml><?xml version="1.0" encoding="utf-8"?>
+<ds:datastoreItem xmlns:ds="http://schemas.openxmlformats.org/officeDocument/2006/customXml" ds:itemID="{33315AA3-EAE3-44ED-8368-BAC2FFFB4817}">
+  <ds:schemaRefs>
+    <ds:schemaRef ds:uri="http://schemas.microsoft.com/sharepoint/v3/contenttype/forms"/>
+  </ds:schemaRefs>
+</ds:datastoreItem>
 </file>
 
-<file path=customXml/itemProps1.xml><?xml version="1.0" encoding="utf-8"?>
+<file path=customXml/itemProps2.xml><?xml version="1.0" encoding="utf-8"?>
 <ds:datastoreItem xmlns:ds="http://schemas.openxmlformats.org/officeDocument/2006/customXml" ds:itemID="{60E9A80C-22BC-45AC-8E2E-E86FB731BF06}">
   <ds:schemaRefs>
     <ds:schemaRef ds:uri="http://schemas.microsoft.com/office/2006/metadata/contentType"/>
@@ -23314,7 +23408,7 @@
 </ds:datastoreItem>
 </file>
 
-<file path=customXml/itemProps2.xml><?xml version="1.0" encoding="utf-8"?>
+<file path=customXml/itemProps3.xml><?xml version="1.0" encoding="utf-8"?>
 <ds:datastoreItem xmlns:ds="http://schemas.openxmlformats.org/officeDocument/2006/customXml" ds:itemID="{D7023227-530E-4024-91EF-312A851A758C}">
   <ds:schemaRefs>
     <ds:schemaRef ds:uri="http://schemas.microsoft.com/office/2006/documentManagement/types"/>
@@ -23329,12 +23423,4 @@
     <ds:schemaRef ds:uri="http://www.w3.org/XML/1998/namespace"/>
   </ds:schemaRefs>
 </ds:datastoreItem>
-</file>
-
-<file path=customXml/itemProps3.xml><?xml version="1.0" encoding="utf-8"?>
-<ds:datastoreItem xmlns:ds="http://schemas.openxmlformats.org/officeDocument/2006/customXml" ds:itemID="{33315AA3-EAE3-44ED-8368-BAC2FFFB4817}">
-  <ds:schemaRefs>
-    <ds:schemaRef ds:uri="http://schemas.microsoft.com/sharepoint/v3/contenttype/forms"/>
-  </ds:schemaRefs>
-</ds:datastoreItem>
 </file>
--- a/04 - Azure Functions/Azure Functions.pptx
+++ b/04 - Azure Functions/Azure Functions.pptx
@@ -280,7 +280,7 @@
             <a:pPr rtl="0"/>
             <a:fld id="{268207A6-7ADA-45B8-951F-34576C3577BD}" type="datetime1">
               <a:rPr lang="sk-SK" smtClean="0"/>
-              <a:t>4. 10. 2021</a:t>
+              <a:t>18. 10. 2021</a:t>
             </a:fld>
             <a:endParaRPr lang="sk-SK" dirty="0"/>
           </a:p>
@@ -450,7 +450,7 @@
             <a:pPr rtl="0"/>
             <a:fld id="{591A0293-3DCA-4153-B68A-A2DB651509C0}" type="datetime1">
               <a:rPr lang="sk-SK" noProof="0" smtClean="0"/>
-              <a:t>4. 10. 2021</a:t>
+              <a:t>18. 10. 2021</a:t>
             </a:fld>
             <a:endParaRPr lang="sk-SK" noProof="0" dirty="0"/>
           </a:p>
@@ -1312,7 +1312,7 @@
             <a:pPr rtl="0"/>
             <a:fld id="{900FA921-B42C-4118-B7D5-0895D3550D77}" type="datetime1">
               <a:rPr lang="sk-SK" noProof="0" smtClean="0"/>
-              <a:t>4. 10. 2021</a:t>
+              <a:t>18. 10. 2021</a:t>
             </a:fld>
             <a:endParaRPr lang="sk-SK" noProof="0" dirty="0"/>
           </a:p>
@@ -1609,7 +1609,7 @@
             <a:pPr rtl="0"/>
             <a:fld id="{4BEE775C-7769-4983-973F-31EBB41A2D12}" type="datetime1">
               <a:rPr lang="sk-SK" noProof="0" smtClean="0"/>
-              <a:t>4. 10. 2021</a:t>
+              <a:t>18. 10. 2021</a:t>
             </a:fld>
             <a:endParaRPr lang="sk-SK" noProof="0" dirty="0"/>
           </a:p>
@@ -1857,7 +1857,7 @@
             <a:pPr rtl="0"/>
             <a:fld id="{C932E5DF-018E-49DA-B38A-5E65209E32B5}" type="datetime1">
               <a:rPr lang="sk-SK" noProof="0" smtClean="0"/>
-              <a:t>4. 10. 2021</a:t>
+              <a:t>18. 10. 2021</a:t>
             </a:fld>
             <a:endParaRPr lang="sk-SK" noProof="0" dirty="0"/>
           </a:p>
@@ -2397,7 +2397,7 @@
             <a:pPr rtl="0"/>
             <a:fld id="{5109D02C-C2F0-42B1-AF2A-7F22B5DC25B0}" type="datetime1">
               <a:rPr lang="sk-SK" noProof="0" smtClean="0"/>
-              <a:t>4. 10. 2021</a:t>
+              <a:t>18. 10. 2021</a:t>
             </a:fld>
             <a:endParaRPr lang="sk-SK" noProof="0" dirty="0"/>
           </a:p>
@@ -2645,7 +2645,7 @@
             <a:pPr rtl="0"/>
             <a:fld id="{27313ED6-7DF5-4EA8-A15A-56106F4AB1A8}" type="datetime1">
               <a:rPr lang="sk-SK" noProof="0" smtClean="0"/>
-              <a:t>4. 10. 2021</a:t>
+              <a:t>18. 10. 2021</a:t>
             </a:fld>
             <a:endParaRPr lang="sk-SK" noProof="0" dirty="0"/>
           </a:p>
@@ -3177,7 +3177,7 @@
             <a:pPr rtl="0"/>
             <a:fld id="{460B05BE-B82C-4836-BEE3-86B662C73967}" type="datetime1">
               <a:rPr lang="sk-SK" noProof="0" smtClean="0"/>
-              <a:t>4. 10. 2021</a:t>
+              <a:t>18. 10. 2021</a:t>
             </a:fld>
             <a:endParaRPr lang="sk-SK" noProof="0" dirty="0"/>
           </a:p>
@@ -3473,7 +3473,7 @@
             <a:pPr rtl="0"/>
             <a:fld id="{B6D80D0C-15C1-4232-BBBA-C081C283B074}" type="datetime1">
               <a:rPr lang="sk-SK" noProof="0" smtClean="0"/>
-              <a:t>4. 10. 2021</a:t>
+              <a:t>18. 10. 2021</a:t>
             </a:fld>
             <a:endParaRPr lang="sk-SK" noProof="0" dirty="0"/>
           </a:p>
@@ -3647,7 +3647,7 @@
             <a:pPr rtl="0"/>
             <a:fld id="{9C092629-6D55-437C-89A0-31B0B55C4A73}" type="datetime1">
               <a:rPr lang="sk-SK" noProof="0" smtClean="0"/>
-              <a:t>4. 10. 2021</a:t>
+              <a:t>18. 10. 2021</a:t>
             </a:fld>
             <a:endParaRPr lang="sk-SK" noProof="0" dirty="0"/>
           </a:p>
@@ -3827,7 +3827,7 @@
             <a:pPr rtl="0"/>
             <a:fld id="{45F7A265-AC1F-4DE6-B2E7-EDDEC1CB13AE}" type="datetime1">
               <a:rPr lang="sk-SK" noProof="0" smtClean="0"/>
-              <a:t>4. 10. 2021</a:t>
+              <a:t>18. 10. 2021</a:t>
             </a:fld>
             <a:endParaRPr lang="sk-SK" noProof="0" dirty="0"/>
           </a:p>
@@ -3997,7 +3997,7 @@
             <a:pPr rtl="0"/>
             <a:fld id="{556A154B-A35F-4191-B844-7C2621556C5A}" type="datetime1">
               <a:rPr lang="sk-SK" noProof="0" smtClean="0"/>
-              <a:t>4. 10. 2021</a:t>
+              <a:t>18. 10. 2021</a:t>
             </a:fld>
             <a:endParaRPr lang="sk-SK" noProof="0" dirty="0"/>
           </a:p>
@@ -4248,7 +4248,7 @@
             <a:pPr rtl="0"/>
             <a:fld id="{ECC8ABC4-B50E-4AED-80D0-A4EA425A67F1}" type="datetime1">
               <a:rPr lang="sk-SK" noProof="0" smtClean="0"/>
-              <a:t>4. 10. 2021</a:t>
+              <a:t>18. 10. 2021</a:t>
             </a:fld>
             <a:endParaRPr lang="sk-SK" noProof="0" dirty="0"/>
           </a:p>
@@ -4545,7 +4545,7 @@
             <a:pPr rtl="0"/>
             <a:fld id="{79846675-4AE1-4AA6-90BD-F0C34E95FD01}" type="datetime1">
               <a:rPr lang="sk-SK" noProof="0" smtClean="0"/>
-              <a:t>4. 10. 2021</a:t>
+              <a:t>18. 10. 2021</a:t>
             </a:fld>
             <a:endParaRPr lang="sk-SK" noProof="0" dirty="0"/>
           </a:p>
@@ -4987,7 +4987,7 @@
             <a:pPr rtl="0"/>
             <a:fld id="{7378032B-3EDA-4C05-BE29-4965CEDCD681}" type="datetime1">
               <a:rPr lang="sk-SK" noProof="0" smtClean="0"/>
-              <a:t>4. 10. 2021</a:t>
+              <a:t>18. 10. 2021</a:t>
             </a:fld>
             <a:endParaRPr lang="sk-SK" noProof="0" dirty="0"/>
           </a:p>
@@ -5105,7 +5105,7 @@
             <a:pPr rtl="0"/>
             <a:fld id="{8E1C420E-D5B6-4085-8589-6BD6C0D15322}" type="datetime1">
               <a:rPr lang="sk-SK" noProof="0" smtClean="0"/>
-              <a:t>4. 10. 2021</a:t>
+              <a:t>18. 10. 2021</a:t>
             </a:fld>
             <a:endParaRPr lang="sk-SK" noProof="0" dirty="0"/>
           </a:p>
@@ -5199,7 +5199,7 @@
             <a:pPr rtl="0"/>
             <a:fld id="{EE61EFEC-06A5-463A-84CB-3AC23AB02C2D}" type="datetime1">
               <a:rPr lang="sk-SK" noProof="0" smtClean="0"/>
-              <a:t>4. 10. 2021</a:t>
+              <a:t>18. 10. 2021</a:t>
             </a:fld>
             <a:endParaRPr lang="sk-SK" noProof="0" dirty="0"/>
           </a:p>
@@ -5482,7 +5482,7 @@
             <a:pPr rtl="0"/>
             <a:fld id="{2EB672FB-3028-4C4A-9E46-B78FDE73405B}" type="datetime1">
               <a:rPr lang="sk-SK" noProof="0" smtClean="0"/>
-              <a:t>4. 10. 2021</a:t>
+              <a:t>18. 10. 2021</a:t>
             </a:fld>
             <a:endParaRPr lang="sk-SK" noProof="0" dirty="0"/>
           </a:p>
@@ -5774,7 +5774,7 @@
             <a:pPr rtl="0"/>
             <a:fld id="{60367B1A-8B56-4DB3-9D45-FDEF93DAB338}" type="datetime1">
               <a:rPr lang="sk-SK" noProof="0" smtClean="0"/>
-              <a:t>4. 10. 2021</a:t>
+              <a:t>18. 10. 2021</a:t>
             </a:fld>
             <a:endParaRPr lang="sk-SK" noProof="0" dirty="0"/>
           </a:p>
@@ -6302,7 +6302,7 @@
             <a:pPr rtl="0"/>
             <a:fld id="{34C29ED1-23D1-4646-81FC-DC0A2419921B}" type="datetime1">
               <a:rPr lang="sk-SK" noProof="0" smtClean="0"/>
-              <a:t>4. 10. 2021</a:t>
+              <a:t>18. 10. 2021</a:t>
             </a:fld>
             <a:endParaRPr lang="sk-SK" noProof="0" dirty="0"/>
           </a:p>
@@ -20492,7 +20492,7 @@
             <a:pPr algn="just"/>
             <a:r>
               <a:rPr lang="sk-SK" dirty="0" err="1"/>
-              <a:t>CollectionTrhroughput</a:t>
+              <a:t>CollectionThroughput</a:t>
             </a:r>
             <a:endParaRPr lang="sk-SK" dirty="0"/>
           </a:p>
@@ -20660,13 +20660,16 @@
             <a:pPr algn="just"/>
             <a:r>
               <a:rPr lang="sk-SK" dirty="0"/>
-              <a:t>Jediné obmedzenie je, že webový server sa musí spustiť do </a:t>
-            </a:r>
-            <a:r>
-              <a:rPr lang="sk-SK"/>
-              <a:t>60 sekúnd</a:t>
-            </a:r>
-            <a:endParaRPr lang="sk-SK" dirty="0"/>
+              <a:t>Jediné obmedzenie je, že webový server</a:t>
+            </a:r>
+            <a:r>
+              <a:rPr lang="en-US" dirty="0"/>
+              <a:t>/handler</a:t>
+            </a:r>
+            <a:r>
+              <a:rPr lang="sk-SK" dirty="0"/>
+              <a:t> sa musí spustiť do 60 sekúnd</a:t>
+            </a:r>
           </a:p>
         </p:txBody>
       </p:sp>
@@ -23170,15 +23173,6 @@
 </file>
 
 <file path=customXml/item1.xml><?xml version="1.0" encoding="utf-8"?>
-<?mso-contentType ?>
-<FormTemplates xmlns="http://schemas.microsoft.com/sharepoint/v3/contenttype/forms">
-  <Display>DocumentLibraryForm</Display>
-  <Edit>DocumentLibraryForm</Edit>
-  <New>DocumentLibraryForm</New>
-</FormTemplates>
-</file>
-
-<file path=customXml/item2.xml><?xml version="1.0" encoding="utf-8"?>
 <ct:contentTypeSchema xmlns:ct="http://schemas.microsoft.com/office/2006/metadata/contentType" xmlns:ma="http://schemas.microsoft.com/office/2006/metadata/properties/metaAttributes" ct:_="" ma:_="" ma:contentTypeName="Dokument" ma:contentTypeID="0x010100D81D723D8BF7FD46A3A6BCCE71436C13" ma:contentTypeVersion="9" ma:contentTypeDescription="Umožňuje vytvoriť nový dokument." ma:contentTypeScope="" ma:versionID="5027bbb3b2b87f7facb5ec0a1a051276">
   <xsd:schema xmlns:xsd="http://www.w3.org/2001/XMLSchema" xmlns:xs="http://www.w3.org/2001/XMLSchema" xmlns:p="http://schemas.microsoft.com/office/2006/metadata/properties" xmlns:ns3="246628ed-b902-4bde-9cb2-b95f5582a2ce" xmlns:ns4="4e8b0afe-22a4-452b-ae06-8cabd0658848" targetNamespace="http://schemas.microsoft.com/office/2006/metadata/properties" ma:root="true" ma:fieldsID="f5d73a384b069110ab5db9ac98912687" ns3:_="" ns4:_="">
     <xsd:import namespace="246628ed-b902-4bde-9cb2-b95f5582a2ce"/>
@@ -23375,21 +23369,22 @@
 </ct:contentTypeSchema>
 </file>
 
-<file path=customXml/item3.xml><?xml version="1.0" encoding="utf-8"?>
+<file path=customXml/item2.xml><?xml version="1.0" encoding="utf-8"?>
 <p:properties xmlns:p="http://schemas.microsoft.com/office/2006/metadata/properties" xmlns:xsi="http://www.w3.org/2001/XMLSchema-instance" xmlns:pc="http://schemas.microsoft.com/office/infopath/2007/PartnerControls">
   <documentManagement/>
 </p:properties>
 </file>
 
-<file path=customXml/itemProps1.xml><?xml version="1.0" encoding="utf-8"?>
-<ds:datastoreItem xmlns:ds="http://schemas.openxmlformats.org/officeDocument/2006/customXml" ds:itemID="{33315AA3-EAE3-44ED-8368-BAC2FFFB4817}">
-  <ds:schemaRefs>
-    <ds:schemaRef ds:uri="http://schemas.microsoft.com/sharepoint/v3/contenttype/forms"/>
-  </ds:schemaRefs>
-</ds:datastoreItem>
+<file path=customXml/item3.xml><?xml version="1.0" encoding="utf-8"?>
+<?mso-contentType ?>
+<FormTemplates xmlns="http://schemas.microsoft.com/sharepoint/v3/contenttype/forms">
+  <Display>DocumentLibraryForm</Display>
+  <Edit>DocumentLibraryForm</Edit>
+  <New>DocumentLibraryForm</New>
+</FormTemplates>
 </file>
 
-<file path=customXml/itemProps2.xml><?xml version="1.0" encoding="utf-8"?>
+<file path=customXml/itemProps1.xml><?xml version="1.0" encoding="utf-8"?>
 <ds:datastoreItem xmlns:ds="http://schemas.openxmlformats.org/officeDocument/2006/customXml" ds:itemID="{60E9A80C-22BC-45AC-8E2E-E86FB731BF06}">
   <ds:schemaRefs>
     <ds:schemaRef ds:uri="http://schemas.microsoft.com/office/2006/metadata/contentType"/>
@@ -23408,7 +23403,7 @@
 </ds:datastoreItem>
 </file>
 
-<file path=customXml/itemProps3.xml><?xml version="1.0" encoding="utf-8"?>
+<file path=customXml/itemProps2.xml><?xml version="1.0" encoding="utf-8"?>
 <ds:datastoreItem xmlns:ds="http://schemas.openxmlformats.org/officeDocument/2006/customXml" ds:itemID="{D7023227-530E-4024-91EF-312A851A758C}">
   <ds:schemaRefs>
     <ds:schemaRef ds:uri="http://schemas.microsoft.com/office/2006/documentManagement/types"/>
@@ -23423,4 +23418,12 @@
     <ds:schemaRef ds:uri="http://www.w3.org/XML/1998/namespace"/>
   </ds:schemaRefs>
 </ds:datastoreItem>
+</file>
+
+<file path=customXml/itemProps3.xml><?xml version="1.0" encoding="utf-8"?>
+<ds:datastoreItem xmlns:ds="http://schemas.openxmlformats.org/officeDocument/2006/customXml" ds:itemID="{33315AA3-EAE3-44ED-8368-BAC2FFFB4817}">
+  <ds:schemaRefs>
+    <ds:schemaRef ds:uri="http://schemas.microsoft.com/sharepoint/v3/contenttype/forms"/>
+  </ds:schemaRefs>
+</ds:datastoreItem>
 </file>
--- a/04 - Azure Functions/Azure Functions.pptx
+++ b/04 - Azure Functions/Azure Functions.pptx
@@ -7391,7 +7391,15 @@
             </a:r>
             <a:r>
               <a:rPr lang="sk-SK" dirty="0"/>
-              <a:t>80-81</a:t>
+              <a:t>80, </a:t>
+            </a:r>
+            <a:r>
+              <a:rPr lang="en-US" dirty="0"/>
+              <a:t>#</a:t>
+            </a:r>
+            <a:r>
+              <a:rPr lang="sk-SK" dirty="0"/>
+              <a:t>82</a:t>
             </a:r>
           </a:p>
         </p:txBody>
@@ -20261,8 +20269,8 @@
           <a:p>
             <a:pPr algn="just"/>
             <a:r>
-              <a:rPr lang="sk-SK" b="1" dirty="0" err="1"/>
-              <a:t>collectionTrhroughput</a:t>
+              <a:rPr lang="sk-SK" b="1"/>
+              <a:t>collectionThroughput</a:t>
             </a:r>
             <a:r>
               <a:rPr lang="sk-SK" b="1" dirty="0"/>
@@ -23173,6 +23181,15 @@
 </file>
 
 <file path=customXml/item1.xml><?xml version="1.0" encoding="utf-8"?>
+<?mso-contentType ?>
+<FormTemplates xmlns="http://schemas.microsoft.com/sharepoint/v3/contenttype/forms">
+  <Display>DocumentLibraryForm</Display>
+  <Edit>DocumentLibraryForm</Edit>
+  <New>DocumentLibraryForm</New>
+</FormTemplates>
+</file>
+
+<file path=customXml/item2.xml><?xml version="1.0" encoding="utf-8"?>
 <ct:contentTypeSchema xmlns:ct="http://schemas.microsoft.com/office/2006/metadata/contentType" xmlns:ma="http://schemas.microsoft.com/office/2006/metadata/properties/metaAttributes" ct:_="" ma:_="" ma:contentTypeName="Dokument" ma:contentTypeID="0x010100D81D723D8BF7FD46A3A6BCCE71436C13" ma:contentTypeVersion="9" ma:contentTypeDescription="Umožňuje vytvoriť nový dokument." ma:contentTypeScope="" ma:versionID="5027bbb3b2b87f7facb5ec0a1a051276">
   <xsd:schema xmlns:xsd="http://www.w3.org/2001/XMLSchema" xmlns:xs="http://www.w3.org/2001/XMLSchema" xmlns:p="http://schemas.microsoft.com/office/2006/metadata/properties" xmlns:ns3="246628ed-b902-4bde-9cb2-b95f5582a2ce" xmlns:ns4="4e8b0afe-22a4-452b-ae06-8cabd0658848" targetNamespace="http://schemas.microsoft.com/office/2006/metadata/properties" ma:root="true" ma:fieldsID="f5d73a384b069110ab5db9ac98912687" ns3:_="" ns4:_="">
     <xsd:import namespace="246628ed-b902-4bde-9cb2-b95f5582a2ce"/>
@@ -23369,22 +23386,21 @@
 </ct:contentTypeSchema>
 </file>
 
-<file path=customXml/item2.xml><?xml version="1.0" encoding="utf-8"?>
+<file path=customXml/item3.xml><?xml version="1.0" encoding="utf-8"?>
 <p:properties xmlns:p="http://schemas.microsoft.com/office/2006/metadata/properties" xmlns:xsi="http://www.w3.org/2001/XMLSchema-instance" xmlns:pc="http://schemas.microsoft.com/office/infopath/2007/PartnerControls">
   <documentManagement/>
 </p:properties>
 </file>
 
-<file path=customXml/item3.xml><?xml version="1.0" encoding="utf-8"?>
-<?mso-contentType ?>
-<FormTemplates xmlns="http://schemas.microsoft.com/sharepoint/v3/contenttype/forms">
-  <Display>DocumentLibraryForm</Display>
-  <Edit>DocumentLibraryForm</Edit>
-  <New>DocumentLibraryForm</New>
-</FormTemplates>
+<file path=customXml/itemProps1.xml><?xml version="1.0" encoding="utf-8"?>
+<ds:datastoreItem xmlns:ds="http://schemas.openxmlformats.org/officeDocument/2006/customXml" ds:itemID="{33315AA3-EAE3-44ED-8368-BAC2FFFB4817}">
+  <ds:schemaRefs>
+    <ds:schemaRef ds:uri="http://schemas.microsoft.com/sharepoint/v3/contenttype/forms"/>
+  </ds:schemaRefs>
+</ds:datastoreItem>
 </file>
 
-<file path=customXml/itemProps1.xml><?xml version="1.0" encoding="utf-8"?>
+<file path=customXml/itemProps2.xml><?xml version="1.0" encoding="utf-8"?>
 <ds:datastoreItem xmlns:ds="http://schemas.openxmlformats.org/officeDocument/2006/customXml" ds:itemID="{60E9A80C-22BC-45AC-8E2E-E86FB731BF06}">
   <ds:schemaRefs>
     <ds:schemaRef ds:uri="http://schemas.microsoft.com/office/2006/metadata/contentType"/>
@@ -23403,7 +23419,7 @@
 </ds:datastoreItem>
 </file>
 
-<file path=customXml/itemProps2.xml><?xml version="1.0" encoding="utf-8"?>
+<file path=customXml/itemProps3.xml><?xml version="1.0" encoding="utf-8"?>
 <ds:datastoreItem xmlns:ds="http://schemas.openxmlformats.org/officeDocument/2006/customXml" ds:itemID="{D7023227-530E-4024-91EF-312A851A758C}">
   <ds:schemaRefs>
     <ds:schemaRef ds:uri="http://schemas.microsoft.com/office/2006/documentManagement/types"/>
@@ -23418,12 +23434,4 @@
     <ds:schemaRef ds:uri="http://www.w3.org/XML/1998/namespace"/>
   </ds:schemaRefs>
 </ds:datastoreItem>
-</file>
-
-<file path=customXml/itemProps3.xml><?xml version="1.0" encoding="utf-8"?>
-<ds:datastoreItem xmlns:ds="http://schemas.openxmlformats.org/officeDocument/2006/customXml" ds:itemID="{33315AA3-EAE3-44ED-8368-BAC2FFFB4817}">
-  <ds:schemaRefs>
-    <ds:schemaRef ds:uri="http://schemas.microsoft.com/sharepoint/v3/contenttype/forms"/>
-  </ds:schemaRefs>
-</ds:datastoreItem>
 </file>